--- a/Криптография на практике.pptx
+++ b/Криптография на практике.pptx
@@ -9,6 +9,8 @@
     <p:sldId id="257" r:id="rId3"/>
     <p:sldId id="258" r:id="rId4"/>
     <p:sldId id="259" r:id="rId5"/>
+    <p:sldId id="260" r:id="rId6"/>
+    <p:sldId id="261" r:id="rId7"/>
   </p:sldIdLst>
   <p:sldSz cx="12192000" cy="6858000"/>
   <p:notesSz cx="6858000" cy="9144000"/>
@@ -107,6 +109,11 @@
       </a:defRPr>
     </a:lvl9pPr>
   </p:defaultTextStyle>
+  <p:extLst>
+    <p:ext uri="{EFAFB233-063F-42B5-8137-9DF3F51BA10A}">
+      <p15:sldGuideLst xmlns:p15="http://schemas.microsoft.com/office/powerpoint/2012/main"/>
+    </p:ext>
+  </p:extLst>
 </p:presentation>
 </file>
 
@@ -1194,6 +1201,13 @@
         </dgm:presLayoutVars>
       </dgm:prSet>
       <dgm:spPr/>
+      <dgm:t>
+        <a:bodyPr/>
+        <a:lstStyle/>
+        <a:p>
+          <a:endParaRPr lang="ru-RU"/>
+        </a:p>
+      </dgm:t>
     </dgm:pt>
     <dgm:pt modelId="{8796408A-BF74-4165-B11C-666D963E8C3B}" type="pres">
       <dgm:prSet presAssocID="{4CDA5DEC-66CE-4036-82CA-0AC8D39AD024}" presName="composite" presStyleCnt="0"/>
@@ -1208,6 +1222,13 @@
         </dgm:presLayoutVars>
       </dgm:prSet>
       <dgm:spPr/>
+      <dgm:t>
+        <a:bodyPr/>
+        <a:lstStyle/>
+        <a:p>
+          <a:endParaRPr lang="ru-RU"/>
+        </a:p>
+      </dgm:t>
     </dgm:pt>
     <dgm:pt modelId="{E3CDC9AC-2FB0-467A-A959-7ABFFA0C5DBE}" type="pres">
       <dgm:prSet presAssocID="{4CDA5DEC-66CE-4036-82CA-0AC8D39AD024}" presName="desTx" presStyleLbl="alignAccFollowNode1" presStyleIdx="0" presStyleCnt="2" custLinFactNeighborX="-14" custLinFactNeighborY="153">
@@ -1241,6 +1262,13 @@
         </dgm:presLayoutVars>
       </dgm:prSet>
       <dgm:spPr/>
+      <dgm:t>
+        <a:bodyPr/>
+        <a:lstStyle/>
+        <a:p>
+          <a:endParaRPr lang="ru-RU"/>
+        </a:p>
+      </dgm:t>
     </dgm:pt>
     <dgm:pt modelId="{0343A0B0-419C-4B6F-A461-8223EC7682FB}" type="pres">
       <dgm:prSet presAssocID="{4B79B074-58EF-4908-98BE-B86368CD7E66}" presName="desTx" presStyleLbl="alignAccFollowNode1" presStyleIdx="1" presStyleCnt="2">
@@ -1249,6 +1277,13 @@
         </dgm:presLayoutVars>
       </dgm:prSet>
       <dgm:spPr/>
+      <dgm:t>
+        <a:bodyPr/>
+        <a:lstStyle/>
+        <a:p>
+          <a:endParaRPr lang="ru-RU"/>
+        </a:p>
+      </dgm:t>
     </dgm:pt>
   </dgm:ptLst>
   <dgm:cxnLst>
@@ -1257,11 +1292,11 @@
     <dgm:cxn modelId="{1A4E36DF-BFF3-45CB-BD95-925236A63FAF}" type="presOf" srcId="{E4170DF7-F023-46AC-A19C-2D369043D24E}" destId="{0343A0B0-419C-4B6F-A461-8223EC7682FB}" srcOrd="0" destOrd="0" presId="urn:microsoft.com/office/officeart/2005/8/layout/hList1"/>
     <dgm:cxn modelId="{2F3F9EE8-4F27-45F1-AADF-92F097981D6B}" type="presOf" srcId="{DEB629F6-04EC-493A-ABAB-056809C1AEFB}" destId="{E3CDC9AC-2FB0-467A-A959-7ABFFA0C5DBE}" srcOrd="0" destOrd="4" presId="urn:microsoft.com/office/officeart/2005/8/layout/hList1"/>
     <dgm:cxn modelId="{87199E3B-576E-4438-BC2E-3ECAF0829894}" type="presOf" srcId="{4CDA5DEC-66CE-4036-82CA-0AC8D39AD024}" destId="{443A723A-E876-4751-83CE-A53117C6D731}" srcOrd="0" destOrd="0" presId="urn:microsoft.com/office/officeart/2005/8/layout/hList1"/>
+    <dgm:cxn modelId="{53AE5B4D-A85E-4EC1-97DA-C107C84EF9B8}" srcId="{4CDA5DEC-66CE-4036-82CA-0AC8D39AD024}" destId="{C0824986-A93E-454E-B737-E8E573C30DC8}" srcOrd="5" destOrd="0" parTransId="{AD67469E-6C77-4A24-B814-304EBA88DEA9}" sibTransId="{A6D5BF74-5447-45D5-AFC6-467FA4037A69}"/>
     <dgm:cxn modelId="{E5B9AA45-322A-4572-875C-F2D31DFBC871}" srcId="{4CDA5DEC-66CE-4036-82CA-0AC8D39AD024}" destId="{682C30C7-0A46-4A3A-80EA-0D0E7F068CDB}" srcOrd="0" destOrd="0" parTransId="{AB8A02FE-7A79-412F-8B12-BEAC1A755A20}" sibTransId="{BD967DBF-24CC-43F1-965B-CD2451737EDD}"/>
-    <dgm:cxn modelId="{53AE5B4D-A85E-4EC1-97DA-C107C84EF9B8}" srcId="{4CDA5DEC-66CE-4036-82CA-0AC8D39AD024}" destId="{C0824986-A93E-454E-B737-E8E573C30DC8}" srcOrd="5" destOrd="0" parTransId="{AD67469E-6C77-4A24-B814-304EBA88DEA9}" sibTransId="{A6D5BF74-5447-45D5-AFC6-467FA4037A69}"/>
     <dgm:cxn modelId="{4026FEED-55DC-4519-B4B5-9FD63779990F}" type="presOf" srcId="{6CF247DC-02A0-4D4E-8686-A8F9DCF4CF08}" destId="{94A4C017-BF8F-4214-AE91-22749C616252}" srcOrd="0" destOrd="0" presId="urn:microsoft.com/office/officeart/2005/8/layout/hList1"/>
+    <dgm:cxn modelId="{11AF856B-CACE-4DE2-B200-39609323EA3B}" srcId="{4B79B074-58EF-4908-98BE-B86368CD7E66}" destId="{56E9257E-9DB1-474C-9816-DE62925F673E}" srcOrd="1" destOrd="0" parTransId="{172A37E0-C7EF-4BAE-B677-C4E92AB4AF6E}" sibTransId="{D1447964-5C00-41FA-94EE-F88DE5AA073D}"/>
     <dgm:cxn modelId="{E8BCD9DF-96FC-4C5F-B3BD-1DCD1A5FC04A}" srcId="{6CF247DC-02A0-4D4E-8686-A8F9DCF4CF08}" destId="{4CDA5DEC-66CE-4036-82CA-0AC8D39AD024}" srcOrd="0" destOrd="0" parTransId="{ECC51212-1D96-45D0-9C84-FFEF3BDDDB0A}" sibTransId="{4CEA10DD-85EC-478A-967C-708F0D88BB78}"/>
-    <dgm:cxn modelId="{11AF856B-CACE-4DE2-B200-39609323EA3B}" srcId="{4B79B074-58EF-4908-98BE-B86368CD7E66}" destId="{56E9257E-9DB1-474C-9816-DE62925F673E}" srcOrd="1" destOrd="0" parTransId="{172A37E0-C7EF-4BAE-B677-C4E92AB4AF6E}" sibTransId="{D1447964-5C00-41FA-94EE-F88DE5AA073D}"/>
     <dgm:cxn modelId="{3F3BEB48-FA2B-4860-A9BC-AE2180416FA3}" type="presOf" srcId="{D418B693-E566-4D81-9CF4-08BF973A5CC0}" destId="{E3CDC9AC-2FB0-467A-A959-7ABFFA0C5DBE}" srcOrd="0" destOrd="1" presId="urn:microsoft.com/office/officeart/2005/8/layout/hList1"/>
     <dgm:cxn modelId="{26EDE1AD-27D3-4274-9DF4-F07BE1F73239}" type="presOf" srcId="{56E9257E-9DB1-474C-9816-DE62925F673E}" destId="{0343A0B0-419C-4B6F-A461-8223EC7682FB}" srcOrd="0" destOrd="1" presId="urn:microsoft.com/office/officeart/2005/8/layout/hList1"/>
     <dgm:cxn modelId="{BF817975-C70D-47EC-8FA7-24FEA70BAF74}" srcId="{4CDA5DEC-66CE-4036-82CA-0AC8D39AD024}" destId="{E3E406FB-353B-4253-81B2-D163E7C4E6D1}" srcOrd="2" destOrd="0" parTransId="{2B21D8E5-5BA5-44E9-89F7-3A529225E3B0}" sibTransId="{EC4B9696-999F-44A8-906A-7022F38A096C}"/>
@@ -3705,7 +3740,7 @@
             <a:fld id="{B61BEF0D-F0BB-DE4B-95CE-6DB70DBA9567}" type="datetimeFigureOut">
               <a:rPr lang="en-US" smtClean="0"/>
               <a:pPr/>
-              <a:t>1/23/2019</a:t>
+              <a:t>1/24/2019</a:t>
             </a:fld>
             <a:endParaRPr lang="en-US" dirty="0"/>
           </a:p>
@@ -3958,7 +3993,7 @@
             <a:fld id="{B61BEF0D-F0BB-DE4B-95CE-6DB70DBA9567}" type="datetimeFigureOut">
               <a:rPr lang="en-US" smtClean="0"/>
               <a:pPr/>
-              <a:t>1/23/2019</a:t>
+              <a:t>1/24/2019</a:t>
             </a:fld>
             <a:endParaRPr lang="en-US" dirty="0"/>
           </a:p>
@@ -4274,7 +4309,7 @@
             <a:fld id="{B61BEF0D-F0BB-DE4B-95CE-6DB70DBA9567}" type="datetimeFigureOut">
               <a:rPr lang="en-US" smtClean="0"/>
               <a:pPr/>
-              <a:t>1/23/2019</a:t>
+              <a:t>1/24/2019</a:t>
             </a:fld>
             <a:endParaRPr lang="en-US" dirty="0"/>
           </a:p>
@@ -4617,7 +4652,7 @@
             <a:fld id="{B61BEF0D-F0BB-DE4B-95CE-6DB70DBA9567}" type="datetimeFigureOut">
               <a:rPr lang="en-US" smtClean="0"/>
               <a:pPr/>
-              <a:t>1/23/2019</a:t>
+              <a:t>1/24/2019</a:t>
             </a:fld>
             <a:endParaRPr lang="en-US" dirty="0"/>
           </a:p>
@@ -4933,7 +4968,7 @@
             <a:fld id="{B61BEF0D-F0BB-DE4B-95CE-6DB70DBA9567}" type="datetimeFigureOut">
               <a:rPr lang="en-US" smtClean="0"/>
               <a:pPr/>
-              <a:t>1/23/2019</a:t>
+              <a:t>1/24/2019</a:t>
             </a:fld>
             <a:endParaRPr lang="en-US" dirty="0"/>
           </a:p>
@@ -5328,7 +5363,7 @@
             <a:fld id="{B61BEF0D-F0BB-DE4B-95CE-6DB70DBA9567}" type="datetimeFigureOut">
               <a:rPr lang="en-US" smtClean="0"/>
               <a:pPr/>
-              <a:t>1/23/2019</a:t>
+              <a:t>1/24/2019</a:t>
             </a:fld>
             <a:endParaRPr lang="en-US" dirty="0"/>
           </a:p>
@@ -5499,7 +5534,7 @@
           <a:p>
             <a:fld id="{55C6B4A9-1611-4792-9094-5F34BCA07E0B}" type="datetimeFigureOut">
               <a:rPr lang="en-US" smtClean="0"/>
-              <a:t>1/23/2019</a:t>
+              <a:t>1/24/2019</a:t>
             </a:fld>
             <a:endParaRPr lang="en-US" dirty="0"/>
           </a:p>
@@ -5680,7 +5715,7 @@
             <a:fld id="{B61BEF0D-F0BB-DE4B-95CE-6DB70DBA9567}" type="datetimeFigureOut">
               <a:rPr lang="en-US" smtClean="0"/>
               <a:pPr/>
-              <a:t>1/23/2019</a:t>
+              <a:t>1/24/2019</a:t>
             </a:fld>
             <a:endParaRPr lang="en-US" dirty="0"/>
           </a:p>
@@ -5858,7 +5893,7 @@
             <a:fld id="{B61BEF0D-F0BB-DE4B-95CE-6DB70DBA9567}" type="datetimeFigureOut">
               <a:rPr lang="en-US" smtClean="0"/>
               <a:pPr/>
-              <a:t>1/23/2019</a:t>
+              <a:t>1/24/2019</a:t>
             </a:fld>
             <a:endParaRPr lang="en-US" dirty="0"/>
           </a:p>
@@ -6107,7 +6142,7 @@
             <a:fld id="{B61BEF0D-F0BB-DE4B-95CE-6DB70DBA9567}" type="datetimeFigureOut">
               <a:rPr lang="en-US" smtClean="0"/>
               <a:pPr/>
-              <a:t>1/23/2019</a:t>
+              <a:t>1/24/2019</a:t>
             </a:fld>
             <a:endParaRPr lang="en-US" dirty="0"/>
           </a:p>
@@ -6340,7 +6375,7 @@
           <a:p>
             <a:fld id="{EB712588-04B1-427B-82EE-E8DB90309F08}" type="datetimeFigureOut">
               <a:rPr lang="en-US" smtClean="0"/>
-              <a:t>1/23/2019</a:t>
+              <a:t>1/24/2019</a:t>
             </a:fld>
             <a:endParaRPr lang="en-US" dirty="0"/>
           </a:p>
@@ -6715,7 +6750,7 @@
             <a:fld id="{B61BEF0D-F0BB-DE4B-95CE-6DB70DBA9567}" type="datetimeFigureOut">
               <a:rPr lang="en-US" smtClean="0"/>
               <a:pPr/>
-              <a:t>1/23/2019</a:t>
+              <a:t>1/24/2019</a:t>
             </a:fld>
             <a:endParaRPr lang="en-US" dirty="0"/>
           </a:p>
@@ -6840,7 +6875,7 @@
             <a:fld id="{B61BEF0D-F0BB-DE4B-95CE-6DB70DBA9567}" type="datetimeFigureOut">
               <a:rPr lang="en-US" smtClean="0"/>
               <a:pPr/>
-              <a:t>1/23/2019</a:t>
+              <a:t>1/24/2019</a:t>
             </a:fld>
             <a:endParaRPr lang="en-US" dirty="0"/>
           </a:p>
@@ -6937,7 +6972,7 @@
             <a:fld id="{B61BEF0D-F0BB-DE4B-95CE-6DB70DBA9567}" type="datetimeFigureOut">
               <a:rPr lang="en-US" smtClean="0"/>
               <a:pPr/>
-              <a:t>1/23/2019</a:t>
+              <a:t>1/24/2019</a:t>
             </a:fld>
             <a:endParaRPr lang="en-US" dirty="0"/>
           </a:p>
@@ -7193,7 +7228,7 @@
           <a:p>
             <a:fld id="{42A54C80-263E-416B-A8E0-580EDEADCBDC}" type="datetimeFigureOut">
               <a:rPr lang="en-US" smtClean="0"/>
-              <a:t>1/23/2019</a:t>
+              <a:t>1/24/2019</a:t>
             </a:fld>
             <a:endParaRPr lang="en-US" dirty="0"/>
           </a:p>
@@ -7457,7 +7492,7 @@
             <a:fld id="{B61BEF0D-F0BB-DE4B-95CE-6DB70DBA9567}" type="datetimeFigureOut">
               <a:rPr lang="en-US" smtClean="0"/>
               <a:pPr/>
-              <a:t>1/23/2019</a:t>
+              <a:t>1/24/2019</a:t>
             </a:fld>
             <a:endParaRPr lang="en-US" dirty="0"/>
           </a:p>
@@ -8202,7 +8237,7 @@
             <a:fld id="{B61BEF0D-F0BB-DE4B-95CE-6DB70DBA9567}" type="datetimeFigureOut">
               <a:rPr lang="en-US" smtClean="0"/>
               <a:pPr/>
-              <a:t>1/23/2019</a:t>
+              <a:t>1/24/2019</a:t>
             </a:fld>
             <a:endParaRPr lang="en-US" dirty="0"/>
           </a:p>
@@ -8765,6 +8800,13 @@
   <p:clrMapOvr>
     <a:masterClrMapping/>
   </p:clrMapOvr>
+  <p:timing>
+    <p:tnLst>
+      <p:par>
+        <p:cTn id="1" dur="indefinite" restart="never" nodeType="tmRoot"/>
+      </p:par>
+    </p:tnLst>
+  </p:timing>
 </p:sld>
 </file>
 
@@ -8843,6 +8885,13 @@
   <p:clrMapOvr>
     <a:masterClrMapping/>
   </p:clrMapOvr>
+  <p:timing>
+    <p:tnLst>
+      <p:par>
+        <p:cTn id="1" dur="indefinite" restart="never" nodeType="tmRoot"/>
+      </p:par>
+    </p:tnLst>
+  </p:timing>
 </p:sld>
 </file>
 
@@ -8882,25 +8931,35 @@
           </a:p>
         </p:txBody>
       </p:sp>
-      <p:sp>
-        <p:nvSpPr>
-          <p:cNvPr id="3" name="Объект 2"/>
-          <p:cNvSpPr>
-            <a:spLocks noGrp="1"/>
-          </p:cNvSpPr>
+      <p:pic>
+        <p:nvPicPr>
+          <p:cNvPr id="4" name="Объект 3"/>
+          <p:cNvPicPr>
+            <a:picLocks noGrp="1" noChangeAspect="1"/>
+          </p:cNvPicPr>
           <p:nvPr>
             <p:ph idx="1"/>
           </p:nvPr>
-        </p:nvSpPr>
-        <p:spPr/>
-        <p:txBody>
-          <a:bodyPr/>
-          <a:lstStyle/>
-          <a:p>
-            <a:endParaRPr lang="ru-RU"/>
-          </a:p>
-        </p:txBody>
-      </p:sp>
+        </p:nvPicPr>
+        <p:blipFill>
+          <a:blip r:embed="rId2">
+            <a:extLst>
+              <a:ext uri="{28A0092B-C50C-407E-A947-70E740481C1C}">
+                <a14:useLocalDpi xmlns:a14="http://schemas.microsoft.com/office/drawing/2010/main" val="0"/>
+              </a:ext>
+            </a:extLst>
+          </a:blip>
+          <a:stretch>
+            <a:fillRect/>
+          </a:stretch>
+        </p:blipFill>
+        <p:spPr>
+          <a:xfrm>
+            <a:off x="750826" y="399012"/>
+            <a:ext cx="8523176" cy="5985164"/>
+          </a:xfrm>
+        </p:spPr>
+      </p:pic>
     </p:spTree>
     <p:extLst>
       <p:ext uri="{BB962C8B-B14F-4D97-AF65-F5344CB8AC3E}">
@@ -8911,6 +8970,13 @@
   <p:clrMapOvr>
     <a:masterClrMapping/>
   </p:clrMapOvr>
+  <p:timing>
+    <p:tnLst>
+      <p:par>
+        <p:cTn id="1" dur="indefinite" restart="never" nodeType="tmRoot"/>
+      </p:par>
+    </p:tnLst>
+  </p:timing>
 </p:sld>
 </file>
 
@@ -9025,7 +9091,7 @@
         <p:spPr bwMode="auto">
           <a:xfrm>
             <a:off x="4736775" y="1930400"/>
-            <a:ext cx="5873445" cy="4405086"/>
+            <a:ext cx="4382287" cy="4405086"/>
           </a:xfrm>
           <a:prstGeom prst="rect">
             <a:avLst/>
@@ -9046,6 +9112,373 @@
     <p:extLst>
       <p:ext uri="{BB962C8B-B14F-4D97-AF65-F5344CB8AC3E}">
         <p14:creationId xmlns:p14="http://schemas.microsoft.com/office/powerpoint/2010/main" val="3817211920"/>
+      </p:ext>
+    </p:extLst>
+  </p:cSld>
+  <p:clrMapOvr>
+    <a:masterClrMapping/>
+  </p:clrMapOvr>
+  <p:timing>
+    <p:tnLst>
+      <p:par>
+        <p:cTn id="1" dur="indefinite" restart="never" nodeType="tmRoot"/>
+      </p:par>
+    </p:tnLst>
+  </p:timing>
+</p:sld>
+</file>
+
+<file path=ppt/slides/slide5.xml><?xml version="1.0" encoding="utf-8"?>
+<p:sld xmlns:a="http://schemas.openxmlformats.org/drawingml/2006/main" xmlns:r="http://schemas.openxmlformats.org/officeDocument/2006/relationships" xmlns:p="http://schemas.openxmlformats.org/presentationml/2006/main">
+  <p:cSld>
+    <p:spTree>
+      <p:nvGrpSpPr>
+        <p:cNvPr id="1" name=""/>
+        <p:cNvGrpSpPr/>
+        <p:nvPr/>
+      </p:nvGrpSpPr>
+      <p:grpSpPr>
+        <a:xfrm>
+          <a:off x="0" y="0"/>
+          <a:ext cx="0" cy="0"/>
+          <a:chOff x="0" y="0"/>
+          <a:chExt cx="0" cy="0"/>
+        </a:xfrm>
+      </p:grpSpPr>
+      <p:sp>
+        <p:nvSpPr>
+          <p:cNvPr id="2" name="Заголовок 1"/>
+          <p:cNvSpPr>
+            <a:spLocks noGrp="1"/>
+          </p:cNvSpPr>
+          <p:nvPr>
+            <p:ph type="title"/>
+          </p:nvPr>
+        </p:nvSpPr>
+        <p:spPr>
+          <a:xfrm>
+            <a:off x="677334" y="609600"/>
+            <a:ext cx="8596668" cy="803564"/>
+          </a:xfrm>
+        </p:spPr>
+        <p:txBody>
+          <a:bodyPr/>
+          <a:lstStyle/>
+          <a:p>
+            <a:r>
+              <a:rPr lang="ru-RU" dirty="0" smtClean="0"/>
+              <a:t>Что использовали мы</a:t>
+            </a:r>
+            <a:r>
+              <a:rPr lang="en-US" dirty="0" smtClean="0"/>
+              <a:t>:</a:t>
+            </a:r>
+            <a:endParaRPr lang="ru-RU" dirty="0"/>
+          </a:p>
+        </p:txBody>
+      </p:sp>
+      <p:sp>
+        <p:nvSpPr>
+          <p:cNvPr id="3" name="Объект 2"/>
+          <p:cNvSpPr>
+            <a:spLocks noGrp="1"/>
+          </p:cNvSpPr>
+          <p:nvPr>
+            <p:ph idx="1"/>
+          </p:nvPr>
+        </p:nvSpPr>
+        <p:spPr>
+          <a:xfrm>
+            <a:off x="677334" y="1504605"/>
+            <a:ext cx="8596668" cy="4536758"/>
+          </a:xfrm>
+        </p:spPr>
+        <p:txBody>
+          <a:bodyPr/>
+          <a:lstStyle/>
+          <a:p>
+            <a:pPr marL="0" indent="0">
+              <a:buNone/>
+            </a:pPr>
+            <a:r>
+              <a:rPr lang="ru-RU" dirty="0" smtClean="0"/>
+              <a:t>Языки</a:t>
+            </a:r>
+            <a:r>
+              <a:rPr lang="en-US" dirty="0" smtClean="0"/>
+              <a:t>:</a:t>
+            </a:r>
+          </a:p>
+          <a:p>
+            <a:pPr marL="0" indent="0">
+              <a:buNone/>
+            </a:pPr>
+            <a:r>
+              <a:rPr lang="en-US" dirty="0"/>
+              <a:t>	</a:t>
+            </a:r>
+            <a:r>
+              <a:rPr lang="en-US" dirty="0" smtClean="0">
+                <a:solidFill>
+                  <a:srgbClr val="7030A0"/>
+                </a:solidFill>
+              </a:rPr>
+              <a:t>C#</a:t>
+            </a:r>
+          </a:p>
+          <a:p>
+            <a:pPr marL="0" indent="0">
+              <a:buNone/>
+            </a:pPr>
+            <a:r>
+              <a:rPr lang="en-US" dirty="0"/>
+              <a:t>	</a:t>
+            </a:r>
+            <a:r>
+              <a:rPr lang="en-US" dirty="0" smtClean="0">
+                <a:solidFill>
+                  <a:schemeClr val="accent3"/>
+                </a:solidFill>
+              </a:rPr>
+              <a:t>Pyt</a:t>
+            </a:r>
+            <a:r>
+              <a:rPr lang="en-US" dirty="0" smtClean="0">
+                <a:solidFill>
+                  <a:srgbClr val="0070C0"/>
+                </a:solidFill>
+              </a:rPr>
+              <a:t>hon</a:t>
+            </a:r>
+          </a:p>
+          <a:p>
+            <a:pPr marL="0" indent="0">
+              <a:buNone/>
+            </a:pPr>
+            <a:r>
+              <a:rPr lang="en-US" dirty="0"/>
+              <a:t>	</a:t>
+            </a:r>
+            <a:r>
+              <a:rPr lang="en-US" dirty="0" smtClean="0">
+                <a:solidFill>
+                  <a:schemeClr val="accent5"/>
+                </a:solidFill>
+              </a:rPr>
+              <a:t>Java</a:t>
+            </a:r>
+          </a:p>
+          <a:p>
+            <a:pPr marL="0" indent="0">
+              <a:buNone/>
+            </a:pPr>
+            <a:r>
+              <a:rPr lang="en-US" dirty="0"/>
+              <a:t>	</a:t>
+            </a:r>
+            <a:r>
+              <a:rPr lang="en-US" dirty="0" smtClean="0"/>
+              <a:t>XML</a:t>
+            </a:r>
+            <a:endParaRPr lang="ru-RU" dirty="0" smtClean="0"/>
+          </a:p>
+          <a:p>
+            <a:pPr marL="0" indent="0">
+              <a:buNone/>
+            </a:pPr>
+            <a:r>
+              <a:rPr lang="en-US" dirty="0" smtClean="0"/>
+              <a:t>IDE:</a:t>
+            </a:r>
+          </a:p>
+          <a:p>
+            <a:pPr marL="0" indent="0">
+              <a:buNone/>
+            </a:pPr>
+            <a:r>
+              <a:rPr lang="ru-RU" dirty="0"/>
+              <a:t>	</a:t>
+            </a:r>
+            <a:r>
+              <a:rPr lang="en-US" dirty="0" smtClean="0">
+                <a:solidFill>
+                  <a:srgbClr val="7030A0"/>
+                </a:solidFill>
+              </a:rPr>
+              <a:t>Visual Studio 2017</a:t>
+            </a:r>
+          </a:p>
+          <a:p>
+            <a:pPr marL="0" indent="0">
+              <a:buNone/>
+            </a:pPr>
+            <a:r>
+              <a:rPr lang="en-US" dirty="0"/>
+              <a:t>	</a:t>
+            </a:r>
+            <a:r>
+              <a:rPr lang="en-US" dirty="0" err="1" smtClean="0">
+                <a:solidFill>
+                  <a:schemeClr val="accent1"/>
+                </a:solidFill>
+              </a:rPr>
+              <a:t>Py</a:t>
+            </a:r>
+            <a:r>
+              <a:rPr lang="en-US" dirty="0" err="1" smtClean="0">
+                <a:solidFill>
+                  <a:schemeClr val="accent3"/>
+                </a:solidFill>
+              </a:rPr>
+              <a:t>Charm</a:t>
+            </a:r>
+            <a:r>
+              <a:rPr lang="en-US" dirty="0" smtClean="0"/>
+              <a:t> Community 2018</a:t>
+            </a:r>
+          </a:p>
+          <a:p>
+            <a:pPr marL="0" indent="0">
+              <a:buNone/>
+            </a:pPr>
+            <a:r>
+              <a:rPr lang="ru-RU" dirty="0" smtClean="0"/>
+              <a:t>Система контроля версий</a:t>
+            </a:r>
+            <a:r>
+              <a:rPr lang="en-US" dirty="0" smtClean="0"/>
+              <a:t>:</a:t>
+            </a:r>
+          </a:p>
+          <a:p>
+            <a:pPr marL="0" indent="0">
+              <a:buNone/>
+            </a:pPr>
+            <a:r>
+              <a:rPr lang="en-US" dirty="0"/>
+              <a:t>	</a:t>
+            </a:r>
+            <a:r>
+              <a:rPr lang="en-US" dirty="0" err="1" smtClean="0"/>
+              <a:t>git</a:t>
+            </a:r>
+            <a:r>
+              <a:rPr lang="en-US" dirty="0" smtClean="0"/>
+              <a:t> (</a:t>
+            </a:r>
+            <a:r>
+              <a:rPr lang="ru-RU" dirty="0" err="1" smtClean="0"/>
+              <a:t>репозиторий</a:t>
+            </a:r>
+            <a:r>
+              <a:rPr lang="ru-RU" dirty="0" smtClean="0"/>
+              <a:t> на </a:t>
+            </a:r>
+            <a:r>
+              <a:rPr lang="en-US" dirty="0" smtClean="0"/>
+              <a:t>GitHub)</a:t>
+            </a:r>
+          </a:p>
+          <a:p>
+            <a:pPr marL="0" indent="0">
+              <a:buNone/>
+            </a:pPr>
+            <a:endParaRPr lang="ru-RU" dirty="0"/>
+          </a:p>
+        </p:txBody>
+      </p:sp>
+    </p:spTree>
+    <p:extLst>
+      <p:ext uri="{BB962C8B-B14F-4D97-AF65-F5344CB8AC3E}">
+        <p14:creationId xmlns:p14="http://schemas.microsoft.com/office/powerpoint/2010/main" val="1241800263"/>
+      </p:ext>
+    </p:extLst>
+  </p:cSld>
+  <p:clrMapOvr>
+    <a:masterClrMapping/>
+  </p:clrMapOvr>
+</p:sld>
+</file>
+
+<file path=ppt/slides/slide6.xml><?xml version="1.0" encoding="utf-8"?>
+<p:sld xmlns:a="http://schemas.openxmlformats.org/drawingml/2006/main" xmlns:r="http://schemas.openxmlformats.org/officeDocument/2006/relationships" xmlns:p="http://schemas.openxmlformats.org/presentationml/2006/main">
+  <p:cSld>
+    <p:spTree>
+      <p:nvGrpSpPr>
+        <p:cNvPr id="1" name=""/>
+        <p:cNvGrpSpPr/>
+        <p:nvPr/>
+      </p:nvGrpSpPr>
+      <p:grpSpPr>
+        <a:xfrm>
+          <a:off x="0" y="0"/>
+          <a:ext cx="0" cy="0"/>
+          <a:chOff x="0" y="0"/>
+          <a:chExt cx="0" cy="0"/>
+        </a:xfrm>
+      </p:grpSpPr>
+      <p:sp>
+        <p:nvSpPr>
+          <p:cNvPr id="2" name="Заголовок 1"/>
+          <p:cNvSpPr>
+            <a:spLocks noGrp="1"/>
+          </p:cNvSpPr>
+          <p:nvPr>
+            <p:ph type="title"/>
+          </p:nvPr>
+        </p:nvSpPr>
+        <p:spPr>
+          <a:xfrm>
+            <a:off x="313267" y="2816630"/>
+            <a:ext cx="10526915" cy="1320800"/>
+          </a:xfrm>
+        </p:spPr>
+        <p:txBody>
+          <a:bodyPr>
+            <a:noAutofit/>
+          </a:bodyPr>
+          <a:lstStyle/>
+          <a:p>
+            <a:r>
+              <a:rPr lang="ru-RU" sz="7200" dirty="0" smtClean="0"/>
+              <a:t>Спасибо за внимание</a:t>
+            </a:r>
+            <a:r>
+              <a:rPr lang="en-US" sz="7200" dirty="0"/>
+              <a:t>!</a:t>
+            </a:r>
+            <a:endParaRPr lang="ru-RU" sz="7200" dirty="0"/>
+          </a:p>
+        </p:txBody>
+      </p:sp>
+      <p:sp>
+        <p:nvSpPr>
+          <p:cNvPr id="3" name="Объект 2"/>
+          <p:cNvSpPr>
+            <a:spLocks noGrp="1"/>
+          </p:cNvSpPr>
+          <p:nvPr>
+            <p:ph idx="1"/>
+          </p:nvPr>
+        </p:nvSpPr>
+        <p:spPr>
+          <a:xfrm>
+            <a:off x="15371618" y="7328488"/>
+            <a:ext cx="8596668" cy="3880773"/>
+          </a:xfrm>
+        </p:spPr>
+        <p:txBody>
+          <a:bodyPr/>
+          <a:lstStyle/>
+          <a:p>
+            <a:endParaRPr lang="ru-RU" dirty="0"/>
+          </a:p>
+        </p:txBody>
+      </p:sp>
+    </p:spTree>
+    <p:extLst>
+      <p:ext uri="{BB962C8B-B14F-4D97-AF65-F5344CB8AC3E}">
+        <p14:creationId xmlns:p14="http://schemas.microsoft.com/office/powerpoint/2010/main" val="1052857771"/>
       </p:ext>
     </p:extLst>
   </p:cSld>

--- a/Криптография на практике.pptx
+++ b/Криптография на практике.pptx
@@ -3,14 +3,15 @@
 <p:presentation xmlns:a="http://schemas.openxmlformats.org/drawingml/2006/main" xmlns:r="http://schemas.openxmlformats.org/officeDocument/2006/relationships" xmlns:p="http://schemas.openxmlformats.org/presentationml/2006/main" autoCompressPictures="0">
   <p:sldMasterIdLst>
     <p:sldMasterId id="2147483719" r:id="rId1"/>
+    <p:sldMasterId id="2147483736" r:id="rId2"/>
   </p:sldMasterIdLst>
   <p:sldIdLst>
-    <p:sldId id="256" r:id="rId2"/>
-    <p:sldId id="257" r:id="rId3"/>
-    <p:sldId id="258" r:id="rId4"/>
-    <p:sldId id="259" r:id="rId5"/>
-    <p:sldId id="260" r:id="rId6"/>
-    <p:sldId id="261" r:id="rId7"/>
+    <p:sldId id="256" r:id="rId3"/>
+    <p:sldId id="257" r:id="rId4"/>
+    <p:sldId id="258" r:id="rId5"/>
+    <p:sldId id="259" r:id="rId6"/>
+    <p:sldId id="260" r:id="rId7"/>
+    <p:sldId id="261" r:id="rId8"/>
   </p:sldIdLst>
   <p:sldSz cx="12192000" cy="6858000"/>
   <p:notesSz cx="6858000" cy="9144000"/>
@@ -1295,8 +1296,8 @@
     <dgm:cxn modelId="{53AE5B4D-A85E-4EC1-97DA-C107C84EF9B8}" srcId="{4CDA5DEC-66CE-4036-82CA-0AC8D39AD024}" destId="{C0824986-A93E-454E-B737-E8E573C30DC8}" srcOrd="5" destOrd="0" parTransId="{AD67469E-6C77-4A24-B814-304EBA88DEA9}" sibTransId="{A6D5BF74-5447-45D5-AFC6-467FA4037A69}"/>
     <dgm:cxn modelId="{E5B9AA45-322A-4572-875C-F2D31DFBC871}" srcId="{4CDA5DEC-66CE-4036-82CA-0AC8D39AD024}" destId="{682C30C7-0A46-4A3A-80EA-0D0E7F068CDB}" srcOrd="0" destOrd="0" parTransId="{AB8A02FE-7A79-412F-8B12-BEAC1A755A20}" sibTransId="{BD967DBF-24CC-43F1-965B-CD2451737EDD}"/>
     <dgm:cxn modelId="{4026FEED-55DC-4519-B4B5-9FD63779990F}" type="presOf" srcId="{6CF247DC-02A0-4D4E-8686-A8F9DCF4CF08}" destId="{94A4C017-BF8F-4214-AE91-22749C616252}" srcOrd="0" destOrd="0" presId="urn:microsoft.com/office/officeart/2005/8/layout/hList1"/>
+    <dgm:cxn modelId="{E8BCD9DF-96FC-4C5F-B3BD-1DCD1A5FC04A}" srcId="{6CF247DC-02A0-4D4E-8686-A8F9DCF4CF08}" destId="{4CDA5DEC-66CE-4036-82CA-0AC8D39AD024}" srcOrd="0" destOrd="0" parTransId="{ECC51212-1D96-45D0-9C84-FFEF3BDDDB0A}" sibTransId="{4CEA10DD-85EC-478A-967C-708F0D88BB78}"/>
     <dgm:cxn modelId="{11AF856B-CACE-4DE2-B200-39609323EA3B}" srcId="{4B79B074-58EF-4908-98BE-B86368CD7E66}" destId="{56E9257E-9DB1-474C-9816-DE62925F673E}" srcOrd="1" destOrd="0" parTransId="{172A37E0-C7EF-4BAE-B677-C4E92AB4AF6E}" sibTransId="{D1447964-5C00-41FA-94EE-F88DE5AA073D}"/>
-    <dgm:cxn modelId="{E8BCD9DF-96FC-4C5F-B3BD-1DCD1A5FC04A}" srcId="{6CF247DC-02A0-4D4E-8686-A8F9DCF4CF08}" destId="{4CDA5DEC-66CE-4036-82CA-0AC8D39AD024}" srcOrd="0" destOrd="0" parTransId="{ECC51212-1D96-45D0-9C84-FFEF3BDDDB0A}" sibTransId="{4CEA10DD-85EC-478A-967C-708F0D88BB78}"/>
     <dgm:cxn modelId="{3F3BEB48-FA2B-4860-A9BC-AE2180416FA3}" type="presOf" srcId="{D418B693-E566-4D81-9CF4-08BF973A5CC0}" destId="{E3CDC9AC-2FB0-467A-A959-7ABFFA0C5DBE}" srcOrd="0" destOrd="1" presId="urn:microsoft.com/office/officeart/2005/8/layout/hList1"/>
     <dgm:cxn modelId="{26EDE1AD-27D3-4274-9DF4-F07BE1F73239}" type="presOf" srcId="{56E9257E-9DB1-474C-9816-DE62925F673E}" destId="{0343A0B0-419C-4B6F-A461-8223EC7682FB}" srcOrd="0" destOrd="1" presId="urn:microsoft.com/office/officeart/2005/8/layout/hList1"/>
     <dgm:cxn modelId="{BF817975-C70D-47EC-8FA7-24FEA70BAF74}" srcId="{4CDA5DEC-66CE-4036-82CA-0AC8D39AD024}" destId="{E3E406FB-353B-4253-81B2-D163E7C4E6D1}" srcOrd="2" destOrd="0" parTransId="{2B21D8E5-5BA5-44E9-89F7-3A529225E3B0}" sibTransId="{EC4B9696-999F-44A8-906A-7022F38A096C}"/>
@@ -5777,6 +5778,1216 @@
 </p:sldLayout>
 </file>
 
+<file path=ppt/slideLayouts/slideLayout17.xml><?xml version="1.0" encoding="utf-8"?>
+<p:sldLayout xmlns:a="http://schemas.openxmlformats.org/drawingml/2006/main" xmlns:r="http://schemas.openxmlformats.org/officeDocument/2006/relationships" xmlns:p="http://schemas.openxmlformats.org/presentationml/2006/main" showMasterSp="0" type="title" preserve="1">
+  <p:cSld name="Титульный слайд">
+    <p:spTree>
+      <p:nvGrpSpPr>
+        <p:cNvPr id="1" name=""/>
+        <p:cNvGrpSpPr/>
+        <p:nvPr/>
+      </p:nvGrpSpPr>
+      <p:grpSpPr>
+        <a:xfrm>
+          <a:off x="0" y="0"/>
+          <a:ext cx="0" cy="0"/>
+          <a:chOff x="0" y="0"/>
+          <a:chExt cx="0" cy="0"/>
+        </a:xfrm>
+      </p:grpSpPr>
+      <p:grpSp>
+        <p:nvGrpSpPr>
+          <p:cNvPr id="16" name="Group 15"/>
+          <p:cNvGrpSpPr/>
+          <p:nvPr/>
+        </p:nvGrpSpPr>
+        <p:grpSpPr>
+          <a:xfrm>
+            <a:off x="0" y="-8467"/>
+            <a:ext cx="12192000" cy="6866467"/>
+            <a:chOff x="0" y="-8467"/>
+            <a:chExt cx="12192000" cy="6866467"/>
+          </a:xfrm>
+        </p:grpSpPr>
+        <p:cxnSp>
+          <p:nvCxnSpPr>
+            <p:cNvPr id="19" name="Straight Connector 18"/>
+            <p:cNvCxnSpPr/>
+            <p:nvPr/>
+          </p:nvCxnSpPr>
+          <p:spPr>
+            <a:xfrm>
+              <a:off x="9371012" y="0"/>
+              <a:ext cx="1219200" cy="6858000"/>
+            </a:xfrm>
+            <a:prstGeom prst="line">
+              <a:avLst/>
+            </a:prstGeom>
+            <a:ln w="9525">
+              <a:solidFill>
+                <a:schemeClr val="accent1">
+                  <a:alpha val="70000"/>
+                </a:schemeClr>
+              </a:solidFill>
+            </a:ln>
+          </p:spPr>
+          <p:style>
+            <a:lnRef idx="2">
+              <a:schemeClr val="accent1"/>
+            </a:lnRef>
+            <a:fillRef idx="0">
+              <a:schemeClr val="accent1"/>
+            </a:fillRef>
+            <a:effectRef idx="1">
+              <a:schemeClr val="accent1"/>
+            </a:effectRef>
+            <a:fontRef idx="minor">
+              <a:schemeClr val="tx1"/>
+            </a:fontRef>
+          </p:style>
+        </p:cxnSp>
+        <p:cxnSp>
+          <p:nvCxnSpPr>
+            <p:cNvPr id="20" name="Straight Connector 19"/>
+            <p:cNvCxnSpPr/>
+            <p:nvPr/>
+          </p:nvCxnSpPr>
+          <p:spPr>
+            <a:xfrm flipH="1">
+              <a:off x="7425267" y="3681413"/>
+              <a:ext cx="4763558" cy="3176587"/>
+            </a:xfrm>
+            <a:prstGeom prst="line">
+              <a:avLst/>
+            </a:prstGeom>
+            <a:ln w="9525">
+              <a:solidFill>
+                <a:schemeClr val="accent1">
+                  <a:alpha val="70000"/>
+                </a:schemeClr>
+              </a:solidFill>
+            </a:ln>
+          </p:spPr>
+          <p:style>
+            <a:lnRef idx="2">
+              <a:schemeClr val="accent1"/>
+            </a:lnRef>
+            <a:fillRef idx="0">
+              <a:schemeClr val="accent1"/>
+            </a:fillRef>
+            <a:effectRef idx="1">
+              <a:schemeClr val="accent1"/>
+            </a:effectRef>
+            <a:fontRef idx="minor">
+              <a:schemeClr val="tx1"/>
+            </a:fontRef>
+          </p:style>
+        </p:cxnSp>
+        <p:sp>
+          <p:nvSpPr>
+            <p:cNvPr id="21" name="Rectangle 23"/>
+            <p:cNvSpPr/>
+            <p:nvPr/>
+          </p:nvSpPr>
+          <p:spPr>
+            <a:xfrm>
+              <a:off x="9181476" y="-8467"/>
+              <a:ext cx="3007349" cy="6866467"/>
+            </a:xfrm>
+            <a:custGeom>
+              <a:avLst/>
+              <a:gdLst/>
+              <a:ahLst/>
+              <a:cxnLst/>
+              <a:rect l="l" t="t" r="r" b="b"/>
+              <a:pathLst>
+                <a:path w="3007349" h="6866467">
+                  <a:moveTo>
+                    <a:pt x="2045532" y="0"/>
+                  </a:moveTo>
+                  <a:lnTo>
+                    <a:pt x="3007349" y="0"/>
+                  </a:lnTo>
+                  <a:lnTo>
+                    <a:pt x="3007349" y="6866467"/>
+                  </a:lnTo>
+                  <a:lnTo>
+                    <a:pt x="0" y="6866467"/>
+                  </a:lnTo>
+                  <a:lnTo>
+                    <a:pt x="2045532" y="0"/>
+                  </a:lnTo>
+                  <a:close/>
+                </a:path>
+              </a:pathLst>
+            </a:custGeom>
+            <a:solidFill>
+              <a:schemeClr val="accent1">
+                <a:alpha val="36000"/>
+              </a:schemeClr>
+            </a:solidFill>
+            <a:ln>
+              <a:noFill/>
+            </a:ln>
+            <a:effectLst/>
+          </p:spPr>
+          <p:style>
+            <a:lnRef idx="1">
+              <a:schemeClr val="accent1"/>
+            </a:lnRef>
+            <a:fillRef idx="3">
+              <a:schemeClr val="accent1"/>
+            </a:fillRef>
+            <a:effectRef idx="2">
+              <a:schemeClr val="accent1"/>
+            </a:effectRef>
+            <a:fontRef idx="minor">
+              <a:schemeClr val="lt1"/>
+            </a:fontRef>
+          </p:style>
+        </p:sp>
+        <p:sp>
+          <p:nvSpPr>
+            <p:cNvPr id="22" name="Rectangle 25"/>
+            <p:cNvSpPr/>
+            <p:nvPr/>
+          </p:nvSpPr>
+          <p:spPr>
+            <a:xfrm>
+              <a:off x="9603442" y="-8467"/>
+              <a:ext cx="2588558" cy="6866467"/>
+            </a:xfrm>
+            <a:custGeom>
+              <a:avLst/>
+              <a:gdLst/>
+              <a:ahLst/>
+              <a:cxnLst/>
+              <a:rect l="l" t="t" r="r" b="b"/>
+              <a:pathLst>
+                <a:path w="2573311" h="6866467">
+                  <a:moveTo>
+                    <a:pt x="0" y="0"/>
+                  </a:moveTo>
+                  <a:lnTo>
+                    <a:pt x="2573311" y="0"/>
+                  </a:lnTo>
+                  <a:lnTo>
+                    <a:pt x="2573311" y="6866467"/>
+                  </a:lnTo>
+                  <a:lnTo>
+                    <a:pt x="1202336" y="6866467"/>
+                  </a:lnTo>
+                  <a:lnTo>
+                    <a:pt x="0" y="0"/>
+                  </a:lnTo>
+                  <a:close/>
+                </a:path>
+              </a:pathLst>
+            </a:custGeom>
+            <a:solidFill>
+              <a:schemeClr val="accent1">
+                <a:alpha val="20000"/>
+              </a:schemeClr>
+            </a:solidFill>
+            <a:ln>
+              <a:noFill/>
+            </a:ln>
+            <a:effectLst/>
+          </p:spPr>
+          <p:style>
+            <a:lnRef idx="1">
+              <a:schemeClr val="accent1"/>
+            </a:lnRef>
+            <a:fillRef idx="3">
+              <a:schemeClr val="accent1"/>
+            </a:fillRef>
+            <a:effectRef idx="2">
+              <a:schemeClr val="accent1"/>
+            </a:effectRef>
+            <a:fontRef idx="minor">
+              <a:schemeClr val="lt1"/>
+            </a:fontRef>
+          </p:style>
+        </p:sp>
+        <p:sp>
+          <p:nvSpPr>
+            <p:cNvPr id="23" name="Isosceles Triangle 22"/>
+            <p:cNvSpPr/>
+            <p:nvPr/>
+          </p:nvSpPr>
+          <p:spPr>
+            <a:xfrm>
+              <a:off x="8932333" y="3048000"/>
+              <a:ext cx="3259667" cy="3810000"/>
+            </a:xfrm>
+            <a:prstGeom prst="triangle">
+              <a:avLst>
+                <a:gd name="adj" fmla="val 100000"/>
+              </a:avLst>
+            </a:prstGeom>
+            <a:solidFill>
+              <a:schemeClr val="accent1">
+                <a:alpha val="72000"/>
+              </a:schemeClr>
+            </a:solidFill>
+            <a:ln>
+              <a:noFill/>
+            </a:ln>
+            <a:effectLst/>
+          </p:spPr>
+          <p:style>
+            <a:lnRef idx="1">
+              <a:schemeClr val="accent1"/>
+            </a:lnRef>
+            <a:fillRef idx="3">
+              <a:schemeClr val="accent1"/>
+            </a:fillRef>
+            <a:effectRef idx="2">
+              <a:schemeClr val="accent1"/>
+            </a:effectRef>
+            <a:fontRef idx="minor">
+              <a:schemeClr val="lt1"/>
+            </a:fontRef>
+          </p:style>
+        </p:sp>
+        <p:sp>
+          <p:nvSpPr>
+            <p:cNvPr id="24" name="Rectangle 27"/>
+            <p:cNvSpPr/>
+            <p:nvPr/>
+          </p:nvSpPr>
+          <p:spPr>
+            <a:xfrm>
+              <a:off x="9334500" y="-8467"/>
+              <a:ext cx="2854326" cy="6866467"/>
+            </a:xfrm>
+            <a:custGeom>
+              <a:avLst/>
+              <a:gdLst/>
+              <a:ahLst/>
+              <a:cxnLst/>
+              <a:rect l="l" t="t" r="r" b="b"/>
+              <a:pathLst>
+                <a:path w="2858013" h="6866467">
+                  <a:moveTo>
+                    <a:pt x="0" y="0"/>
+                  </a:moveTo>
+                  <a:lnTo>
+                    <a:pt x="2858013" y="0"/>
+                  </a:lnTo>
+                  <a:lnTo>
+                    <a:pt x="2858013" y="6866467"/>
+                  </a:lnTo>
+                  <a:lnTo>
+                    <a:pt x="2473942" y="6866467"/>
+                  </a:lnTo>
+                  <a:lnTo>
+                    <a:pt x="0" y="0"/>
+                  </a:lnTo>
+                  <a:close/>
+                </a:path>
+              </a:pathLst>
+            </a:custGeom>
+            <a:solidFill>
+              <a:schemeClr val="accent1">
+                <a:lumMod val="75000"/>
+                <a:alpha val="50000"/>
+              </a:schemeClr>
+            </a:solidFill>
+            <a:ln>
+              <a:noFill/>
+            </a:ln>
+            <a:effectLst/>
+          </p:spPr>
+          <p:style>
+            <a:lnRef idx="1">
+              <a:schemeClr val="accent1"/>
+            </a:lnRef>
+            <a:fillRef idx="3">
+              <a:schemeClr val="accent1"/>
+            </a:fillRef>
+            <a:effectRef idx="2">
+              <a:schemeClr val="accent1"/>
+            </a:effectRef>
+            <a:fontRef idx="minor">
+              <a:schemeClr val="lt1"/>
+            </a:fontRef>
+          </p:style>
+        </p:sp>
+        <p:sp>
+          <p:nvSpPr>
+            <p:cNvPr id="25" name="Rectangle 28"/>
+            <p:cNvSpPr/>
+            <p:nvPr/>
+          </p:nvSpPr>
+          <p:spPr>
+            <a:xfrm>
+              <a:off x="10898730" y="-8467"/>
+              <a:ext cx="1290094" cy="6866467"/>
+            </a:xfrm>
+            <a:custGeom>
+              <a:avLst/>
+              <a:gdLst/>
+              <a:ahLst/>
+              <a:cxnLst/>
+              <a:rect l="l" t="t" r="r" b="b"/>
+              <a:pathLst>
+                <a:path w="1290094" h="6858000">
+                  <a:moveTo>
+                    <a:pt x="1019735" y="0"/>
+                  </a:moveTo>
+                  <a:lnTo>
+                    <a:pt x="1290094" y="0"/>
+                  </a:lnTo>
+                  <a:lnTo>
+                    <a:pt x="1290094" y="6858000"/>
+                  </a:lnTo>
+                  <a:lnTo>
+                    <a:pt x="0" y="6858000"/>
+                  </a:lnTo>
+                  <a:lnTo>
+                    <a:pt x="1019735" y="0"/>
+                  </a:lnTo>
+                  <a:close/>
+                </a:path>
+              </a:pathLst>
+            </a:custGeom>
+            <a:solidFill>
+              <a:schemeClr val="accent1">
+                <a:lumMod val="75000"/>
+                <a:alpha val="70000"/>
+              </a:schemeClr>
+            </a:solidFill>
+            <a:ln>
+              <a:noFill/>
+            </a:ln>
+            <a:effectLst/>
+          </p:spPr>
+          <p:style>
+            <a:lnRef idx="1">
+              <a:schemeClr val="accent1"/>
+            </a:lnRef>
+            <a:fillRef idx="3">
+              <a:schemeClr val="accent1"/>
+            </a:fillRef>
+            <a:effectRef idx="2">
+              <a:schemeClr val="accent1"/>
+            </a:effectRef>
+            <a:fontRef idx="minor">
+              <a:schemeClr val="lt1"/>
+            </a:fontRef>
+          </p:style>
+        </p:sp>
+        <p:sp>
+          <p:nvSpPr>
+            <p:cNvPr id="26" name="Rectangle 29"/>
+            <p:cNvSpPr/>
+            <p:nvPr/>
+          </p:nvSpPr>
+          <p:spPr>
+            <a:xfrm>
+              <a:off x="10938999" y="-8467"/>
+              <a:ext cx="1249825" cy="6866467"/>
+            </a:xfrm>
+            <a:custGeom>
+              <a:avLst/>
+              <a:gdLst/>
+              <a:ahLst/>
+              <a:cxnLst/>
+              <a:rect l="l" t="t" r="r" b="b"/>
+              <a:pathLst>
+                <a:path w="1249825" h="6858000">
+                  <a:moveTo>
+                    <a:pt x="0" y="0"/>
+                  </a:moveTo>
+                  <a:lnTo>
+                    <a:pt x="1249825" y="0"/>
+                  </a:lnTo>
+                  <a:lnTo>
+                    <a:pt x="1249825" y="6858000"/>
+                  </a:lnTo>
+                  <a:lnTo>
+                    <a:pt x="1109382" y="6858000"/>
+                  </a:lnTo>
+                  <a:lnTo>
+                    <a:pt x="0" y="0"/>
+                  </a:lnTo>
+                  <a:close/>
+                </a:path>
+              </a:pathLst>
+            </a:custGeom>
+            <a:solidFill>
+              <a:schemeClr val="accent1">
+                <a:lumMod val="50000"/>
+                <a:alpha val="80000"/>
+              </a:schemeClr>
+            </a:solidFill>
+            <a:ln>
+              <a:noFill/>
+            </a:ln>
+            <a:effectLst/>
+          </p:spPr>
+          <p:style>
+            <a:lnRef idx="1">
+              <a:schemeClr val="accent1"/>
+            </a:lnRef>
+            <a:fillRef idx="3">
+              <a:schemeClr val="accent1"/>
+            </a:fillRef>
+            <a:effectRef idx="2">
+              <a:schemeClr val="accent1"/>
+            </a:effectRef>
+            <a:fontRef idx="minor">
+              <a:schemeClr val="lt1"/>
+            </a:fontRef>
+          </p:style>
+        </p:sp>
+        <p:sp>
+          <p:nvSpPr>
+            <p:cNvPr id="27" name="Isosceles Triangle 26"/>
+            <p:cNvSpPr/>
+            <p:nvPr/>
+          </p:nvSpPr>
+          <p:spPr>
+            <a:xfrm>
+              <a:off x="10371666" y="3589867"/>
+              <a:ext cx="1817159" cy="3268133"/>
+            </a:xfrm>
+            <a:prstGeom prst="triangle">
+              <a:avLst>
+                <a:gd name="adj" fmla="val 100000"/>
+              </a:avLst>
+            </a:prstGeom>
+            <a:solidFill>
+              <a:schemeClr val="accent1">
+                <a:lumMod val="50000"/>
+                <a:alpha val="66000"/>
+              </a:schemeClr>
+            </a:solidFill>
+            <a:ln>
+              <a:noFill/>
+            </a:ln>
+            <a:effectLst/>
+          </p:spPr>
+          <p:style>
+            <a:lnRef idx="1">
+              <a:schemeClr val="accent1"/>
+            </a:lnRef>
+            <a:fillRef idx="3">
+              <a:schemeClr val="accent1"/>
+            </a:fillRef>
+            <a:effectRef idx="2">
+              <a:schemeClr val="accent1"/>
+            </a:effectRef>
+            <a:fontRef idx="minor">
+              <a:schemeClr val="lt1"/>
+            </a:fontRef>
+          </p:style>
+        </p:sp>
+        <p:sp>
+          <p:nvSpPr>
+            <p:cNvPr id="29" name="Isosceles Triangle 28"/>
+            <p:cNvSpPr/>
+            <p:nvPr/>
+          </p:nvSpPr>
+          <p:spPr>
+            <a:xfrm rot="10800000">
+              <a:off x="0" y="0"/>
+              <a:ext cx="842596" cy="5666154"/>
+            </a:xfrm>
+            <a:prstGeom prst="triangle">
+              <a:avLst>
+                <a:gd name="adj" fmla="val 100000"/>
+              </a:avLst>
+            </a:prstGeom>
+            <a:solidFill>
+              <a:schemeClr val="accent1">
+                <a:lumMod val="75000"/>
+                <a:alpha val="70000"/>
+              </a:schemeClr>
+            </a:solidFill>
+            <a:ln>
+              <a:noFill/>
+            </a:ln>
+            <a:effectLst/>
+          </p:spPr>
+          <p:style>
+            <a:lnRef idx="1">
+              <a:schemeClr val="accent1"/>
+            </a:lnRef>
+            <a:fillRef idx="3">
+              <a:schemeClr val="accent1"/>
+            </a:fillRef>
+            <a:effectRef idx="2">
+              <a:schemeClr val="accent1"/>
+            </a:effectRef>
+            <a:fontRef idx="minor">
+              <a:schemeClr val="lt1"/>
+            </a:fontRef>
+          </p:style>
+        </p:sp>
+      </p:grpSp>
+      <p:sp>
+        <p:nvSpPr>
+          <p:cNvPr id="2" name="Title 1"/>
+          <p:cNvSpPr>
+            <a:spLocks noGrp="1"/>
+          </p:cNvSpPr>
+          <p:nvPr>
+            <p:ph type="ctrTitle"/>
+          </p:nvPr>
+        </p:nvSpPr>
+        <p:spPr>
+          <a:xfrm>
+            <a:off x="1507067" y="2404534"/>
+            <a:ext cx="7766936" cy="1646302"/>
+          </a:xfrm>
+        </p:spPr>
+        <p:txBody>
+          <a:bodyPr anchor="b">
+            <a:noAutofit/>
+          </a:bodyPr>
+          <a:lstStyle>
+            <a:lvl1pPr algn="r">
+              <a:defRPr sz="5400">
+                <a:solidFill>
+                  <a:schemeClr val="accent1">
+                    <a:lumMod val="75000"/>
+                  </a:schemeClr>
+                </a:solidFill>
+              </a:defRPr>
+            </a:lvl1pPr>
+          </a:lstStyle>
+          <a:p>
+            <a:r>
+              <a:rPr lang="ru-RU" smtClean="0"/>
+              <a:t>Образец заголовка</a:t>
+            </a:r>
+            <a:endParaRPr lang="en-US" dirty="0"/>
+          </a:p>
+        </p:txBody>
+      </p:sp>
+      <p:sp>
+        <p:nvSpPr>
+          <p:cNvPr id="3" name="Subtitle 2"/>
+          <p:cNvSpPr>
+            <a:spLocks noGrp="1"/>
+          </p:cNvSpPr>
+          <p:nvPr>
+            <p:ph type="subTitle" idx="1"/>
+          </p:nvPr>
+        </p:nvSpPr>
+        <p:spPr>
+          <a:xfrm>
+            <a:off x="1507067" y="4050833"/>
+            <a:ext cx="7766936" cy="1096899"/>
+          </a:xfrm>
+        </p:spPr>
+        <p:txBody>
+          <a:bodyPr anchor="t"/>
+          <a:lstStyle>
+            <a:lvl1pPr marL="0" indent="0" algn="r">
+              <a:buNone/>
+              <a:defRPr>
+                <a:solidFill>
+                  <a:schemeClr val="tx1">
+                    <a:lumMod val="50000"/>
+                    <a:lumOff val="50000"/>
+                  </a:schemeClr>
+                </a:solidFill>
+              </a:defRPr>
+            </a:lvl1pPr>
+            <a:lvl2pPr marL="457200" indent="0" algn="ctr">
+              <a:buNone/>
+              <a:defRPr>
+                <a:solidFill>
+                  <a:schemeClr val="tx1">
+                    <a:tint val="75000"/>
+                  </a:schemeClr>
+                </a:solidFill>
+              </a:defRPr>
+            </a:lvl2pPr>
+            <a:lvl3pPr marL="914400" indent="0" algn="ctr">
+              <a:buNone/>
+              <a:defRPr>
+                <a:solidFill>
+                  <a:schemeClr val="tx1">
+                    <a:tint val="75000"/>
+                  </a:schemeClr>
+                </a:solidFill>
+              </a:defRPr>
+            </a:lvl3pPr>
+            <a:lvl4pPr marL="1371600" indent="0" algn="ctr">
+              <a:buNone/>
+              <a:defRPr>
+                <a:solidFill>
+                  <a:schemeClr val="tx1">
+                    <a:tint val="75000"/>
+                  </a:schemeClr>
+                </a:solidFill>
+              </a:defRPr>
+            </a:lvl4pPr>
+            <a:lvl5pPr marL="1828800" indent="0" algn="ctr">
+              <a:buNone/>
+              <a:defRPr>
+                <a:solidFill>
+                  <a:schemeClr val="tx1">
+                    <a:tint val="75000"/>
+                  </a:schemeClr>
+                </a:solidFill>
+              </a:defRPr>
+            </a:lvl5pPr>
+            <a:lvl6pPr marL="2286000" indent="0" algn="ctr">
+              <a:buNone/>
+              <a:defRPr>
+                <a:solidFill>
+                  <a:schemeClr val="tx1">
+                    <a:tint val="75000"/>
+                  </a:schemeClr>
+                </a:solidFill>
+              </a:defRPr>
+            </a:lvl6pPr>
+            <a:lvl7pPr marL="2743200" indent="0" algn="ctr">
+              <a:buNone/>
+              <a:defRPr>
+                <a:solidFill>
+                  <a:schemeClr val="tx1">
+                    <a:tint val="75000"/>
+                  </a:schemeClr>
+                </a:solidFill>
+              </a:defRPr>
+            </a:lvl7pPr>
+            <a:lvl8pPr marL="3200400" indent="0" algn="ctr">
+              <a:buNone/>
+              <a:defRPr>
+                <a:solidFill>
+                  <a:schemeClr val="tx1">
+                    <a:tint val="75000"/>
+                  </a:schemeClr>
+                </a:solidFill>
+              </a:defRPr>
+            </a:lvl8pPr>
+            <a:lvl9pPr marL="3657600" indent="0" algn="ctr">
+              <a:buNone/>
+              <a:defRPr>
+                <a:solidFill>
+                  <a:schemeClr val="tx1">
+                    <a:tint val="75000"/>
+                  </a:schemeClr>
+                </a:solidFill>
+              </a:defRPr>
+            </a:lvl9pPr>
+          </a:lstStyle>
+          <a:p>
+            <a:r>
+              <a:rPr lang="ru-RU" smtClean="0"/>
+              <a:t>Образец подзаголовка</a:t>
+            </a:r>
+            <a:endParaRPr lang="en-US" dirty="0"/>
+          </a:p>
+        </p:txBody>
+      </p:sp>
+      <p:sp>
+        <p:nvSpPr>
+          <p:cNvPr id="4" name="Date Placeholder 3"/>
+          <p:cNvSpPr>
+            <a:spLocks noGrp="1"/>
+          </p:cNvSpPr>
+          <p:nvPr>
+            <p:ph type="dt" sz="half" idx="10"/>
+          </p:nvPr>
+        </p:nvSpPr>
+        <p:spPr/>
+        <p:txBody>
+          <a:bodyPr/>
+          <a:lstStyle/>
+          <a:p>
+            <a:fld id="{B61BEF0D-F0BB-DE4B-95CE-6DB70DBA9567}" type="datetimeFigureOut">
+              <a:rPr lang="en-US" smtClean="0"/>
+              <a:pPr/>
+              <a:t>1/24/2019</a:t>
+            </a:fld>
+            <a:endParaRPr lang="en-US" dirty="0"/>
+          </a:p>
+        </p:txBody>
+      </p:sp>
+      <p:sp>
+        <p:nvSpPr>
+          <p:cNvPr id="5" name="Footer Placeholder 4"/>
+          <p:cNvSpPr>
+            <a:spLocks noGrp="1"/>
+          </p:cNvSpPr>
+          <p:nvPr>
+            <p:ph type="ftr" sz="quarter" idx="11"/>
+          </p:nvPr>
+        </p:nvSpPr>
+        <p:spPr/>
+        <p:txBody>
+          <a:bodyPr/>
+          <a:lstStyle/>
+          <a:p>
+            <a:endParaRPr lang="en-US" dirty="0"/>
+          </a:p>
+        </p:txBody>
+      </p:sp>
+      <p:sp>
+        <p:nvSpPr>
+          <p:cNvPr id="6" name="Slide Number Placeholder 5"/>
+          <p:cNvSpPr>
+            <a:spLocks noGrp="1"/>
+          </p:cNvSpPr>
+          <p:nvPr>
+            <p:ph type="sldNum" sz="quarter" idx="12"/>
+          </p:nvPr>
+        </p:nvSpPr>
+        <p:spPr/>
+        <p:txBody>
+          <a:bodyPr/>
+          <a:lstStyle/>
+          <a:p>
+            <a:fld id="{D57F1E4F-1CFF-5643-939E-217C01CDF565}" type="slidenum">
+              <a:rPr lang="en-US" smtClean="0"/>
+              <a:pPr/>
+              <a:t>‹#›</a:t>
+            </a:fld>
+            <a:endParaRPr lang="en-US" dirty="0"/>
+          </a:p>
+        </p:txBody>
+      </p:sp>
+    </p:spTree>
+    <p:extLst>
+      <p:ext uri="{BB962C8B-B14F-4D97-AF65-F5344CB8AC3E}">
+        <p14:creationId xmlns:p14="http://schemas.microsoft.com/office/powerpoint/2010/main" val="1904791262"/>
+      </p:ext>
+    </p:extLst>
+  </p:cSld>
+  <p:clrMapOvr>
+    <a:masterClrMapping/>
+  </p:clrMapOvr>
+</p:sldLayout>
+</file>
+
+<file path=ppt/slideLayouts/slideLayout18.xml><?xml version="1.0" encoding="utf-8"?>
+<p:sldLayout xmlns:a="http://schemas.openxmlformats.org/drawingml/2006/main" xmlns:r="http://schemas.openxmlformats.org/officeDocument/2006/relationships" xmlns:p="http://schemas.openxmlformats.org/presentationml/2006/main" type="obj" preserve="1">
+  <p:cSld name="Заголовок и объект">
+    <p:spTree>
+      <p:nvGrpSpPr>
+        <p:cNvPr id="1" name=""/>
+        <p:cNvGrpSpPr/>
+        <p:nvPr/>
+      </p:nvGrpSpPr>
+      <p:grpSpPr>
+        <a:xfrm>
+          <a:off x="0" y="0"/>
+          <a:ext cx="0" cy="0"/>
+          <a:chOff x="0" y="0"/>
+          <a:chExt cx="0" cy="0"/>
+        </a:xfrm>
+      </p:grpSpPr>
+      <p:sp>
+        <p:nvSpPr>
+          <p:cNvPr id="2" name="Title 1"/>
+          <p:cNvSpPr>
+            <a:spLocks noGrp="1"/>
+          </p:cNvSpPr>
+          <p:nvPr>
+            <p:ph type="title"/>
+          </p:nvPr>
+        </p:nvSpPr>
+        <p:spPr/>
+        <p:txBody>
+          <a:bodyPr/>
+          <a:lstStyle/>
+          <a:p>
+            <a:r>
+              <a:rPr lang="ru-RU" smtClean="0"/>
+              <a:t>Образец заголовка</a:t>
+            </a:r>
+            <a:endParaRPr lang="en-US" dirty="0"/>
+          </a:p>
+        </p:txBody>
+      </p:sp>
+      <p:sp>
+        <p:nvSpPr>
+          <p:cNvPr id="3" name="Content Placeholder 2"/>
+          <p:cNvSpPr>
+            <a:spLocks noGrp="1"/>
+          </p:cNvSpPr>
+          <p:nvPr>
+            <p:ph idx="1"/>
+          </p:nvPr>
+        </p:nvSpPr>
+        <p:spPr/>
+        <p:txBody>
+          <a:bodyPr/>
+          <a:lstStyle/>
+          <a:p>
+            <a:pPr lvl="0"/>
+            <a:r>
+              <a:rPr lang="ru-RU" smtClean="0"/>
+              <a:t>Образец текста</a:t>
+            </a:r>
+          </a:p>
+          <a:p>
+            <a:pPr lvl="1"/>
+            <a:r>
+              <a:rPr lang="ru-RU" smtClean="0"/>
+              <a:t>Второй уровень</a:t>
+            </a:r>
+          </a:p>
+          <a:p>
+            <a:pPr lvl="2"/>
+            <a:r>
+              <a:rPr lang="ru-RU" smtClean="0"/>
+              <a:t>Третий уровень</a:t>
+            </a:r>
+          </a:p>
+          <a:p>
+            <a:pPr lvl="3"/>
+            <a:r>
+              <a:rPr lang="ru-RU" smtClean="0"/>
+              <a:t>Четвертый уровень</a:t>
+            </a:r>
+          </a:p>
+          <a:p>
+            <a:pPr lvl="4"/>
+            <a:r>
+              <a:rPr lang="ru-RU" smtClean="0"/>
+              <a:t>Пятый уровень</a:t>
+            </a:r>
+            <a:endParaRPr lang="en-US" dirty="0"/>
+          </a:p>
+        </p:txBody>
+      </p:sp>
+      <p:sp>
+        <p:nvSpPr>
+          <p:cNvPr id="4" name="Date Placeholder 3"/>
+          <p:cNvSpPr>
+            <a:spLocks noGrp="1"/>
+          </p:cNvSpPr>
+          <p:nvPr>
+            <p:ph type="dt" sz="half" idx="10"/>
+          </p:nvPr>
+        </p:nvSpPr>
+        <p:spPr/>
+        <p:txBody>
+          <a:bodyPr/>
+          <a:lstStyle/>
+          <a:p>
+            <a:fld id="{B61BEF0D-F0BB-DE4B-95CE-6DB70DBA9567}" type="datetimeFigureOut">
+              <a:rPr lang="en-US" smtClean="0"/>
+              <a:pPr/>
+              <a:t>1/24/2019</a:t>
+            </a:fld>
+            <a:endParaRPr lang="en-US" dirty="0"/>
+          </a:p>
+        </p:txBody>
+      </p:sp>
+      <p:sp>
+        <p:nvSpPr>
+          <p:cNvPr id="5" name="Footer Placeholder 4"/>
+          <p:cNvSpPr>
+            <a:spLocks noGrp="1"/>
+          </p:cNvSpPr>
+          <p:nvPr>
+            <p:ph type="ftr" sz="quarter" idx="11"/>
+          </p:nvPr>
+        </p:nvSpPr>
+        <p:spPr/>
+        <p:txBody>
+          <a:bodyPr/>
+          <a:lstStyle/>
+          <a:p>
+            <a:endParaRPr lang="en-US" dirty="0"/>
+          </a:p>
+        </p:txBody>
+      </p:sp>
+      <p:sp>
+        <p:nvSpPr>
+          <p:cNvPr id="6" name="Slide Number Placeholder 5"/>
+          <p:cNvSpPr>
+            <a:spLocks noGrp="1"/>
+          </p:cNvSpPr>
+          <p:nvPr>
+            <p:ph type="sldNum" sz="quarter" idx="12"/>
+          </p:nvPr>
+        </p:nvSpPr>
+        <p:spPr/>
+        <p:txBody>
+          <a:bodyPr/>
+          <a:lstStyle/>
+          <a:p>
+            <a:fld id="{D57F1E4F-1CFF-5643-939E-217C01CDF565}" type="slidenum">
+              <a:rPr lang="en-US" smtClean="0"/>
+              <a:pPr/>
+              <a:t>‹#›</a:t>
+            </a:fld>
+            <a:endParaRPr lang="en-US" dirty="0"/>
+          </a:p>
+        </p:txBody>
+      </p:sp>
+    </p:spTree>
+    <p:extLst>
+      <p:ext uri="{BB962C8B-B14F-4D97-AF65-F5344CB8AC3E}">
+        <p14:creationId xmlns:p14="http://schemas.microsoft.com/office/powerpoint/2010/main" val="2526588287"/>
+      </p:ext>
+    </p:extLst>
+  </p:cSld>
+  <p:clrMapOvr>
+    <a:masterClrMapping/>
+  </p:clrMapOvr>
+</p:sldLayout>
+</file>
+
+<file path=ppt/slideLayouts/slideLayout19.xml><?xml version="1.0" encoding="utf-8"?>
+<p:sldLayout xmlns:a="http://schemas.openxmlformats.org/drawingml/2006/main" xmlns:r="http://schemas.openxmlformats.org/officeDocument/2006/relationships" xmlns:p="http://schemas.openxmlformats.org/presentationml/2006/main" type="secHead" preserve="1">
+  <p:cSld name="Заголовок раздела">
+    <p:spTree>
+      <p:nvGrpSpPr>
+        <p:cNvPr id="1" name=""/>
+        <p:cNvGrpSpPr/>
+        <p:nvPr/>
+      </p:nvGrpSpPr>
+      <p:grpSpPr>
+        <a:xfrm>
+          <a:off x="0" y="0"/>
+          <a:ext cx="0" cy="0"/>
+          <a:chOff x="0" y="0"/>
+          <a:chExt cx="0" cy="0"/>
+        </a:xfrm>
+      </p:grpSpPr>
+      <p:sp>
+        <p:nvSpPr>
+          <p:cNvPr id="2" name="Title 1"/>
+          <p:cNvSpPr>
+            <a:spLocks noGrp="1"/>
+          </p:cNvSpPr>
+          <p:nvPr>
+            <p:ph type="title"/>
+          </p:nvPr>
+        </p:nvSpPr>
+        <p:spPr>
+          <a:xfrm>
+            <a:off x="677335" y="2700867"/>
+            <a:ext cx="8596668" cy="1826581"/>
+          </a:xfrm>
+        </p:spPr>
+        <p:txBody>
+          <a:bodyPr anchor="b"/>
+          <a:lstStyle>
+            <a:lvl1pPr algn="l">
+              <a:defRPr sz="4000" b="0" cap="none"/>
+            </a:lvl1pPr>
+          </a:lstStyle>
+          <a:p>
+            <a:r>
+              <a:rPr lang="ru-RU" smtClean="0"/>
+              <a:t>Образец заголовка</a:t>
+            </a:r>
+            <a:endParaRPr lang="en-US" dirty="0"/>
+          </a:p>
+        </p:txBody>
+      </p:sp>
+      <p:sp>
+        <p:nvSpPr>
+          <p:cNvPr id="3" name="Text Placeholder 2"/>
+          <p:cNvSpPr>
+            <a:spLocks noGrp="1"/>
+          </p:cNvSpPr>
+          <p:nvPr>
+            <p:ph type="body" idx="1"/>
+          </p:nvPr>
+        </p:nvSpPr>
+        <p:spPr>
+          <a:xfrm>
+            <a:off x="677335" y="4527448"/>
+            <a:ext cx="8596668" cy="860400"/>
+          </a:xfrm>
+        </p:spPr>
+        <p:txBody>
+          <a:bodyPr anchor="t"/>
+          <a:lstStyle>
+            <a:lvl1pPr marL="0" indent="0" algn="l">
+              <a:buNone/>
+              <a:defRPr sz="2000">
+                <a:solidFill>
+                  <a:schemeClr val="tx1">
+                    <a:lumMod val="50000"/>
+                    <a:lumOff val="50000"/>
+                  </a:schemeClr>
+                </a:solidFill>
+              </a:defRPr>
+            </a:lvl1pPr>
+            <a:lvl2pPr marL="457200" indent="0">
+              <a:buNone/>
+              <a:defRPr sz="1800">
+                <a:solidFill>
+                  <a:schemeClr val="tx1">
+                    <a:tint val="75000"/>
+                  </a:schemeClr>
+                </a:solidFill>
+              </a:defRPr>
+            </a:lvl2pPr>
+            <a:lvl3pPr marL="914400" indent="0">
+              <a:buNone/>
+              <a:defRPr sz="1600">
+                <a:solidFill>
+                  <a:schemeClr val="tx1">
+                    <a:tint val="75000"/>
+                  </a:schemeClr>
+                </a:solidFill>
+              </a:defRPr>
+            </a:lvl3pPr>
+            <a:lvl4pPr marL="1371600" indent="0">
+              <a:buNone/>
+              <a:defRPr sz="1400">
+                <a:solidFill>
+                  <a:schemeClr val="tx1">
+                    <a:tint val="75000"/>
+                  </a:schemeClr>
+                </a:solidFill>
+              </a:defRPr>
+            </a:lvl4pPr>
+            <a:lvl5pPr marL="1828800" indent="0">
+              <a:buNone/>
+              <a:defRPr sz="1400">
+                <a:solidFill>
+                  <a:schemeClr val="tx1">
+                    <a:tint val="75000"/>
+                  </a:schemeClr>
+                </a:solidFill>
+              </a:defRPr>
+            </a:lvl5pPr>
+            <a:lvl6pPr marL="2286000" indent="0">
+              <a:buNone/>
+              <a:defRPr sz="1400">
+                <a:solidFill>
+                  <a:schemeClr val="tx1">
+                    <a:tint val="75000"/>
+                  </a:schemeClr>
+                </a:solidFill>
+              </a:defRPr>
+            </a:lvl6pPr>
+            <a:lvl7pPr marL="2743200" indent="0">
+              <a:buNone/>
+              <a:defRPr sz="1400">
+                <a:solidFill>
+                  <a:schemeClr val="tx1">
+                    <a:tint val="75000"/>
+                  </a:schemeClr>
+                </a:solidFill>
+              </a:defRPr>
+            </a:lvl7pPr>
+            <a:lvl8pPr marL="3200400" indent="0">
+              <a:buNone/>
+              <a:defRPr sz="1400">
+                <a:solidFill>
+                  <a:schemeClr val="tx1">
+                    <a:tint val="75000"/>
+                  </a:schemeClr>
+                </a:solidFill>
+              </a:defRPr>
+            </a:lvl8pPr>
+            <a:lvl9pPr marL="3657600" indent="0">
+              <a:buNone/>
+              <a:defRPr sz="1400">
+                <a:solidFill>
+                  <a:schemeClr val="tx1">
+                    <a:tint val="75000"/>
+                  </a:schemeClr>
+                </a:solidFill>
+              </a:defRPr>
+            </a:lvl9pPr>
+          </a:lstStyle>
+          <a:p>
+            <a:pPr lvl="0"/>
+            <a:r>
+              <a:rPr lang="ru-RU" smtClean="0"/>
+              <a:t>Образец текста</a:t>
+            </a:r>
+          </a:p>
+        </p:txBody>
+      </p:sp>
+      <p:sp>
+        <p:nvSpPr>
+          <p:cNvPr id="4" name="Date Placeholder 3"/>
+          <p:cNvSpPr>
+            <a:spLocks noGrp="1"/>
+          </p:cNvSpPr>
+          <p:nvPr>
+            <p:ph type="dt" sz="half" idx="10"/>
+          </p:nvPr>
+        </p:nvSpPr>
+        <p:spPr/>
+        <p:txBody>
+          <a:bodyPr/>
+          <a:lstStyle/>
+          <a:p>
+            <a:fld id="{B61BEF0D-F0BB-DE4B-95CE-6DB70DBA9567}" type="datetimeFigureOut">
+              <a:rPr lang="en-US" smtClean="0"/>
+              <a:pPr/>
+              <a:t>1/24/2019</a:t>
+            </a:fld>
+            <a:endParaRPr lang="en-US" dirty="0"/>
+          </a:p>
+        </p:txBody>
+      </p:sp>
+      <p:sp>
+        <p:nvSpPr>
+          <p:cNvPr id="5" name="Footer Placeholder 4"/>
+          <p:cNvSpPr>
+            <a:spLocks noGrp="1"/>
+          </p:cNvSpPr>
+          <p:nvPr>
+            <p:ph type="ftr" sz="quarter" idx="11"/>
+          </p:nvPr>
+        </p:nvSpPr>
+        <p:spPr/>
+        <p:txBody>
+          <a:bodyPr/>
+          <a:lstStyle/>
+          <a:p>
+            <a:endParaRPr lang="en-US" dirty="0"/>
+          </a:p>
+        </p:txBody>
+      </p:sp>
+      <p:sp>
+        <p:nvSpPr>
+          <p:cNvPr id="6" name="Slide Number Placeholder 5"/>
+          <p:cNvSpPr>
+            <a:spLocks noGrp="1"/>
+          </p:cNvSpPr>
+          <p:nvPr>
+            <p:ph type="sldNum" sz="quarter" idx="12"/>
+          </p:nvPr>
+        </p:nvSpPr>
+        <p:spPr/>
+        <p:txBody>
+          <a:bodyPr/>
+          <a:lstStyle/>
+          <a:p>
+            <a:fld id="{D57F1E4F-1CFF-5643-939E-217C01CDF565}" type="slidenum">
+              <a:rPr lang="en-US" smtClean="0"/>
+              <a:pPr/>
+              <a:t>‹#›</a:t>
+            </a:fld>
+            <a:endParaRPr lang="en-US" dirty="0"/>
+          </a:p>
+        </p:txBody>
+      </p:sp>
+    </p:spTree>
+    <p:extLst>
+      <p:ext uri="{BB962C8B-B14F-4D97-AF65-F5344CB8AC3E}">
+        <p14:creationId xmlns:p14="http://schemas.microsoft.com/office/powerpoint/2010/main" val="2806364353"/>
+      </p:ext>
+    </p:extLst>
+  </p:cSld>
+  <p:clrMapOvr>
+    <a:masterClrMapping/>
+  </p:clrMapOvr>
+</p:sldLayout>
+</file>
+
 <file path=ppt/slideLayouts/slideLayout2.xml><?xml version="1.0" encoding="utf-8"?>
 <p:sldLayout xmlns:a="http://schemas.openxmlformats.org/drawingml/2006/main" xmlns:r="http://schemas.openxmlformats.org/officeDocument/2006/relationships" xmlns:p="http://schemas.openxmlformats.org/presentationml/2006/main" type="obj" preserve="1">
   <p:cSld name="Заголовок и объект">
@@ -5946,6 +7157,2646 @@
     <p:extLst>
       <p:ext uri="{BB962C8B-B14F-4D97-AF65-F5344CB8AC3E}">
         <p14:creationId xmlns:p14="http://schemas.microsoft.com/office/powerpoint/2010/main" val="585396546"/>
+      </p:ext>
+    </p:extLst>
+  </p:cSld>
+  <p:clrMapOvr>
+    <a:masterClrMapping/>
+  </p:clrMapOvr>
+</p:sldLayout>
+</file>
+
+<file path=ppt/slideLayouts/slideLayout20.xml><?xml version="1.0" encoding="utf-8"?>
+<p:sldLayout xmlns:a="http://schemas.openxmlformats.org/drawingml/2006/main" xmlns:r="http://schemas.openxmlformats.org/officeDocument/2006/relationships" xmlns:p="http://schemas.openxmlformats.org/presentationml/2006/main" type="twoObj" preserve="1">
+  <p:cSld name="Два объекта">
+    <p:spTree>
+      <p:nvGrpSpPr>
+        <p:cNvPr id="1" name=""/>
+        <p:cNvGrpSpPr/>
+        <p:nvPr/>
+      </p:nvGrpSpPr>
+      <p:grpSpPr>
+        <a:xfrm>
+          <a:off x="0" y="0"/>
+          <a:ext cx="0" cy="0"/>
+          <a:chOff x="0" y="0"/>
+          <a:chExt cx="0" cy="0"/>
+        </a:xfrm>
+      </p:grpSpPr>
+      <p:sp>
+        <p:nvSpPr>
+          <p:cNvPr id="2" name="Title 1"/>
+          <p:cNvSpPr>
+            <a:spLocks noGrp="1"/>
+          </p:cNvSpPr>
+          <p:nvPr>
+            <p:ph type="title"/>
+          </p:nvPr>
+        </p:nvSpPr>
+        <p:spPr/>
+        <p:txBody>
+          <a:bodyPr/>
+          <a:lstStyle/>
+          <a:p>
+            <a:r>
+              <a:rPr lang="ru-RU" smtClean="0"/>
+              <a:t>Образец заголовка</a:t>
+            </a:r>
+            <a:endParaRPr lang="en-US" dirty="0"/>
+          </a:p>
+        </p:txBody>
+      </p:sp>
+      <p:sp>
+        <p:nvSpPr>
+          <p:cNvPr id="3" name="Content Placeholder 2"/>
+          <p:cNvSpPr>
+            <a:spLocks noGrp="1"/>
+          </p:cNvSpPr>
+          <p:nvPr>
+            <p:ph sz="half" idx="1"/>
+          </p:nvPr>
+        </p:nvSpPr>
+        <p:spPr>
+          <a:xfrm>
+            <a:off x="677334" y="2160589"/>
+            <a:ext cx="4184035" cy="3880772"/>
+          </a:xfrm>
+        </p:spPr>
+        <p:txBody>
+          <a:bodyPr/>
+          <a:lstStyle/>
+          <a:p>
+            <a:pPr lvl="0"/>
+            <a:r>
+              <a:rPr lang="ru-RU" smtClean="0"/>
+              <a:t>Образец текста</a:t>
+            </a:r>
+          </a:p>
+          <a:p>
+            <a:pPr lvl="1"/>
+            <a:r>
+              <a:rPr lang="ru-RU" smtClean="0"/>
+              <a:t>Второй уровень</a:t>
+            </a:r>
+          </a:p>
+          <a:p>
+            <a:pPr lvl="2"/>
+            <a:r>
+              <a:rPr lang="ru-RU" smtClean="0"/>
+              <a:t>Третий уровень</a:t>
+            </a:r>
+          </a:p>
+          <a:p>
+            <a:pPr lvl="3"/>
+            <a:r>
+              <a:rPr lang="ru-RU" smtClean="0"/>
+              <a:t>Четвертый уровень</a:t>
+            </a:r>
+          </a:p>
+          <a:p>
+            <a:pPr lvl="4"/>
+            <a:r>
+              <a:rPr lang="ru-RU" smtClean="0"/>
+              <a:t>Пятый уровень</a:t>
+            </a:r>
+            <a:endParaRPr lang="en-US" dirty="0"/>
+          </a:p>
+        </p:txBody>
+      </p:sp>
+      <p:sp>
+        <p:nvSpPr>
+          <p:cNvPr id="4" name="Content Placeholder 3"/>
+          <p:cNvSpPr>
+            <a:spLocks noGrp="1"/>
+          </p:cNvSpPr>
+          <p:nvPr>
+            <p:ph sz="half" idx="2"/>
+          </p:nvPr>
+        </p:nvSpPr>
+        <p:spPr>
+          <a:xfrm>
+            <a:off x="5089970" y="2160589"/>
+            <a:ext cx="4184034" cy="3880773"/>
+          </a:xfrm>
+        </p:spPr>
+        <p:txBody>
+          <a:bodyPr/>
+          <a:lstStyle/>
+          <a:p>
+            <a:pPr lvl="0"/>
+            <a:r>
+              <a:rPr lang="ru-RU" smtClean="0"/>
+              <a:t>Образец текста</a:t>
+            </a:r>
+          </a:p>
+          <a:p>
+            <a:pPr lvl="1"/>
+            <a:r>
+              <a:rPr lang="ru-RU" smtClean="0"/>
+              <a:t>Второй уровень</a:t>
+            </a:r>
+          </a:p>
+          <a:p>
+            <a:pPr lvl="2"/>
+            <a:r>
+              <a:rPr lang="ru-RU" smtClean="0"/>
+              <a:t>Третий уровень</a:t>
+            </a:r>
+          </a:p>
+          <a:p>
+            <a:pPr lvl="3"/>
+            <a:r>
+              <a:rPr lang="ru-RU" smtClean="0"/>
+              <a:t>Четвертый уровень</a:t>
+            </a:r>
+          </a:p>
+          <a:p>
+            <a:pPr lvl="4"/>
+            <a:r>
+              <a:rPr lang="ru-RU" smtClean="0"/>
+              <a:t>Пятый уровень</a:t>
+            </a:r>
+            <a:endParaRPr lang="en-US" dirty="0"/>
+          </a:p>
+        </p:txBody>
+      </p:sp>
+      <p:sp>
+        <p:nvSpPr>
+          <p:cNvPr id="5" name="Date Placeholder 4"/>
+          <p:cNvSpPr>
+            <a:spLocks noGrp="1"/>
+          </p:cNvSpPr>
+          <p:nvPr>
+            <p:ph type="dt" sz="half" idx="10"/>
+          </p:nvPr>
+        </p:nvSpPr>
+        <p:spPr/>
+        <p:txBody>
+          <a:bodyPr/>
+          <a:lstStyle/>
+          <a:p>
+            <a:fld id="{EB712588-04B1-427B-82EE-E8DB90309F08}" type="datetimeFigureOut">
+              <a:rPr lang="en-US" smtClean="0"/>
+              <a:t>1/24/2019</a:t>
+            </a:fld>
+            <a:endParaRPr lang="en-US" dirty="0"/>
+          </a:p>
+        </p:txBody>
+      </p:sp>
+      <p:sp>
+        <p:nvSpPr>
+          <p:cNvPr id="6" name="Footer Placeholder 5"/>
+          <p:cNvSpPr>
+            <a:spLocks noGrp="1"/>
+          </p:cNvSpPr>
+          <p:nvPr>
+            <p:ph type="ftr" sz="quarter" idx="11"/>
+          </p:nvPr>
+        </p:nvSpPr>
+        <p:spPr/>
+        <p:txBody>
+          <a:bodyPr/>
+          <a:lstStyle/>
+          <a:p>
+            <a:endParaRPr lang="en-US" dirty="0"/>
+          </a:p>
+        </p:txBody>
+      </p:sp>
+      <p:sp>
+        <p:nvSpPr>
+          <p:cNvPr id="7" name="Slide Number Placeholder 6"/>
+          <p:cNvSpPr>
+            <a:spLocks noGrp="1"/>
+          </p:cNvSpPr>
+          <p:nvPr>
+            <p:ph type="sldNum" sz="quarter" idx="12"/>
+          </p:nvPr>
+        </p:nvSpPr>
+        <p:spPr/>
+        <p:txBody>
+          <a:bodyPr/>
+          <a:lstStyle/>
+          <a:p>
+            <a:fld id="{6FF9F0C5-380F-41C2-899A-BAC0F0927E16}" type="slidenum">
+              <a:rPr lang="en-US" smtClean="0"/>
+              <a:t>‹#›</a:t>
+            </a:fld>
+            <a:endParaRPr lang="en-US" dirty="0"/>
+          </a:p>
+        </p:txBody>
+      </p:sp>
+    </p:spTree>
+    <p:extLst>
+      <p:ext uri="{BB962C8B-B14F-4D97-AF65-F5344CB8AC3E}">
+        <p14:creationId xmlns:p14="http://schemas.microsoft.com/office/powerpoint/2010/main" val="3220792470"/>
+      </p:ext>
+    </p:extLst>
+  </p:cSld>
+  <p:clrMapOvr>
+    <a:masterClrMapping/>
+  </p:clrMapOvr>
+</p:sldLayout>
+</file>
+
+<file path=ppt/slideLayouts/slideLayout21.xml><?xml version="1.0" encoding="utf-8"?>
+<p:sldLayout xmlns:a="http://schemas.openxmlformats.org/drawingml/2006/main" xmlns:r="http://schemas.openxmlformats.org/officeDocument/2006/relationships" xmlns:p="http://schemas.openxmlformats.org/presentationml/2006/main" type="twoTxTwoObj" preserve="1">
+  <p:cSld name="Сравнение">
+    <p:spTree>
+      <p:nvGrpSpPr>
+        <p:cNvPr id="1" name=""/>
+        <p:cNvGrpSpPr/>
+        <p:nvPr/>
+      </p:nvGrpSpPr>
+      <p:grpSpPr>
+        <a:xfrm>
+          <a:off x="0" y="0"/>
+          <a:ext cx="0" cy="0"/>
+          <a:chOff x="0" y="0"/>
+          <a:chExt cx="0" cy="0"/>
+        </a:xfrm>
+      </p:grpSpPr>
+      <p:sp>
+        <p:nvSpPr>
+          <p:cNvPr id="2" name="Title 1"/>
+          <p:cNvSpPr>
+            <a:spLocks noGrp="1"/>
+          </p:cNvSpPr>
+          <p:nvPr>
+            <p:ph type="title"/>
+          </p:nvPr>
+        </p:nvSpPr>
+        <p:spPr/>
+        <p:txBody>
+          <a:bodyPr/>
+          <a:lstStyle>
+            <a:lvl1pPr>
+              <a:defRPr/>
+            </a:lvl1pPr>
+          </a:lstStyle>
+          <a:p>
+            <a:r>
+              <a:rPr lang="ru-RU" smtClean="0"/>
+              <a:t>Образец заголовка</a:t>
+            </a:r>
+            <a:endParaRPr lang="en-US" dirty="0"/>
+          </a:p>
+        </p:txBody>
+      </p:sp>
+      <p:sp>
+        <p:nvSpPr>
+          <p:cNvPr id="3" name="Text Placeholder 2"/>
+          <p:cNvSpPr>
+            <a:spLocks noGrp="1"/>
+          </p:cNvSpPr>
+          <p:nvPr>
+            <p:ph type="body" idx="1"/>
+          </p:nvPr>
+        </p:nvSpPr>
+        <p:spPr>
+          <a:xfrm>
+            <a:off x="675745" y="2160983"/>
+            <a:ext cx="4185623" cy="576262"/>
+          </a:xfrm>
+        </p:spPr>
+        <p:txBody>
+          <a:bodyPr anchor="b">
+            <a:noAutofit/>
+          </a:bodyPr>
+          <a:lstStyle>
+            <a:lvl1pPr marL="0" indent="0">
+              <a:buNone/>
+              <a:defRPr sz="2400" b="0"/>
+            </a:lvl1pPr>
+            <a:lvl2pPr marL="457200" indent="0">
+              <a:buNone/>
+              <a:defRPr sz="2000" b="1"/>
+            </a:lvl2pPr>
+            <a:lvl3pPr marL="914400" indent="0">
+              <a:buNone/>
+              <a:defRPr sz="1800" b="1"/>
+            </a:lvl3pPr>
+            <a:lvl4pPr marL="1371600" indent="0">
+              <a:buNone/>
+              <a:defRPr sz="1600" b="1"/>
+            </a:lvl4pPr>
+            <a:lvl5pPr marL="1828800" indent="0">
+              <a:buNone/>
+              <a:defRPr sz="1600" b="1"/>
+            </a:lvl5pPr>
+            <a:lvl6pPr marL="2286000" indent="0">
+              <a:buNone/>
+              <a:defRPr sz="1600" b="1"/>
+            </a:lvl6pPr>
+            <a:lvl7pPr marL="2743200" indent="0">
+              <a:buNone/>
+              <a:defRPr sz="1600" b="1"/>
+            </a:lvl7pPr>
+            <a:lvl8pPr marL="3200400" indent="0">
+              <a:buNone/>
+              <a:defRPr sz="1600" b="1"/>
+            </a:lvl8pPr>
+            <a:lvl9pPr marL="3657600" indent="0">
+              <a:buNone/>
+              <a:defRPr sz="1600" b="1"/>
+            </a:lvl9pPr>
+          </a:lstStyle>
+          <a:p>
+            <a:pPr lvl="0"/>
+            <a:r>
+              <a:rPr lang="ru-RU" smtClean="0"/>
+              <a:t>Образец текста</a:t>
+            </a:r>
+          </a:p>
+        </p:txBody>
+      </p:sp>
+      <p:sp>
+        <p:nvSpPr>
+          <p:cNvPr id="4" name="Content Placeholder 3"/>
+          <p:cNvSpPr>
+            <a:spLocks noGrp="1"/>
+          </p:cNvSpPr>
+          <p:nvPr>
+            <p:ph sz="half" idx="2"/>
+          </p:nvPr>
+        </p:nvSpPr>
+        <p:spPr>
+          <a:xfrm>
+            <a:off x="675745" y="2737245"/>
+            <a:ext cx="4185623" cy="3304117"/>
+          </a:xfrm>
+        </p:spPr>
+        <p:txBody>
+          <a:bodyPr>
+            <a:normAutofit/>
+          </a:bodyPr>
+          <a:lstStyle/>
+          <a:p>
+            <a:pPr lvl="0"/>
+            <a:r>
+              <a:rPr lang="ru-RU" smtClean="0"/>
+              <a:t>Образец текста</a:t>
+            </a:r>
+          </a:p>
+          <a:p>
+            <a:pPr lvl="1"/>
+            <a:r>
+              <a:rPr lang="ru-RU" smtClean="0"/>
+              <a:t>Второй уровень</a:t>
+            </a:r>
+          </a:p>
+          <a:p>
+            <a:pPr lvl="2"/>
+            <a:r>
+              <a:rPr lang="ru-RU" smtClean="0"/>
+              <a:t>Третий уровень</a:t>
+            </a:r>
+          </a:p>
+          <a:p>
+            <a:pPr lvl="3"/>
+            <a:r>
+              <a:rPr lang="ru-RU" smtClean="0"/>
+              <a:t>Четвертый уровень</a:t>
+            </a:r>
+          </a:p>
+          <a:p>
+            <a:pPr lvl="4"/>
+            <a:r>
+              <a:rPr lang="ru-RU" smtClean="0"/>
+              <a:t>Пятый уровень</a:t>
+            </a:r>
+            <a:endParaRPr lang="en-US" dirty="0"/>
+          </a:p>
+        </p:txBody>
+      </p:sp>
+      <p:sp>
+        <p:nvSpPr>
+          <p:cNvPr id="5" name="Text Placeholder 4"/>
+          <p:cNvSpPr>
+            <a:spLocks noGrp="1"/>
+          </p:cNvSpPr>
+          <p:nvPr>
+            <p:ph type="body" sz="quarter" idx="3"/>
+          </p:nvPr>
+        </p:nvSpPr>
+        <p:spPr>
+          <a:xfrm>
+            <a:off x="5088383" y="2160983"/>
+            <a:ext cx="4185618" cy="576262"/>
+          </a:xfrm>
+        </p:spPr>
+        <p:txBody>
+          <a:bodyPr anchor="b">
+            <a:noAutofit/>
+          </a:bodyPr>
+          <a:lstStyle>
+            <a:lvl1pPr marL="0" indent="0">
+              <a:buNone/>
+              <a:defRPr sz="2400" b="0"/>
+            </a:lvl1pPr>
+            <a:lvl2pPr marL="457200" indent="0">
+              <a:buNone/>
+              <a:defRPr sz="2000" b="1"/>
+            </a:lvl2pPr>
+            <a:lvl3pPr marL="914400" indent="0">
+              <a:buNone/>
+              <a:defRPr sz="1800" b="1"/>
+            </a:lvl3pPr>
+            <a:lvl4pPr marL="1371600" indent="0">
+              <a:buNone/>
+              <a:defRPr sz="1600" b="1"/>
+            </a:lvl4pPr>
+            <a:lvl5pPr marL="1828800" indent="0">
+              <a:buNone/>
+              <a:defRPr sz="1600" b="1"/>
+            </a:lvl5pPr>
+            <a:lvl6pPr marL="2286000" indent="0">
+              <a:buNone/>
+              <a:defRPr sz="1600" b="1"/>
+            </a:lvl6pPr>
+            <a:lvl7pPr marL="2743200" indent="0">
+              <a:buNone/>
+              <a:defRPr sz="1600" b="1"/>
+            </a:lvl7pPr>
+            <a:lvl8pPr marL="3200400" indent="0">
+              <a:buNone/>
+              <a:defRPr sz="1600" b="1"/>
+            </a:lvl8pPr>
+            <a:lvl9pPr marL="3657600" indent="0">
+              <a:buNone/>
+              <a:defRPr sz="1600" b="1"/>
+            </a:lvl9pPr>
+          </a:lstStyle>
+          <a:p>
+            <a:pPr lvl="0"/>
+            <a:r>
+              <a:rPr lang="ru-RU" smtClean="0"/>
+              <a:t>Образец текста</a:t>
+            </a:r>
+          </a:p>
+        </p:txBody>
+      </p:sp>
+      <p:sp>
+        <p:nvSpPr>
+          <p:cNvPr id="6" name="Content Placeholder 5"/>
+          <p:cNvSpPr>
+            <a:spLocks noGrp="1"/>
+          </p:cNvSpPr>
+          <p:nvPr>
+            <p:ph sz="quarter" idx="4"/>
+          </p:nvPr>
+        </p:nvSpPr>
+        <p:spPr>
+          <a:xfrm>
+            <a:off x="5088384" y="2737245"/>
+            <a:ext cx="4185617" cy="3304117"/>
+          </a:xfrm>
+        </p:spPr>
+        <p:txBody>
+          <a:bodyPr>
+            <a:normAutofit/>
+          </a:bodyPr>
+          <a:lstStyle/>
+          <a:p>
+            <a:pPr lvl="0"/>
+            <a:r>
+              <a:rPr lang="ru-RU" smtClean="0"/>
+              <a:t>Образец текста</a:t>
+            </a:r>
+          </a:p>
+          <a:p>
+            <a:pPr lvl="1"/>
+            <a:r>
+              <a:rPr lang="ru-RU" smtClean="0"/>
+              <a:t>Второй уровень</a:t>
+            </a:r>
+          </a:p>
+          <a:p>
+            <a:pPr lvl="2"/>
+            <a:r>
+              <a:rPr lang="ru-RU" smtClean="0"/>
+              <a:t>Третий уровень</a:t>
+            </a:r>
+          </a:p>
+          <a:p>
+            <a:pPr lvl="3"/>
+            <a:r>
+              <a:rPr lang="ru-RU" smtClean="0"/>
+              <a:t>Четвертый уровень</a:t>
+            </a:r>
+          </a:p>
+          <a:p>
+            <a:pPr lvl="4"/>
+            <a:r>
+              <a:rPr lang="ru-RU" smtClean="0"/>
+              <a:t>Пятый уровень</a:t>
+            </a:r>
+            <a:endParaRPr lang="en-US" dirty="0"/>
+          </a:p>
+        </p:txBody>
+      </p:sp>
+      <p:sp>
+        <p:nvSpPr>
+          <p:cNvPr id="7" name="Date Placeholder 6"/>
+          <p:cNvSpPr>
+            <a:spLocks noGrp="1"/>
+          </p:cNvSpPr>
+          <p:nvPr>
+            <p:ph type="dt" sz="half" idx="10"/>
+          </p:nvPr>
+        </p:nvSpPr>
+        <p:spPr/>
+        <p:txBody>
+          <a:bodyPr/>
+          <a:lstStyle/>
+          <a:p>
+            <a:fld id="{B61BEF0D-F0BB-DE4B-95CE-6DB70DBA9567}" type="datetimeFigureOut">
+              <a:rPr lang="en-US" smtClean="0"/>
+              <a:pPr/>
+              <a:t>1/24/2019</a:t>
+            </a:fld>
+            <a:endParaRPr lang="en-US" dirty="0"/>
+          </a:p>
+        </p:txBody>
+      </p:sp>
+      <p:sp>
+        <p:nvSpPr>
+          <p:cNvPr id="8" name="Footer Placeholder 7"/>
+          <p:cNvSpPr>
+            <a:spLocks noGrp="1"/>
+          </p:cNvSpPr>
+          <p:nvPr>
+            <p:ph type="ftr" sz="quarter" idx="11"/>
+          </p:nvPr>
+        </p:nvSpPr>
+        <p:spPr/>
+        <p:txBody>
+          <a:bodyPr/>
+          <a:lstStyle/>
+          <a:p>
+            <a:endParaRPr lang="en-US" dirty="0"/>
+          </a:p>
+        </p:txBody>
+      </p:sp>
+      <p:sp>
+        <p:nvSpPr>
+          <p:cNvPr id="9" name="Slide Number Placeholder 8"/>
+          <p:cNvSpPr>
+            <a:spLocks noGrp="1"/>
+          </p:cNvSpPr>
+          <p:nvPr>
+            <p:ph type="sldNum" sz="quarter" idx="12"/>
+          </p:nvPr>
+        </p:nvSpPr>
+        <p:spPr/>
+        <p:txBody>
+          <a:bodyPr/>
+          <a:lstStyle/>
+          <a:p>
+            <a:fld id="{D57F1E4F-1CFF-5643-939E-217C01CDF565}" type="slidenum">
+              <a:rPr lang="en-US" smtClean="0"/>
+              <a:pPr/>
+              <a:t>‹#›</a:t>
+            </a:fld>
+            <a:endParaRPr lang="en-US" dirty="0"/>
+          </a:p>
+        </p:txBody>
+      </p:sp>
+    </p:spTree>
+    <p:extLst>
+      <p:ext uri="{BB962C8B-B14F-4D97-AF65-F5344CB8AC3E}">
+        <p14:creationId xmlns:p14="http://schemas.microsoft.com/office/powerpoint/2010/main" val="1445768169"/>
+      </p:ext>
+    </p:extLst>
+  </p:cSld>
+  <p:clrMapOvr>
+    <a:masterClrMapping/>
+  </p:clrMapOvr>
+</p:sldLayout>
+</file>
+
+<file path=ppt/slideLayouts/slideLayout22.xml><?xml version="1.0" encoding="utf-8"?>
+<p:sldLayout xmlns:a="http://schemas.openxmlformats.org/drawingml/2006/main" xmlns:r="http://schemas.openxmlformats.org/officeDocument/2006/relationships" xmlns:p="http://schemas.openxmlformats.org/presentationml/2006/main" type="titleOnly" preserve="1">
+  <p:cSld name="Только заголовок">
+    <p:spTree>
+      <p:nvGrpSpPr>
+        <p:cNvPr id="1" name=""/>
+        <p:cNvGrpSpPr/>
+        <p:nvPr/>
+      </p:nvGrpSpPr>
+      <p:grpSpPr>
+        <a:xfrm>
+          <a:off x="0" y="0"/>
+          <a:ext cx="0" cy="0"/>
+          <a:chOff x="0" y="0"/>
+          <a:chExt cx="0" cy="0"/>
+        </a:xfrm>
+      </p:grpSpPr>
+      <p:sp>
+        <p:nvSpPr>
+          <p:cNvPr id="2" name="Title 1"/>
+          <p:cNvSpPr>
+            <a:spLocks noGrp="1"/>
+          </p:cNvSpPr>
+          <p:nvPr>
+            <p:ph type="title"/>
+          </p:nvPr>
+        </p:nvSpPr>
+        <p:spPr>
+          <a:xfrm>
+            <a:off x="677334" y="609600"/>
+            <a:ext cx="8596668" cy="1320800"/>
+          </a:xfrm>
+        </p:spPr>
+        <p:txBody>
+          <a:bodyPr/>
+          <a:lstStyle/>
+          <a:p>
+            <a:r>
+              <a:rPr lang="ru-RU" smtClean="0"/>
+              <a:t>Образец заголовка</a:t>
+            </a:r>
+            <a:endParaRPr lang="en-US" dirty="0"/>
+          </a:p>
+        </p:txBody>
+      </p:sp>
+      <p:sp>
+        <p:nvSpPr>
+          <p:cNvPr id="3" name="Date Placeholder 2"/>
+          <p:cNvSpPr>
+            <a:spLocks noGrp="1"/>
+          </p:cNvSpPr>
+          <p:nvPr>
+            <p:ph type="dt" sz="half" idx="10"/>
+          </p:nvPr>
+        </p:nvSpPr>
+        <p:spPr/>
+        <p:txBody>
+          <a:bodyPr/>
+          <a:lstStyle/>
+          <a:p>
+            <a:fld id="{B61BEF0D-F0BB-DE4B-95CE-6DB70DBA9567}" type="datetimeFigureOut">
+              <a:rPr lang="en-US" smtClean="0"/>
+              <a:pPr/>
+              <a:t>1/24/2019</a:t>
+            </a:fld>
+            <a:endParaRPr lang="en-US" dirty="0"/>
+          </a:p>
+        </p:txBody>
+      </p:sp>
+      <p:sp>
+        <p:nvSpPr>
+          <p:cNvPr id="4" name="Footer Placeholder 3"/>
+          <p:cNvSpPr>
+            <a:spLocks noGrp="1"/>
+          </p:cNvSpPr>
+          <p:nvPr>
+            <p:ph type="ftr" sz="quarter" idx="11"/>
+          </p:nvPr>
+        </p:nvSpPr>
+        <p:spPr/>
+        <p:txBody>
+          <a:bodyPr/>
+          <a:lstStyle/>
+          <a:p>
+            <a:endParaRPr lang="en-US" dirty="0"/>
+          </a:p>
+        </p:txBody>
+      </p:sp>
+      <p:sp>
+        <p:nvSpPr>
+          <p:cNvPr id="5" name="Slide Number Placeholder 4"/>
+          <p:cNvSpPr>
+            <a:spLocks noGrp="1"/>
+          </p:cNvSpPr>
+          <p:nvPr>
+            <p:ph type="sldNum" sz="quarter" idx="12"/>
+          </p:nvPr>
+        </p:nvSpPr>
+        <p:spPr/>
+        <p:txBody>
+          <a:bodyPr/>
+          <a:lstStyle/>
+          <a:p>
+            <a:fld id="{D57F1E4F-1CFF-5643-939E-217C01CDF565}" type="slidenum">
+              <a:rPr lang="en-US" smtClean="0"/>
+              <a:pPr/>
+              <a:t>‹#›</a:t>
+            </a:fld>
+            <a:endParaRPr lang="en-US" dirty="0"/>
+          </a:p>
+        </p:txBody>
+      </p:sp>
+    </p:spTree>
+    <p:extLst>
+      <p:ext uri="{BB962C8B-B14F-4D97-AF65-F5344CB8AC3E}">
+        <p14:creationId xmlns:p14="http://schemas.microsoft.com/office/powerpoint/2010/main" val="1315035384"/>
+      </p:ext>
+    </p:extLst>
+  </p:cSld>
+  <p:clrMapOvr>
+    <a:masterClrMapping/>
+  </p:clrMapOvr>
+</p:sldLayout>
+</file>
+
+<file path=ppt/slideLayouts/slideLayout23.xml><?xml version="1.0" encoding="utf-8"?>
+<p:sldLayout xmlns:a="http://schemas.openxmlformats.org/drawingml/2006/main" xmlns:r="http://schemas.openxmlformats.org/officeDocument/2006/relationships" xmlns:p="http://schemas.openxmlformats.org/presentationml/2006/main" type="blank" preserve="1">
+  <p:cSld name="Пустой слайд">
+    <p:spTree>
+      <p:nvGrpSpPr>
+        <p:cNvPr id="1" name=""/>
+        <p:cNvGrpSpPr/>
+        <p:nvPr/>
+      </p:nvGrpSpPr>
+      <p:grpSpPr>
+        <a:xfrm>
+          <a:off x="0" y="0"/>
+          <a:ext cx="0" cy="0"/>
+          <a:chOff x="0" y="0"/>
+          <a:chExt cx="0" cy="0"/>
+        </a:xfrm>
+      </p:grpSpPr>
+      <p:sp>
+        <p:nvSpPr>
+          <p:cNvPr id="2" name="Date Placeholder 1"/>
+          <p:cNvSpPr>
+            <a:spLocks noGrp="1"/>
+          </p:cNvSpPr>
+          <p:nvPr>
+            <p:ph type="dt" sz="half" idx="10"/>
+          </p:nvPr>
+        </p:nvSpPr>
+        <p:spPr/>
+        <p:txBody>
+          <a:bodyPr/>
+          <a:lstStyle/>
+          <a:p>
+            <a:fld id="{B61BEF0D-F0BB-DE4B-95CE-6DB70DBA9567}" type="datetimeFigureOut">
+              <a:rPr lang="en-US" smtClean="0"/>
+              <a:pPr/>
+              <a:t>1/24/2019</a:t>
+            </a:fld>
+            <a:endParaRPr lang="en-US" dirty="0"/>
+          </a:p>
+        </p:txBody>
+      </p:sp>
+      <p:sp>
+        <p:nvSpPr>
+          <p:cNvPr id="3" name="Footer Placeholder 2"/>
+          <p:cNvSpPr>
+            <a:spLocks noGrp="1"/>
+          </p:cNvSpPr>
+          <p:nvPr>
+            <p:ph type="ftr" sz="quarter" idx="11"/>
+          </p:nvPr>
+        </p:nvSpPr>
+        <p:spPr/>
+        <p:txBody>
+          <a:bodyPr/>
+          <a:lstStyle/>
+          <a:p>
+            <a:endParaRPr lang="en-US" dirty="0"/>
+          </a:p>
+        </p:txBody>
+      </p:sp>
+      <p:sp>
+        <p:nvSpPr>
+          <p:cNvPr id="4" name="Slide Number Placeholder 3"/>
+          <p:cNvSpPr>
+            <a:spLocks noGrp="1"/>
+          </p:cNvSpPr>
+          <p:nvPr>
+            <p:ph type="sldNum" sz="quarter" idx="12"/>
+          </p:nvPr>
+        </p:nvSpPr>
+        <p:spPr/>
+        <p:txBody>
+          <a:bodyPr/>
+          <a:lstStyle/>
+          <a:p>
+            <a:fld id="{D57F1E4F-1CFF-5643-939E-217C01CDF565}" type="slidenum">
+              <a:rPr lang="en-US" smtClean="0"/>
+              <a:pPr/>
+              <a:t>‹#›</a:t>
+            </a:fld>
+            <a:endParaRPr lang="en-US" dirty="0"/>
+          </a:p>
+        </p:txBody>
+      </p:sp>
+    </p:spTree>
+    <p:extLst>
+      <p:ext uri="{BB962C8B-B14F-4D97-AF65-F5344CB8AC3E}">
+        <p14:creationId xmlns:p14="http://schemas.microsoft.com/office/powerpoint/2010/main" val="1793053743"/>
+      </p:ext>
+    </p:extLst>
+  </p:cSld>
+  <p:clrMapOvr>
+    <a:masterClrMapping/>
+  </p:clrMapOvr>
+</p:sldLayout>
+</file>
+
+<file path=ppt/slideLayouts/slideLayout24.xml><?xml version="1.0" encoding="utf-8"?>
+<p:sldLayout xmlns:a="http://schemas.openxmlformats.org/drawingml/2006/main" xmlns:r="http://schemas.openxmlformats.org/officeDocument/2006/relationships" xmlns:p="http://schemas.openxmlformats.org/presentationml/2006/main" type="objTx" preserve="1">
+  <p:cSld name="Объект с подписью">
+    <p:spTree>
+      <p:nvGrpSpPr>
+        <p:cNvPr id="1" name=""/>
+        <p:cNvGrpSpPr/>
+        <p:nvPr/>
+      </p:nvGrpSpPr>
+      <p:grpSpPr>
+        <a:xfrm>
+          <a:off x="0" y="0"/>
+          <a:ext cx="0" cy="0"/>
+          <a:chOff x="0" y="0"/>
+          <a:chExt cx="0" cy="0"/>
+        </a:xfrm>
+      </p:grpSpPr>
+      <p:sp>
+        <p:nvSpPr>
+          <p:cNvPr id="2" name="Title 1"/>
+          <p:cNvSpPr>
+            <a:spLocks noGrp="1"/>
+          </p:cNvSpPr>
+          <p:nvPr>
+            <p:ph type="title"/>
+          </p:nvPr>
+        </p:nvSpPr>
+        <p:spPr>
+          <a:xfrm>
+            <a:off x="677334" y="1498604"/>
+            <a:ext cx="3854528" cy="1278466"/>
+          </a:xfrm>
+        </p:spPr>
+        <p:txBody>
+          <a:bodyPr anchor="b">
+            <a:normAutofit/>
+          </a:bodyPr>
+          <a:lstStyle>
+            <a:lvl1pPr>
+              <a:defRPr sz="2000"/>
+            </a:lvl1pPr>
+          </a:lstStyle>
+          <a:p>
+            <a:r>
+              <a:rPr lang="ru-RU" smtClean="0"/>
+              <a:t>Образец заголовка</a:t>
+            </a:r>
+            <a:endParaRPr lang="en-US" dirty="0"/>
+          </a:p>
+        </p:txBody>
+      </p:sp>
+      <p:sp>
+        <p:nvSpPr>
+          <p:cNvPr id="3" name="Content Placeholder 2"/>
+          <p:cNvSpPr>
+            <a:spLocks noGrp="1"/>
+          </p:cNvSpPr>
+          <p:nvPr>
+            <p:ph idx="1"/>
+          </p:nvPr>
+        </p:nvSpPr>
+        <p:spPr>
+          <a:xfrm>
+            <a:off x="4760461" y="514924"/>
+            <a:ext cx="4513541" cy="5526437"/>
+          </a:xfrm>
+        </p:spPr>
+        <p:txBody>
+          <a:bodyPr>
+            <a:normAutofit/>
+          </a:bodyPr>
+          <a:lstStyle/>
+          <a:p>
+            <a:pPr lvl="0"/>
+            <a:r>
+              <a:rPr lang="ru-RU" smtClean="0"/>
+              <a:t>Образец текста</a:t>
+            </a:r>
+          </a:p>
+          <a:p>
+            <a:pPr lvl="1"/>
+            <a:r>
+              <a:rPr lang="ru-RU" smtClean="0"/>
+              <a:t>Второй уровень</a:t>
+            </a:r>
+          </a:p>
+          <a:p>
+            <a:pPr lvl="2"/>
+            <a:r>
+              <a:rPr lang="ru-RU" smtClean="0"/>
+              <a:t>Третий уровень</a:t>
+            </a:r>
+          </a:p>
+          <a:p>
+            <a:pPr lvl="3"/>
+            <a:r>
+              <a:rPr lang="ru-RU" smtClean="0"/>
+              <a:t>Четвертый уровень</a:t>
+            </a:r>
+          </a:p>
+          <a:p>
+            <a:pPr lvl="4"/>
+            <a:r>
+              <a:rPr lang="ru-RU" smtClean="0"/>
+              <a:t>Пятый уровень</a:t>
+            </a:r>
+            <a:endParaRPr lang="en-US" dirty="0"/>
+          </a:p>
+        </p:txBody>
+      </p:sp>
+      <p:sp>
+        <p:nvSpPr>
+          <p:cNvPr id="4" name="Text Placeholder 3"/>
+          <p:cNvSpPr>
+            <a:spLocks noGrp="1"/>
+          </p:cNvSpPr>
+          <p:nvPr>
+            <p:ph type="body" sz="half" idx="2"/>
+          </p:nvPr>
+        </p:nvSpPr>
+        <p:spPr>
+          <a:xfrm>
+            <a:off x="677334" y="2777069"/>
+            <a:ext cx="3854528" cy="2584449"/>
+          </a:xfrm>
+        </p:spPr>
+        <p:txBody>
+          <a:bodyPr>
+            <a:normAutofit/>
+          </a:bodyPr>
+          <a:lstStyle>
+            <a:lvl1pPr marL="0" indent="0">
+              <a:buNone/>
+              <a:defRPr sz="1400"/>
+            </a:lvl1pPr>
+            <a:lvl2pPr marL="457063" indent="0">
+              <a:buNone/>
+              <a:defRPr sz="1400"/>
+            </a:lvl2pPr>
+            <a:lvl3pPr marL="914126" indent="0">
+              <a:buNone/>
+              <a:defRPr sz="1200"/>
+            </a:lvl3pPr>
+            <a:lvl4pPr marL="1371189" indent="0">
+              <a:buNone/>
+              <a:defRPr sz="1000"/>
+            </a:lvl4pPr>
+            <a:lvl5pPr marL="1828251" indent="0">
+              <a:buNone/>
+              <a:defRPr sz="1000"/>
+            </a:lvl5pPr>
+            <a:lvl6pPr marL="2285314" indent="0">
+              <a:buNone/>
+              <a:defRPr sz="1000"/>
+            </a:lvl6pPr>
+            <a:lvl7pPr marL="2742377" indent="0">
+              <a:buNone/>
+              <a:defRPr sz="1000"/>
+            </a:lvl7pPr>
+            <a:lvl8pPr marL="3199440" indent="0">
+              <a:buNone/>
+              <a:defRPr sz="1000"/>
+            </a:lvl8pPr>
+            <a:lvl9pPr marL="3656503" indent="0">
+              <a:buNone/>
+              <a:defRPr sz="1000"/>
+            </a:lvl9pPr>
+          </a:lstStyle>
+          <a:p>
+            <a:pPr lvl="0"/>
+            <a:r>
+              <a:rPr lang="ru-RU" smtClean="0"/>
+              <a:t>Образец текста</a:t>
+            </a:r>
+          </a:p>
+        </p:txBody>
+      </p:sp>
+      <p:sp>
+        <p:nvSpPr>
+          <p:cNvPr id="5" name="Date Placeholder 4"/>
+          <p:cNvSpPr>
+            <a:spLocks noGrp="1"/>
+          </p:cNvSpPr>
+          <p:nvPr>
+            <p:ph type="dt" sz="half" idx="10"/>
+          </p:nvPr>
+        </p:nvSpPr>
+        <p:spPr/>
+        <p:txBody>
+          <a:bodyPr/>
+          <a:lstStyle/>
+          <a:p>
+            <a:fld id="{42A54C80-263E-416B-A8E0-580EDEADCBDC}" type="datetimeFigureOut">
+              <a:rPr lang="en-US" smtClean="0"/>
+              <a:t>1/24/2019</a:t>
+            </a:fld>
+            <a:endParaRPr lang="en-US" dirty="0"/>
+          </a:p>
+        </p:txBody>
+      </p:sp>
+      <p:sp>
+        <p:nvSpPr>
+          <p:cNvPr id="6" name="Footer Placeholder 5"/>
+          <p:cNvSpPr>
+            <a:spLocks noGrp="1"/>
+          </p:cNvSpPr>
+          <p:nvPr>
+            <p:ph type="ftr" sz="quarter" idx="11"/>
+          </p:nvPr>
+        </p:nvSpPr>
+        <p:spPr/>
+        <p:txBody>
+          <a:bodyPr/>
+          <a:lstStyle/>
+          <a:p>
+            <a:endParaRPr lang="en-US" dirty="0"/>
+          </a:p>
+        </p:txBody>
+      </p:sp>
+      <p:sp>
+        <p:nvSpPr>
+          <p:cNvPr id="7" name="Slide Number Placeholder 6"/>
+          <p:cNvSpPr>
+            <a:spLocks noGrp="1"/>
+          </p:cNvSpPr>
+          <p:nvPr>
+            <p:ph type="sldNum" sz="quarter" idx="12"/>
+          </p:nvPr>
+        </p:nvSpPr>
+        <p:spPr/>
+        <p:txBody>
+          <a:bodyPr/>
+          <a:lstStyle/>
+          <a:p>
+            <a:fld id="{519954A3-9DFD-4C44-94BA-B95130A3BA1C}" type="slidenum">
+              <a:rPr lang="en-US" smtClean="0"/>
+              <a:t>‹#›</a:t>
+            </a:fld>
+            <a:endParaRPr lang="en-US" dirty="0"/>
+          </a:p>
+        </p:txBody>
+      </p:sp>
+    </p:spTree>
+    <p:extLst>
+      <p:ext uri="{BB962C8B-B14F-4D97-AF65-F5344CB8AC3E}">
+        <p14:creationId xmlns:p14="http://schemas.microsoft.com/office/powerpoint/2010/main" val="1356903871"/>
+      </p:ext>
+    </p:extLst>
+  </p:cSld>
+  <p:clrMapOvr>
+    <a:masterClrMapping/>
+  </p:clrMapOvr>
+</p:sldLayout>
+</file>
+
+<file path=ppt/slideLayouts/slideLayout25.xml><?xml version="1.0" encoding="utf-8"?>
+<p:sldLayout xmlns:a="http://schemas.openxmlformats.org/drawingml/2006/main" xmlns:r="http://schemas.openxmlformats.org/officeDocument/2006/relationships" xmlns:p="http://schemas.openxmlformats.org/presentationml/2006/main" type="picTx" preserve="1">
+  <p:cSld name="Рисунок с подписью">
+    <p:spTree>
+      <p:nvGrpSpPr>
+        <p:cNvPr id="1" name=""/>
+        <p:cNvGrpSpPr/>
+        <p:nvPr/>
+      </p:nvGrpSpPr>
+      <p:grpSpPr>
+        <a:xfrm>
+          <a:off x="0" y="0"/>
+          <a:ext cx="0" cy="0"/>
+          <a:chOff x="0" y="0"/>
+          <a:chExt cx="0" cy="0"/>
+        </a:xfrm>
+      </p:grpSpPr>
+      <p:sp>
+        <p:nvSpPr>
+          <p:cNvPr id="2" name="Title 1"/>
+          <p:cNvSpPr>
+            <a:spLocks noGrp="1"/>
+          </p:cNvSpPr>
+          <p:nvPr>
+            <p:ph type="title"/>
+          </p:nvPr>
+        </p:nvSpPr>
+        <p:spPr>
+          <a:xfrm>
+            <a:off x="677334" y="4800600"/>
+            <a:ext cx="8596667" cy="566738"/>
+          </a:xfrm>
+        </p:spPr>
+        <p:txBody>
+          <a:bodyPr anchor="b">
+            <a:normAutofit/>
+          </a:bodyPr>
+          <a:lstStyle>
+            <a:lvl1pPr algn="l">
+              <a:defRPr sz="2400" b="0"/>
+            </a:lvl1pPr>
+          </a:lstStyle>
+          <a:p>
+            <a:r>
+              <a:rPr lang="ru-RU" smtClean="0"/>
+              <a:t>Образец заголовка</a:t>
+            </a:r>
+            <a:endParaRPr lang="en-US" dirty="0"/>
+          </a:p>
+        </p:txBody>
+      </p:sp>
+      <p:sp>
+        <p:nvSpPr>
+          <p:cNvPr id="3" name="Picture Placeholder 2"/>
+          <p:cNvSpPr>
+            <a:spLocks noGrp="1" noChangeAspect="1"/>
+          </p:cNvSpPr>
+          <p:nvPr>
+            <p:ph type="pic" idx="1"/>
+          </p:nvPr>
+        </p:nvSpPr>
+        <p:spPr>
+          <a:xfrm>
+            <a:off x="677334" y="609600"/>
+            <a:ext cx="8596668" cy="3845718"/>
+          </a:xfrm>
+        </p:spPr>
+        <p:txBody>
+          <a:bodyPr anchor="t">
+            <a:normAutofit/>
+          </a:bodyPr>
+          <a:lstStyle>
+            <a:lvl1pPr marL="0" indent="0" algn="ctr">
+              <a:buNone/>
+              <a:defRPr sz="1600"/>
+            </a:lvl1pPr>
+            <a:lvl2pPr marL="457200" indent="0">
+              <a:buNone/>
+              <a:defRPr sz="1600"/>
+            </a:lvl2pPr>
+            <a:lvl3pPr marL="914400" indent="0">
+              <a:buNone/>
+              <a:defRPr sz="1600"/>
+            </a:lvl3pPr>
+            <a:lvl4pPr marL="1371600" indent="0">
+              <a:buNone/>
+              <a:defRPr sz="1600"/>
+            </a:lvl4pPr>
+            <a:lvl5pPr marL="1828800" indent="0">
+              <a:buNone/>
+              <a:defRPr sz="1600"/>
+            </a:lvl5pPr>
+            <a:lvl6pPr marL="2286000" indent="0">
+              <a:buNone/>
+              <a:defRPr sz="1600"/>
+            </a:lvl6pPr>
+            <a:lvl7pPr marL="2743200" indent="0">
+              <a:buNone/>
+              <a:defRPr sz="1600"/>
+            </a:lvl7pPr>
+            <a:lvl8pPr marL="3200400" indent="0">
+              <a:buNone/>
+              <a:defRPr sz="1600"/>
+            </a:lvl8pPr>
+            <a:lvl9pPr marL="3657600" indent="0">
+              <a:buNone/>
+              <a:defRPr sz="1600"/>
+            </a:lvl9pPr>
+          </a:lstStyle>
+          <a:p>
+            <a:r>
+              <a:rPr lang="ru-RU" smtClean="0"/>
+              <a:t>Вставка рисунка</a:t>
+            </a:r>
+            <a:endParaRPr lang="en-US" dirty="0"/>
+          </a:p>
+        </p:txBody>
+      </p:sp>
+      <p:sp>
+        <p:nvSpPr>
+          <p:cNvPr id="4" name="Text Placeholder 3"/>
+          <p:cNvSpPr>
+            <a:spLocks noGrp="1"/>
+          </p:cNvSpPr>
+          <p:nvPr>
+            <p:ph type="body" sz="half" idx="2"/>
+          </p:nvPr>
+        </p:nvSpPr>
+        <p:spPr>
+          <a:xfrm>
+            <a:off x="677334" y="5367338"/>
+            <a:ext cx="8596667" cy="674024"/>
+          </a:xfrm>
+        </p:spPr>
+        <p:txBody>
+          <a:bodyPr>
+            <a:normAutofit/>
+          </a:bodyPr>
+          <a:lstStyle>
+            <a:lvl1pPr marL="0" indent="0">
+              <a:buNone/>
+              <a:defRPr sz="1200"/>
+            </a:lvl1pPr>
+            <a:lvl2pPr marL="457200" indent="0">
+              <a:buNone/>
+              <a:defRPr sz="1200"/>
+            </a:lvl2pPr>
+            <a:lvl3pPr marL="914400" indent="0">
+              <a:buNone/>
+              <a:defRPr sz="1000"/>
+            </a:lvl3pPr>
+            <a:lvl4pPr marL="1371600" indent="0">
+              <a:buNone/>
+              <a:defRPr sz="900"/>
+            </a:lvl4pPr>
+            <a:lvl5pPr marL="1828800" indent="0">
+              <a:buNone/>
+              <a:defRPr sz="900"/>
+            </a:lvl5pPr>
+            <a:lvl6pPr marL="2286000" indent="0">
+              <a:buNone/>
+              <a:defRPr sz="900"/>
+            </a:lvl6pPr>
+            <a:lvl7pPr marL="2743200" indent="0">
+              <a:buNone/>
+              <a:defRPr sz="900"/>
+            </a:lvl7pPr>
+            <a:lvl8pPr marL="3200400" indent="0">
+              <a:buNone/>
+              <a:defRPr sz="900"/>
+            </a:lvl8pPr>
+            <a:lvl9pPr marL="3657600" indent="0">
+              <a:buNone/>
+              <a:defRPr sz="900"/>
+            </a:lvl9pPr>
+          </a:lstStyle>
+          <a:p>
+            <a:pPr lvl="0"/>
+            <a:r>
+              <a:rPr lang="ru-RU" smtClean="0"/>
+              <a:t>Образец текста</a:t>
+            </a:r>
+          </a:p>
+        </p:txBody>
+      </p:sp>
+      <p:sp>
+        <p:nvSpPr>
+          <p:cNvPr id="5" name="Date Placeholder 4"/>
+          <p:cNvSpPr>
+            <a:spLocks noGrp="1"/>
+          </p:cNvSpPr>
+          <p:nvPr>
+            <p:ph type="dt" sz="half" idx="10"/>
+          </p:nvPr>
+        </p:nvSpPr>
+        <p:spPr/>
+        <p:txBody>
+          <a:bodyPr/>
+          <a:lstStyle/>
+          <a:p>
+            <a:fld id="{B61BEF0D-F0BB-DE4B-95CE-6DB70DBA9567}" type="datetimeFigureOut">
+              <a:rPr lang="en-US" smtClean="0"/>
+              <a:pPr/>
+              <a:t>1/24/2019</a:t>
+            </a:fld>
+            <a:endParaRPr lang="en-US" dirty="0"/>
+          </a:p>
+        </p:txBody>
+      </p:sp>
+      <p:sp>
+        <p:nvSpPr>
+          <p:cNvPr id="6" name="Footer Placeholder 5"/>
+          <p:cNvSpPr>
+            <a:spLocks noGrp="1"/>
+          </p:cNvSpPr>
+          <p:nvPr>
+            <p:ph type="ftr" sz="quarter" idx="11"/>
+          </p:nvPr>
+        </p:nvSpPr>
+        <p:spPr/>
+        <p:txBody>
+          <a:bodyPr/>
+          <a:lstStyle/>
+          <a:p>
+            <a:endParaRPr lang="en-US" dirty="0"/>
+          </a:p>
+        </p:txBody>
+      </p:sp>
+      <p:sp>
+        <p:nvSpPr>
+          <p:cNvPr id="7" name="Slide Number Placeholder 6"/>
+          <p:cNvSpPr>
+            <a:spLocks noGrp="1"/>
+          </p:cNvSpPr>
+          <p:nvPr>
+            <p:ph type="sldNum" sz="quarter" idx="12"/>
+          </p:nvPr>
+        </p:nvSpPr>
+        <p:spPr/>
+        <p:txBody>
+          <a:bodyPr/>
+          <a:lstStyle/>
+          <a:p>
+            <a:fld id="{D57F1E4F-1CFF-5643-939E-217C01CDF565}" type="slidenum">
+              <a:rPr lang="en-US" smtClean="0"/>
+              <a:pPr/>
+              <a:t>‹#›</a:t>
+            </a:fld>
+            <a:endParaRPr lang="en-US" dirty="0"/>
+          </a:p>
+        </p:txBody>
+      </p:sp>
+    </p:spTree>
+    <p:extLst>
+      <p:ext uri="{BB962C8B-B14F-4D97-AF65-F5344CB8AC3E}">
+        <p14:creationId xmlns:p14="http://schemas.microsoft.com/office/powerpoint/2010/main" val="1359174398"/>
+      </p:ext>
+    </p:extLst>
+  </p:cSld>
+  <p:clrMapOvr>
+    <a:masterClrMapping/>
+  </p:clrMapOvr>
+</p:sldLayout>
+</file>
+
+<file path=ppt/slideLayouts/slideLayout26.xml><?xml version="1.0" encoding="utf-8"?>
+<p:sldLayout xmlns:a="http://schemas.openxmlformats.org/drawingml/2006/main" xmlns:r="http://schemas.openxmlformats.org/officeDocument/2006/relationships" xmlns:p="http://schemas.openxmlformats.org/presentationml/2006/main" preserve="1">
+  <p:cSld name="Заголовок и подпись">
+    <p:spTree>
+      <p:nvGrpSpPr>
+        <p:cNvPr id="1" name=""/>
+        <p:cNvGrpSpPr/>
+        <p:nvPr/>
+      </p:nvGrpSpPr>
+      <p:grpSpPr>
+        <a:xfrm>
+          <a:off x="0" y="0"/>
+          <a:ext cx="0" cy="0"/>
+          <a:chOff x="0" y="0"/>
+          <a:chExt cx="0" cy="0"/>
+        </a:xfrm>
+      </p:grpSpPr>
+      <p:sp>
+        <p:nvSpPr>
+          <p:cNvPr id="2" name="Title 1"/>
+          <p:cNvSpPr>
+            <a:spLocks noGrp="1"/>
+          </p:cNvSpPr>
+          <p:nvPr>
+            <p:ph type="title"/>
+          </p:nvPr>
+        </p:nvSpPr>
+        <p:spPr>
+          <a:xfrm>
+            <a:off x="677335" y="609600"/>
+            <a:ext cx="8596668" cy="3403600"/>
+          </a:xfrm>
+        </p:spPr>
+        <p:txBody>
+          <a:bodyPr anchor="ctr">
+            <a:normAutofit/>
+          </a:bodyPr>
+          <a:lstStyle>
+            <a:lvl1pPr algn="l">
+              <a:defRPr sz="4400" b="0" cap="none"/>
+            </a:lvl1pPr>
+          </a:lstStyle>
+          <a:p>
+            <a:r>
+              <a:rPr lang="ru-RU" smtClean="0"/>
+              <a:t>Образец заголовка</a:t>
+            </a:r>
+            <a:endParaRPr lang="en-US" dirty="0"/>
+          </a:p>
+        </p:txBody>
+      </p:sp>
+      <p:sp>
+        <p:nvSpPr>
+          <p:cNvPr id="3" name="Text Placeholder 2"/>
+          <p:cNvSpPr>
+            <a:spLocks noGrp="1"/>
+          </p:cNvSpPr>
+          <p:nvPr>
+            <p:ph type="body" idx="1"/>
+          </p:nvPr>
+        </p:nvSpPr>
+        <p:spPr>
+          <a:xfrm>
+            <a:off x="677335" y="4470400"/>
+            <a:ext cx="8596668" cy="1570962"/>
+          </a:xfrm>
+        </p:spPr>
+        <p:txBody>
+          <a:bodyPr anchor="ctr">
+            <a:normAutofit/>
+          </a:bodyPr>
+          <a:lstStyle>
+            <a:lvl1pPr marL="0" indent="0" algn="l">
+              <a:buNone/>
+              <a:defRPr sz="1800">
+                <a:solidFill>
+                  <a:schemeClr val="tx1">
+                    <a:lumMod val="75000"/>
+                    <a:lumOff val="25000"/>
+                  </a:schemeClr>
+                </a:solidFill>
+              </a:defRPr>
+            </a:lvl1pPr>
+            <a:lvl2pPr marL="457200" indent="0">
+              <a:buNone/>
+              <a:defRPr sz="1800">
+                <a:solidFill>
+                  <a:schemeClr val="tx1">
+                    <a:tint val="75000"/>
+                  </a:schemeClr>
+                </a:solidFill>
+              </a:defRPr>
+            </a:lvl2pPr>
+            <a:lvl3pPr marL="914400" indent="0">
+              <a:buNone/>
+              <a:defRPr sz="1600">
+                <a:solidFill>
+                  <a:schemeClr val="tx1">
+                    <a:tint val="75000"/>
+                  </a:schemeClr>
+                </a:solidFill>
+              </a:defRPr>
+            </a:lvl3pPr>
+            <a:lvl4pPr marL="1371600" indent="0">
+              <a:buNone/>
+              <a:defRPr sz="1400">
+                <a:solidFill>
+                  <a:schemeClr val="tx1">
+                    <a:tint val="75000"/>
+                  </a:schemeClr>
+                </a:solidFill>
+              </a:defRPr>
+            </a:lvl4pPr>
+            <a:lvl5pPr marL="1828800" indent="0">
+              <a:buNone/>
+              <a:defRPr sz="1400">
+                <a:solidFill>
+                  <a:schemeClr val="tx1">
+                    <a:tint val="75000"/>
+                  </a:schemeClr>
+                </a:solidFill>
+              </a:defRPr>
+            </a:lvl5pPr>
+            <a:lvl6pPr marL="2286000" indent="0">
+              <a:buNone/>
+              <a:defRPr sz="1400">
+                <a:solidFill>
+                  <a:schemeClr val="tx1">
+                    <a:tint val="75000"/>
+                  </a:schemeClr>
+                </a:solidFill>
+              </a:defRPr>
+            </a:lvl6pPr>
+            <a:lvl7pPr marL="2743200" indent="0">
+              <a:buNone/>
+              <a:defRPr sz="1400">
+                <a:solidFill>
+                  <a:schemeClr val="tx1">
+                    <a:tint val="75000"/>
+                  </a:schemeClr>
+                </a:solidFill>
+              </a:defRPr>
+            </a:lvl7pPr>
+            <a:lvl8pPr marL="3200400" indent="0">
+              <a:buNone/>
+              <a:defRPr sz="1400">
+                <a:solidFill>
+                  <a:schemeClr val="tx1">
+                    <a:tint val="75000"/>
+                  </a:schemeClr>
+                </a:solidFill>
+              </a:defRPr>
+            </a:lvl8pPr>
+            <a:lvl9pPr marL="3657600" indent="0">
+              <a:buNone/>
+              <a:defRPr sz="1400">
+                <a:solidFill>
+                  <a:schemeClr val="tx1">
+                    <a:tint val="75000"/>
+                  </a:schemeClr>
+                </a:solidFill>
+              </a:defRPr>
+            </a:lvl9pPr>
+          </a:lstStyle>
+          <a:p>
+            <a:pPr lvl="0"/>
+            <a:r>
+              <a:rPr lang="ru-RU" smtClean="0"/>
+              <a:t>Образец текста</a:t>
+            </a:r>
+          </a:p>
+        </p:txBody>
+      </p:sp>
+      <p:sp>
+        <p:nvSpPr>
+          <p:cNvPr id="4" name="Date Placeholder 3"/>
+          <p:cNvSpPr>
+            <a:spLocks noGrp="1"/>
+          </p:cNvSpPr>
+          <p:nvPr>
+            <p:ph type="dt" sz="half" idx="10"/>
+          </p:nvPr>
+        </p:nvSpPr>
+        <p:spPr/>
+        <p:txBody>
+          <a:bodyPr/>
+          <a:lstStyle/>
+          <a:p>
+            <a:fld id="{B61BEF0D-F0BB-DE4B-95CE-6DB70DBA9567}" type="datetimeFigureOut">
+              <a:rPr lang="en-US" smtClean="0"/>
+              <a:pPr/>
+              <a:t>1/24/2019</a:t>
+            </a:fld>
+            <a:endParaRPr lang="en-US" dirty="0"/>
+          </a:p>
+        </p:txBody>
+      </p:sp>
+      <p:sp>
+        <p:nvSpPr>
+          <p:cNvPr id="5" name="Footer Placeholder 4"/>
+          <p:cNvSpPr>
+            <a:spLocks noGrp="1"/>
+          </p:cNvSpPr>
+          <p:nvPr>
+            <p:ph type="ftr" sz="quarter" idx="11"/>
+          </p:nvPr>
+        </p:nvSpPr>
+        <p:spPr/>
+        <p:txBody>
+          <a:bodyPr/>
+          <a:lstStyle/>
+          <a:p>
+            <a:endParaRPr lang="en-US" dirty="0"/>
+          </a:p>
+        </p:txBody>
+      </p:sp>
+      <p:sp>
+        <p:nvSpPr>
+          <p:cNvPr id="6" name="Slide Number Placeholder 5"/>
+          <p:cNvSpPr>
+            <a:spLocks noGrp="1"/>
+          </p:cNvSpPr>
+          <p:nvPr>
+            <p:ph type="sldNum" sz="quarter" idx="12"/>
+          </p:nvPr>
+        </p:nvSpPr>
+        <p:spPr/>
+        <p:txBody>
+          <a:bodyPr/>
+          <a:lstStyle/>
+          <a:p>
+            <a:fld id="{D57F1E4F-1CFF-5643-939E-217C01CDF565}" type="slidenum">
+              <a:rPr lang="en-US" smtClean="0"/>
+              <a:pPr/>
+              <a:t>‹#›</a:t>
+            </a:fld>
+            <a:endParaRPr lang="en-US" dirty="0"/>
+          </a:p>
+        </p:txBody>
+      </p:sp>
+    </p:spTree>
+    <p:extLst>
+      <p:ext uri="{BB962C8B-B14F-4D97-AF65-F5344CB8AC3E}">
+        <p14:creationId xmlns:p14="http://schemas.microsoft.com/office/powerpoint/2010/main" val="2636634108"/>
+      </p:ext>
+    </p:extLst>
+  </p:cSld>
+  <p:clrMapOvr>
+    <a:masterClrMapping/>
+  </p:clrMapOvr>
+</p:sldLayout>
+</file>
+
+<file path=ppt/slideLayouts/slideLayout27.xml><?xml version="1.0" encoding="utf-8"?>
+<p:sldLayout xmlns:a="http://schemas.openxmlformats.org/drawingml/2006/main" xmlns:r="http://schemas.openxmlformats.org/officeDocument/2006/relationships" xmlns:p="http://schemas.openxmlformats.org/presentationml/2006/main" preserve="1">
+  <p:cSld name="Цитата с подписью">
+    <p:spTree>
+      <p:nvGrpSpPr>
+        <p:cNvPr id="1" name=""/>
+        <p:cNvGrpSpPr/>
+        <p:nvPr/>
+      </p:nvGrpSpPr>
+      <p:grpSpPr>
+        <a:xfrm>
+          <a:off x="0" y="0"/>
+          <a:ext cx="0" cy="0"/>
+          <a:chOff x="0" y="0"/>
+          <a:chExt cx="0" cy="0"/>
+        </a:xfrm>
+      </p:grpSpPr>
+      <p:sp>
+        <p:nvSpPr>
+          <p:cNvPr id="2" name="Title 1"/>
+          <p:cNvSpPr>
+            <a:spLocks noGrp="1"/>
+          </p:cNvSpPr>
+          <p:nvPr>
+            <p:ph type="title"/>
+          </p:nvPr>
+        </p:nvSpPr>
+        <p:spPr>
+          <a:xfrm>
+            <a:off x="931334" y="609600"/>
+            <a:ext cx="8094134" cy="3022600"/>
+          </a:xfrm>
+        </p:spPr>
+        <p:txBody>
+          <a:bodyPr anchor="ctr">
+            <a:normAutofit/>
+          </a:bodyPr>
+          <a:lstStyle>
+            <a:lvl1pPr algn="l">
+              <a:defRPr sz="4400" b="0" cap="none"/>
+            </a:lvl1pPr>
+          </a:lstStyle>
+          <a:p>
+            <a:r>
+              <a:rPr lang="ru-RU" smtClean="0"/>
+              <a:t>Образец заголовка</a:t>
+            </a:r>
+            <a:endParaRPr lang="en-US" dirty="0"/>
+          </a:p>
+        </p:txBody>
+      </p:sp>
+      <p:sp>
+        <p:nvSpPr>
+          <p:cNvPr id="23" name="Text Placeholder 9"/>
+          <p:cNvSpPr>
+            <a:spLocks noGrp="1"/>
+          </p:cNvSpPr>
+          <p:nvPr>
+            <p:ph type="body" sz="quarter" idx="13"/>
+          </p:nvPr>
+        </p:nvSpPr>
+        <p:spPr>
+          <a:xfrm>
+            <a:off x="1366139" y="3632200"/>
+            <a:ext cx="7224524" cy="381000"/>
+          </a:xfrm>
+        </p:spPr>
+        <p:txBody>
+          <a:bodyPr anchor="ctr">
+            <a:noAutofit/>
+          </a:bodyPr>
+          <a:lstStyle>
+            <a:lvl1pPr marL="0" indent="0">
+              <a:buFontTx/>
+              <a:buNone/>
+              <a:defRPr sz="1600">
+                <a:solidFill>
+                  <a:schemeClr val="tx1">
+                    <a:lumMod val="50000"/>
+                    <a:lumOff val="50000"/>
+                  </a:schemeClr>
+                </a:solidFill>
+              </a:defRPr>
+            </a:lvl1pPr>
+            <a:lvl2pPr marL="457200" indent="0">
+              <a:buFontTx/>
+              <a:buNone/>
+              <a:defRPr/>
+            </a:lvl2pPr>
+            <a:lvl3pPr marL="914400" indent="0">
+              <a:buFontTx/>
+              <a:buNone/>
+              <a:defRPr/>
+            </a:lvl3pPr>
+            <a:lvl4pPr marL="1371600" indent="0">
+              <a:buFontTx/>
+              <a:buNone/>
+              <a:defRPr/>
+            </a:lvl4pPr>
+            <a:lvl5pPr marL="1828800" indent="0">
+              <a:buFontTx/>
+              <a:buNone/>
+              <a:defRPr/>
+            </a:lvl5pPr>
+          </a:lstStyle>
+          <a:p>
+            <a:pPr lvl="0"/>
+            <a:r>
+              <a:rPr lang="ru-RU" smtClean="0"/>
+              <a:t>Образец текста</a:t>
+            </a:r>
+          </a:p>
+        </p:txBody>
+      </p:sp>
+      <p:sp>
+        <p:nvSpPr>
+          <p:cNvPr id="3" name="Text Placeholder 2"/>
+          <p:cNvSpPr>
+            <a:spLocks noGrp="1"/>
+          </p:cNvSpPr>
+          <p:nvPr>
+            <p:ph type="body" idx="1"/>
+          </p:nvPr>
+        </p:nvSpPr>
+        <p:spPr>
+          <a:xfrm>
+            <a:off x="677335" y="4470400"/>
+            <a:ext cx="8596668" cy="1570962"/>
+          </a:xfrm>
+        </p:spPr>
+        <p:txBody>
+          <a:bodyPr anchor="ctr">
+            <a:normAutofit/>
+          </a:bodyPr>
+          <a:lstStyle>
+            <a:lvl1pPr marL="0" indent="0" algn="l">
+              <a:buNone/>
+              <a:defRPr sz="1800">
+                <a:solidFill>
+                  <a:schemeClr val="tx1">
+                    <a:lumMod val="75000"/>
+                    <a:lumOff val="25000"/>
+                  </a:schemeClr>
+                </a:solidFill>
+              </a:defRPr>
+            </a:lvl1pPr>
+            <a:lvl2pPr marL="457200" indent="0">
+              <a:buNone/>
+              <a:defRPr sz="1800">
+                <a:solidFill>
+                  <a:schemeClr val="tx1">
+                    <a:tint val="75000"/>
+                  </a:schemeClr>
+                </a:solidFill>
+              </a:defRPr>
+            </a:lvl2pPr>
+            <a:lvl3pPr marL="914400" indent="0">
+              <a:buNone/>
+              <a:defRPr sz="1600">
+                <a:solidFill>
+                  <a:schemeClr val="tx1">
+                    <a:tint val="75000"/>
+                  </a:schemeClr>
+                </a:solidFill>
+              </a:defRPr>
+            </a:lvl3pPr>
+            <a:lvl4pPr marL="1371600" indent="0">
+              <a:buNone/>
+              <a:defRPr sz="1400">
+                <a:solidFill>
+                  <a:schemeClr val="tx1">
+                    <a:tint val="75000"/>
+                  </a:schemeClr>
+                </a:solidFill>
+              </a:defRPr>
+            </a:lvl4pPr>
+            <a:lvl5pPr marL="1828800" indent="0">
+              <a:buNone/>
+              <a:defRPr sz="1400">
+                <a:solidFill>
+                  <a:schemeClr val="tx1">
+                    <a:tint val="75000"/>
+                  </a:schemeClr>
+                </a:solidFill>
+              </a:defRPr>
+            </a:lvl5pPr>
+            <a:lvl6pPr marL="2286000" indent="0">
+              <a:buNone/>
+              <a:defRPr sz="1400">
+                <a:solidFill>
+                  <a:schemeClr val="tx1">
+                    <a:tint val="75000"/>
+                  </a:schemeClr>
+                </a:solidFill>
+              </a:defRPr>
+            </a:lvl6pPr>
+            <a:lvl7pPr marL="2743200" indent="0">
+              <a:buNone/>
+              <a:defRPr sz="1400">
+                <a:solidFill>
+                  <a:schemeClr val="tx1">
+                    <a:tint val="75000"/>
+                  </a:schemeClr>
+                </a:solidFill>
+              </a:defRPr>
+            </a:lvl7pPr>
+            <a:lvl8pPr marL="3200400" indent="0">
+              <a:buNone/>
+              <a:defRPr sz="1400">
+                <a:solidFill>
+                  <a:schemeClr val="tx1">
+                    <a:tint val="75000"/>
+                  </a:schemeClr>
+                </a:solidFill>
+              </a:defRPr>
+            </a:lvl8pPr>
+            <a:lvl9pPr marL="3657600" indent="0">
+              <a:buNone/>
+              <a:defRPr sz="1400">
+                <a:solidFill>
+                  <a:schemeClr val="tx1">
+                    <a:tint val="75000"/>
+                  </a:schemeClr>
+                </a:solidFill>
+              </a:defRPr>
+            </a:lvl9pPr>
+          </a:lstStyle>
+          <a:p>
+            <a:pPr lvl="0"/>
+            <a:r>
+              <a:rPr lang="ru-RU" smtClean="0"/>
+              <a:t>Образец текста</a:t>
+            </a:r>
+          </a:p>
+        </p:txBody>
+      </p:sp>
+      <p:sp>
+        <p:nvSpPr>
+          <p:cNvPr id="4" name="Date Placeholder 3"/>
+          <p:cNvSpPr>
+            <a:spLocks noGrp="1"/>
+          </p:cNvSpPr>
+          <p:nvPr>
+            <p:ph type="dt" sz="half" idx="10"/>
+          </p:nvPr>
+        </p:nvSpPr>
+        <p:spPr/>
+        <p:txBody>
+          <a:bodyPr/>
+          <a:lstStyle/>
+          <a:p>
+            <a:fld id="{B61BEF0D-F0BB-DE4B-95CE-6DB70DBA9567}" type="datetimeFigureOut">
+              <a:rPr lang="en-US" smtClean="0"/>
+              <a:pPr/>
+              <a:t>1/24/2019</a:t>
+            </a:fld>
+            <a:endParaRPr lang="en-US" dirty="0"/>
+          </a:p>
+        </p:txBody>
+      </p:sp>
+      <p:sp>
+        <p:nvSpPr>
+          <p:cNvPr id="5" name="Footer Placeholder 4"/>
+          <p:cNvSpPr>
+            <a:spLocks noGrp="1"/>
+          </p:cNvSpPr>
+          <p:nvPr>
+            <p:ph type="ftr" sz="quarter" idx="11"/>
+          </p:nvPr>
+        </p:nvSpPr>
+        <p:spPr/>
+        <p:txBody>
+          <a:bodyPr/>
+          <a:lstStyle/>
+          <a:p>
+            <a:endParaRPr lang="en-US" dirty="0"/>
+          </a:p>
+        </p:txBody>
+      </p:sp>
+      <p:sp>
+        <p:nvSpPr>
+          <p:cNvPr id="6" name="Slide Number Placeholder 5"/>
+          <p:cNvSpPr>
+            <a:spLocks noGrp="1"/>
+          </p:cNvSpPr>
+          <p:nvPr>
+            <p:ph type="sldNum" sz="quarter" idx="12"/>
+          </p:nvPr>
+        </p:nvSpPr>
+        <p:spPr/>
+        <p:txBody>
+          <a:bodyPr/>
+          <a:lstStyle/>
+          <a:p>
+            <a:fld id="{D57F1E4F-1CFF-5643-939E-217C01CDF565}" type="slidenum">
+              <a:rPr lang="en-US" smtClean="0"/>
+              <a:pPr/>
+              <a:t>‹#›</a:t>
+            </a:fld>
+            <a:endParaRPr lang="en-US" dirty="0"/>
+          </a:p>
+        </p:txBody>
+      </p:sp>
+      <p:sp>
+        <p:nvSpPr>
+          <p:cNvPr id="24" name="TextBox 23"/>
+          <p:cNvSpPr txBox="1"/>
+          <p:nvPr/>
+        </p:nvSpPr>
+        <p:spPr>
+          <a:xfrm>
+            <a:off x="541870" y="790378"/>
+            <a:ext cx="609600" cy="584776"/>
+          </a:xfrm>
+          <a:prstGeom prst="rect">
+            <a:avLst/>
+          </a:prstGeom>
+        </p:spPr>
+        <p:txBody>
+          <a:bodyPr vert="horz" lIns="91440" tIns="45720" rIns="91440" bIns="45720" rtlCol="0" anchor="ctr">
+            <a:noAutofit/>
+          </a:bodyPr>
+          <a:lstStyle/>
+          <a:p>
+            <a:pPr lvl="0"/>
+            <a:r>
+              <a:rPr lang="en-US" sz="8000" baseline="0" dirty="0">
+                <a:ln w="3175" cmpd="sng">
+                  <a:noFill/>
+                </a:ln>
+                <a:solidFill>
+                  <a:schemeClr val="accent1"/>
+                </a:solidFill>
+                <a:effectLst/>
+                <a:latin typeface="Arial"/>
+              </a:rPr>
+              <a:t>“</a:t>
+            </a:r>
+          </a:p>
+        </p:txBody>
+      </p:sp>
+      <p:sp>
+        <p:nvSpPr>
+          <p:cNvPr id="25" name="TextBox 24"/>
+          <p:cNvSpPr txBox="1"/>
+          <p:nvPr/>
+        </p:nvSpPr>
+        <p:spPr>
+          <a:xfrm>
+            <a:off x="8893011" y="2886556"/>
+            <a:ext cx="609600" cy="584776"/>
+          </a:xfrm>
+          <a:prstGeom prst="rect">
+            <a:avLst/>
+          </a:prstGeom>
+        </p:spPr>
+        <p:txBody>
+          <a:bodyPr vert="horz" lIns="91440" tIns="45720" rIns="91440" bIns="45720" rtlCol="0" anchor="ctr">
+            <a:noAutofit/>
+          </a:bodyPr>
+          <a:lstStyle/>
+          <a:p>
+            <a:pPr lvl="0"/>
+            <a:r>
+              <a:rPr lang="en-US" sz="8000" baseline="0" dirty="0">
+                <a:ln w="3175" cmpd="sng">
+                  <a:noFill/>
+                </a:ln>
+                <a:solidFill>
+                  <a:schemeClr val="accent1"/>
+                </a:solidFill>
+                <a:effectLst/>
+                <a:latin typeface="Arial"/>
+              </a:rPr>
+              <a:t>”</a:t>
+            </a:r>
+          </a:p>
+        </p:txBody>
+      </p:sp>
+    </p:spTree>
+    <p:extLst>
+      <p:ext uri="{BB962C8B-B14F-4D97-AF65-F5344CB8AC3E}">
+        <p14:creationId xmlns:p14="http://schemas.microsoft.com/office/powerpoint/2010/main" val="2102223819"/>
+      </p:ext>
+    </p:extLst>
+  </p:cSld>
+  <p:clrMapOvr>
+    <a:masterClrMapping/>
+  </p:clrMapOvr>
+</p:sldLayout>
+</file>
+
+<file path=ppt/slideLayouts/slideLayout28.xml><?xml version="1.0" encoding="utf-8"?>
+<p:sldLayout xmlns:a="http://schemas.openxmlformats.org/drawingml/2006/main" xmlns:r="http://schemas.openxmlformats.org/officeDocument/2006/relationships" xmlns:p="http://schemas.openxmlformats.org/presentationml/2006/main" preserve="1">
+  <p:cSld name="Карточка имени">
+    <p:spTree>
+      <p:nvGrpSpPr>
+        <p:cNvPr id="1" name=""/>
+        <p:cNvGrpSpPr/>
+        <p:nvPr/>
+      </p:nvGrpSpPr>
+      <p:grpSpPr>
+        <a:xfrm>
+          <a:off x="0" y="0"/>
+          <a:ext cx="0" cy="0"/>
+          <a:chOff x="0" y="0"/>
+          <a:chExt cx="0" cy="0"/>
+        </a:xfrm>
+      </p:grpSpPr>
+      <p:sp>
+        <p:nvSpPr>
+          <p:cNvPr id="2" name="Title 1"/>
+          <p:cNvSpPr>
+            <a:spLocks noGrp="1"/>
+          </p:cNvSpPr>
+          <p:nvPr>
+            <p:ph type="title"/>
+          </p:nvPr>
+        </p:nvSpPr>
+        <p:spPr>
+          <a:xfrm>
+            <a:off x="677335" y="1931988"/>
+            <a:ext cx="8596668" cy="2595460"/>
+          </a:xfrm>
+        </p:spPr>
+        <p:txBody>
+          <a:bodyPr anchor="b">
+            <a:normAutofit/>
+          </a:bodyPr>
+          <a:lstStyle>
+            <a:lvl1pPr algn="l">
+              <a:defRPr sz="4400" b="0" cap="none"/>
+            </a:lvl1pPr>
+          </a:lstStyle>
+          <a:p>
+            <a:r>
+              <a:rPr lang="ru-RU" smtClean="0"/>
+              <a:t>Образец заголовка</a:t>
+            </a:r>
+            <a:endParaRPr lang="en-US" dirty="0"/>
+          </a:p>
+        </p:txBody>
+      </p:sp>
+      <p:sp>
+        <p:nvSpPr>
+          <p:cNvPr id="3" name="Text Placeholder 2"/>
+          <p:cNvSpPr>
+            <a:spLocks noGrp="1"/>
+          </p:cNvSpPr>
+          <p:nvPr>
+            <p:ph type="body" idx="1"/>
+          </p:nvPr>
+        </p:nvSpPr>
+        <p:spPr>
+          <a:xfrm>
+            <a:off x="677335" y="4527448"/>
+            <a:ext cx="8596668" cy="1513914"/>
+          </a:xfrm>
+        </p:spPr>
+        <p:txBody>
+          <a:bodyPr anchor="t">
+            <a:normAutofit/>
+          </a:bodyPr>
+          <a:lstStyle>
+            <a:lvl1pPr marL="0" indent="0" algn="l">
+              <a:buNone/>
+              <a:defRPr sz="1800">
+                <a:solidFill>
+                  <a:schemeClr val="tx1">
+                    <a:lumMod val="75000"/>
+                    <a:lumOff val="25000"/>
+                  </a:schemeClr>
+                </a:solidFill>
+              </a:defRPr>
+            </a:lvl1pPr>
+            <a:lvl2pPr marL="457200" indent="0">
+              <a:buNone/>
+              <a:defRPr sz="1800">
+                <a:solidFill>
+                  <a:schemeClr val="tx1">
+                    <a:tint val="75000"/>
+                  </a:schemeClr>
+                </a:solidFill>
+              </a:defRPr>
+            </a:lvl2pPr>
+            <a:lvl3pPr marL="914400" indent="0">
+              <a:buNone/>
+              <a:defRPr sz="1600">
+                <a:solidFill>
+                  <a:schemeClr val="tx1">
+                    <a:tint val="75000"/>
+                  </a:schemeClr>
+                </a:solidFill>
+              </a:defRPr>
+            </a:lvl3pPr>
+            <a:lvl4pPr marL="1371600" indent="0">
+              <a:buNone/>
+              <a:defRPr sz="1400">
+                <a:solidFill>
+                  <a:schemeClr val="tx1">
+                    <a:tint val="75000"/>
+                  </a:schemeClr>
+                </a:solidFill>
+              </a:defRPr>
+            </a:lvl4pPr>
+            <a:lvl5pPr marL="1828800" indent="0">
+              <a:buNone/>
+              <a:defRPr sz="1400">
+                <a:solidFill>
+                  <a:schemeClr val="tx1">
+                    <a:tint val="75000"/>
+                  </a:schemeClr>
+                </a:solidFill>
+              </a:defRPr>
+            </a:lvl5pPr>
+            <a:lvl6pPr marL="2286000" indent="0">
+              <a:buNone/>
+              <a:defRPr sz="1400">
+                <a:solidFill>
+                  <a:schemeClr val="tx1">
+                    <a:tint val="75000"/>
+                  </a:schemeClr>
+                </a:solidFill>
+              </a:defRPr>
+            </a:lvl6pPr>
+            <a:lvl7pPr marL="2743200" indent="0">
+              <a:buNone/>
+              <a:defRPr sz="1400">
+                <a:solidFill>
+                  <a:schemeClr val="tx1">
+                    <a:tint val="75000"/>
+                  </a:schemeClr>
+                </a:solidFill>
+              </a:defRPr>
+            </a:lvl7pPr>
+            <a:lvl8pPr marL="3200400" indent="0">
+              <a:buNone/>
+              <a:defRPr sz="1400">
+                <a:solidFill>
+                  <a:schemeClr val="tx1">
+                    <a:tint val="75000"/>
+                  </a:schemeClr>
+                </a:solidFill>
+              </a:defRPr>
+            </a:lvl8pPr>
+            <a:lvl9pPr marL="3657600" indent="0">
+              <a:buNone/>
+              <a:defRPr sz="1400">
+                <a:solidFill>
+                  <a:schemeClr val="tx1">
+                    <a:tint val="75000"/>
+                  </a:schemeClr>
+                </a:solidFill>
+              </a:defRPr>
+            </a:lvl9pPr>
+          </a:lstStyle>
+          <a:p>
+            <a:pPr lvl="0"/>
+            <a:r>
+              <a:rPr lang="ru-RU" smtClean="0"/>
+              <a:t>Образец текста</a:t>
+            </a:r>
+          </a:p>
+        </p:txBody>
+      </p:sp>
+      <p:sp>
+        <p:nvSpPr>
+          <p:cNvPr id="4" name="Date Placeholder 3"/>
+          <p:cNvSpPr>
+            <a:spLocks noGrp="1"/>
+          </p:cNvSpPr>
+          <p:nvPr>
+            <p:ph type="dt" sz="half" idx="10"/>
+          </p:nvPr>
+        </p:nvSpPr>
+        <p:spPr/>
+        <p:txBody>
+          <a:bodyPr/>
+          <a:lstStyle/>
+          <a:p>
+            <a:fld id="{B61BEF0D-F0BB-DE4B-95CE-6DB70DBA9567}" type="datetimeFigureOut">
+              <a:rPr lang="en-US" smtClean="0"/>
+              <a:pPr/>
+              <a:t>1/24/2019</a:t>
+            </a:fld>
+            <a:endParaRPr lang="en-US" dirty="0"/>
+          </a:p>
+        </p:txBody>
+      </p:sp>
+      <p:sp>
+        <p:nvSpPr>
+          <p:cNvPr id="5" name="Footer Placeholder 4"/>
+          <p:cNvSpPr>
+            <a:spLocks noGrp="1"/>
+          </p:cNvSpPr>
+          <p:nvPr>
+            <p:ph type="ftr" sz="quarter" idx="11"/>
+          </p:nvPr>
+        </p:nvSpPr>
+        <p:spPr/>
+        <p:txBody>
+          <a:bodyPr/>
+          <a:lstStyle/>
+          <a:p>
+            <a:endParaRPr lang="en-US" dirty="0"/>
+          </a:p>
+        </p:txBody>
+      </p:sp>
+      <p:sp>
+        <p:nvSpPr>
+          <p:cNvPr id="6" name="Slide Number Placeholder 5"/>
+          <p:cNvSpPr>
+            <a:spLocks noGrp="1"/>
+          </p:cNvSpPr>
+          <p:nvPr>
+            <p:ph type="sldNum" sz="quarter" idx="12"/>
+          </p:nvPr>
+        </p:nvSpPr>
+        <p:spPr/>
+        <p:txBody>
+          <a:bodyPr/>
+          <a:lstStyle/>
+          <a:p>
+            <a:fld id="{D57F1E4F-1CFF-5643-939E-217C01CDF565}" type="slidenum">
+              <a:rPr lang="en-US" smtClean="0"/>
+              <a:pPr/>
+              <a:t>‹#›</a:t>
+            </a:fld>
+            <a:endParaRPr lang="en-US" dirty="0"/>
+          </a:p>
+        </p:txBody>
+      </p:sp>
+    </p:spTree>
+    <p:extLst>
+      <p:ext uri="{BB962C8B-B14F-4D97-AF65-F5344CB8AC3E}">
+        <p14:creationId xmlns:p14="http://schemas.microsoft.com/office/powerpoint/2010/main" val="3491361480"/>
+      </p:ext>
+    </p:extLst>
+  </p:cSld>
+  <p:clrMapOvr>
+    <a:masterClrMapping/>
+  </p:clrMapOvr>
+</p:sldLayout>
+</file>
+
+<file path=ppt/slideLayouts/slideLayout29.xml><?xml version="1.0" encoding="utf-8"?>
+<p:sldLayout xmlns:a="http://schemas.openxmlformats.org/drawingml/2006/main" xmlns:r="http://schemas.openxmlformats.org/officeDocument/2006/relationships" xmlns:p="http://schemas.openxmlformats.org/presentationml/2006/main" preserve="1">
+  <p:cSld name="Цитата карточки имени">
+    <p:spTree>
+      <p:nvGrpSpPr>
+        <p:cNvPr id="1" name=""/>
+        <p:cNvGrpSpPr/>
+        <p:nvPr/>
+      </p:nvGrpSpPr>
+      <p:grpSpPr>
+        <a:xfrm>
+          <a:off x="0" y="0"/>
+          <a:ext cx="0" cy="0"/>
+          <a:chOff x="0" y="0"/>
+          <a:chExt cx="0" cy="0"/>
+        </a:xfrm>
+      </p:grpSpPr>
+      <p:sp>
+        <p:nvSpPr>
+          <p:cNvPr id="2" name="Title 1"/>
+          <p:cNvSpPr>
+            <a:spLocks noGrp="1"/>
+          </p:cNvSpPr>
+          <p:nvPr>
+            <p:ph type="title"/>
+          </p:nvPr>
+        </p:nvSpPr>
+        <p:spPr>
+          <a:xfrm>
+            <a:off x="931334" y="609600"/>
+            <a:ext cx="8094134" cy="3022600"/>
+          </a:xfrm>
+        </p:spPr>
+        <p:txBody>
+          <a:bodyPr anchor="ctr">
+            <a:normAutofit/>
+          </a:bodyPr>
+          <a:lstStyle>
+            <a:lvl1pPr algn="l">
+              <a:defRPr sz="4400" b="0" cap="none"/>
+            </a:lvl1pPr>
+          </a:lstStyle>
+          <a:p>
+            <a:r>
+              <a:rPr lang="ru-RU" smtClean="0"/>
+              <a:t>Образец заголовка</a:t>
+            </a:r>
+            <a:endParaRPr lang="en-US" dirty="0"/>
+          </a:p>
+        </p:txBody>
+      </p:sp>
+      <p:sp>
+        <p:nvSpPr>
+          <p:cNvPr id="23" name="Text Placeholder 9"/>
+          <p:cNvSpPr>
+            <a:spLocks noGrp="1"/>
+          </p:cNvSpPr>
+          <p:nvPr>
+            <p:ph type="body" sz="quarter" idx="13"/>
+          </p:nvPr>
+        </p:nvSpPr>
+        <p:spPr>
+          <a:xfrm>
+            <a:off x="677332" y="4013200"/>
+            <a:ext cx="8596669" cy="514248"/>
+          </a:xfrm>
+        </p:spPr>
+        <p:txBody>
+          <a:bodyPr anchor="b">
+            <a:noAutofit/>
+          </a:bodyPr>
+          <a:lstStyle>
+            <a:lvl1pPr marL="0" indent="0">
+              <a:buFontTx/>
+              <a:buNone/>
+              <a:defRPr sz="2400">
+                <a:solidFill>
+                  <a:schemeClr val="tx1">
+                    <a:lumMod val="75000"/>
+                    <a:lumOff val="25000"/>
+                  </a:schemeClr>
+                </a:solidFill>
+              </a:defRPr>
+            </a:lvl1pPr>
+            <a:lvl2pPr marL="457200" indent="0">
+              <a:buFontTx/>
+              <a:buNone/>
+              <a:defRPr/>
+            </a:lvl2pPr>
+            <a:lvl3pPr marL="914400" indent="0">
+              <a:buFontTx/>
+              <a:buNone/>
+              <a:defRPr/>
+            </a:lvl3pPr>
+            <a:lvl4pPr marL="1371600" indent="0">
+              <a:buFontTx/>
+              <a:buNone/>
+              <a:defRPr/>
+            </a:lvl4pPr>
+            <a:lvl5pPr marL="1828800" indent="0">
+              <a:buFontTx/>
+              <a:buNone/>
+              <a:defRPr/>
+            </a:lvl5pPr>
+          </a:lstStyle>
+          <a:p>
+            <a:pPr lvl="0"/>
+            <a:r>
+              <a:rPr lang="ru-RU" smtClean="0"/>
+              <a:t>Образец текста</a:t>
+            </a:r>
+          </a:p>
+        </p:txBody>
+      </p:sp>
+      <p:sp>
+        <p:nvSpPr>
+          <p:cNvPr id="3" name="Text Placeholder 2"/>
+          <p:cNvSpPr>
+            <a:spLocks noGrp="1"/>
+          </p:cNvSpPr>
+          <p:nvPr>
+            <p:ph type="body" idx="1"/>
+          </p:nvPr>
+        </p:nvSpPr>
+        <p:spPr>
+          <a:xfrm>
+            <a:off x="677335" y="4527448"/>
+            <a:ext cx="8596668" cy="1513914"/>
+          </a:xfrm>
+        </p:spPr>
+        <p:txBody>
+          <a:bodyPr anchor="t">
+            <a:normAutofit/>
+          </a:bodyPr>
+          <a:lstStyle>
+            <a:lvl1pPr marL="0" indent="0" algn="l">
+              <a:buNone/>
+              <a:defRPr sz="1800">
+                <a:solidFill>
+                  <a:schemeClr val="tx1">
+                    <a:lumMod val="50000"/>
+                    <a:lumOff val="50000"/>
+                  </a:schemeClr>
+                </a:solidFill>
+              </a:defRPr>
+            </a:lvl1pPr>
+            <a:lvl2pPr marL="457200" indent="0">
+              <a:buNone/>
+              <a:defRPr sz="1800">
+                <a:solidFill>
+                  <a:schemeClr val="tx1">
+                    <a:tint val="75000"/>
+                  </a:schemeClr>
+                </a:solidFill>
+              </a:defRPr>
+            </a:lvl2pPr>
+            <a:lvl3pPr marL="914400" indent="0">
+              <a:buNone/>
+              <a:defRPr sz="1600">
+                <a:solidFill>
+                  <a:schemeClr val="tx1">
+                    <a:tint val="75000"/>
+                  </a:schemeClr>
+                </a:solidFill>
+              </a:defRPr>
+            </a:lvl3pPr>
+            <a:lvl4pPr marL="1371600" indent="0">
+              <a:buNone/>
+              <a:defRPr sz="1400">
+                <a:solidFill>
+                  <a:schemeClr val="tx1">
+                    <a:tint val="75000"/>
+                  </a:schemeClr>
+                </a:solidFill>
+              </a:defRPr>
+            </a:lvl4pPr>
+            <a:lvl5pPr marL="1828800" indent="0">
+              <a:buNone/>
+              <a:defRPr sz="1400">
+                <a:solidFill>
+                  <a:schemeClr val="tx1">
+                    <a:tint val="75000"/>
+                  </a:schemeClr>
+                </a:solidFill>
+              </a:defRPr>
+            </a:lvl5pPr>
+            <a:lvl6pPr marL="2286000" indent="0">
+              <a:buNone/>
+              <a:defRPr sz="1400">
+                <a:solidFill>
+                  <a:schemeClr val="tx1">
+                    <a:tint val="75000"/>
+                  </a:schemeClr>
+                </a:solidFill>
+              </a:defRPr>
+            </a:lvl6pPr>
+            <a:lvl7pPr marL="2743200" indent="0">
+              <a:buNone/>
+              <a:defRPr sz="1400">
+                <a:solidFill>
+                  <a:schemeClr val="tx1">
+                    <a:tint val="75000"/>
+                  </a:schemeClr>
+                </a:solidFill>
+              </a:defRPr>
+            </a:lvl7pPr>
+            <a:lvl8pPr marL="3200400" indent="0">
+              <a:buNone/>
+              <a:defRPr sz="1400">
+                <a:solidFill>
+                  <a:schemeClr val="tx1">
+                    <a:tint val="75000"/>
+                  </a:schemeClr>
+                </a:solidFill>
+              </a:defRPr>
+            </a:lvl8pPr>
+            <a:lvl9pPr marL="3657600" indent="0">
+              <a:buNone/>
+              <a:defRPr sz="1400">
+                <a:solidFill>
+                  <a:schemeClr val="tx1">
+                    <a:tint val="75000"/>
+                  </a:schemeClr>
+                </a:solidFill>
+              </a:defRPr>
+            </a:lvl9pPr>
+          </a:lstStyle>
+          <a:p>
+            <a:pPr lvl="0"/>
+            <a:r>
+              <a:rPr lang="ru-RU" smtClean="0"/>
+              <a:t>Образец текста</a:t>
+            </a:r>
+          </a:p>
+        </p:txBody>
+      </p:sp>
+      <p:sp>
+        <p:nvSpPr>
+          <p:cNvPr id="4" name="Date Placeholder 3"/>
+          <p:cNvSpPr>
+            <a:spLocks noGrp="1"/>
+          </p:cNvSpPr>
+          <p:nvPr>
+            <p:ph type="dt" sz="half" idx="10"/>
+          </p:nvPr>
+        </p:nvSpPr>
+        <p:spPr/>
+        <p:txBody>
+          <a:bodyPr/>
+          <a:lstStyle/>
+          <a:p>
+            <a:fld id="{B61BEF0D-F0BB-DE4B-95CE-6DB70DBA9567}" type="datetimeFigureOut">
+              <a:rPr lang="en-US" smtClean="0"/>
+              <a:pPr/>
+              <a:t>1/24/2019</a:t>
+            </a:fld>
+            <a:endParaRPr lang="en-US" dirty="0"/>
+          </a:p>
+        </p:txBody>
+      </p:sp>
+      <p:sp>
+        <p:nvSpPr>
+          <p:cNvPr id="5" name="Footer Placeholder 4"/>
+          <p:cNvSpPr>
+            <a:spLocks noGrp="1"/>
+          </p:cNvSpPr>
+          <p:nvPr>
+            <p:ph type="ftr" sz="quarter" idx="11"/>
+          </p:nvPr>
+        </p:nvSpPr>
+        <p:spPr/>
+        <p:txBody>
+          <a:bodyPr/>
+          <a:lstStyle/>
+          <a:p>
+            <a:endParaRPr lang="en-US" dirty="0"/>
+          </a:p>
+        </p:txBody>
+      </p:sp>
+      <p:sp>
+        <p:nvSpPr>
+          <p:cNvPr id="6" name="Slide Number Placeholder 5"/>
+          <p:cNvSpPr>
+            <a:spLocks noGrp="1"/>
+          </p:cNvSpPr>
+          <p:nvPr>
+            <p:ph type="sldNum" sz="quarter" idx="12"/>
+          </p:nvPr>
+        </p:nvSpPr>
+        <p:spPr/>
+        <p:txBody>
+          <a:bodyPr/>
+          <a:lstStyle/>
+          <a:p>
+            <a:fld id="{D57F1E4F-1CFF-5643-939E-217C01CDF565}" type="slidenum">
+              <a:rPr lang="en-US" smtClean="0"/>
+              <a:pPr/>
+              <a:t>‹#›</a:t>
+            </a:fld>
+            <a:endParaRPr lang="en-US" dirty="0"/>
+          </a:p>
+        </p:txBody>
+      </p:sp>
+      <p:sp>
+        <p:nvSpPr>
+          <p:cNvPr id="24" name="TextBox 23"/>
+          <p:cNvSpPr txBox="1"/>
+          <p:nvPr/>
+        </p:nvSpPr>
+        <p:spPr>
+          <a:xfrm>
+            <a:off x="541870" y="790378"/>
+            <a:ext cx="609600" cy="584776"/>
+          </a:xfrm>
+          <a:prstGeom prst="rect">
+            <a:avLst/>
+          </a:prstGeom>
+        </p:spPr>
+        <p:txBody>
+          <a:bodyPr vert="horz" lIns="91440" tIns="45720" rIns="91440" bIns="45720" rtlCol="0" anchor="ctr">
+            <a:noAutofit/>
+          </a:bodyPr>
+          <a:lstStyle/>
+          <a:p>
+            <a:pPr lvl="0"/>
+            <a:r>
+              <a:rPr lang="en-US" sz="8000" baseline="0" dirty="0">
+                <a:ln w="3175" cmpd="sng">
+                  <a:noFill/>
+                </a:ln>
+                <a:solidFill>
+                  <a:schemeClr val="accent1"/>
+                </a:solidFill>
+                <a:effectLst/>
+                <a:latin typeface="Arial"/>
+              </a:rPr>
+              <a:t>“</a:t>
+            </a:r>
+          </a:p>
+        </p:txBody>
+      </p:sp>
+      <p:sp>
+        <p:nvSpPr>
+          <p:cNvPr id="25" name="TextBox 24"/>
+          <p:cNvSpPr txBox="1"/>
+          <p:nvPr/>
+        </p:nvSpPr>
+        <p:spPr>
+          <a:xfrm>
+            <a:off x="8893011" y="2886556"/>
+            <a:ext cx="609600" cy="584776"/>
+          </a:xfrm>
+          <a:prstGeom prst="rect">
+            <a:avLst/>
+          </a:prstGeom>
+        </p:spPr>
+        <p:txBody>
+          <a:bodyPr vert="horz" lIns="91440" tIns="45720" rIns="91440" bIns="45720" rtlCol="0" anchor="ctr">
+            <a:noAutofit/>
+          </a:bodyPr>
+          <a:lstStyle/>
+          <a:p>
+            <a:pPr lvl="0"/>
+            <a:r>
+              <a:rPr lang="en-US" sz="8000" baseline="0" dirty="0">
+                <a:ln w="3175" cmpd="sng">
+                  <a:noFill/>
+                </a:ln>
+                <a:solidFill>
+                  <a:schemeClr val="accent1"/>
+                </a:solidFill>
+                <a:effectLst/>
+                <a:latin typeface="Arial"/>
+              </a:rPr>
+              <a:t>”</a:t>
+            </a:r>
+          </a:p>
+        </p:txBody>
+      </p:sp>
+    </p:spTree>
+    <p:extLst>
+      <p:ext uri="{BB962C8B-B14F-4D97-AF65-F5344CB8AC3E}">
+        <p14:creationId xmlns:p14="http://schemas.microsoft.com/office/powerpoint/2010/main" val="2253386234"/>
       </p:ext>
     </p:extLst>
   </p:cSld>
@@ -6195,6 +10046,671 @@
     <p:extLst>
       <p:ext uri="{BB962C8B-B14F-4D97-AF65-F5344CB8AC3E}">
         <p14:creationId xmlns:p14="http://schemas.microsoft.com/office/powerpoint/2010/main" val="1086031362"/>
+      </p:ext>
+    </p:extLst>
+  </p:cSld>
+  <p:clrMapOvr>
+    <a:masterClrMapping/>
+  </p:clrMapOvr>
+</p:sldLayout>
+</file>
+
+<file path=ppt/slideLayouts/slideLayout30.xml><?xml version="1.0" encoding="utf-8"?>
+<p:sldLayout xmlns:a="http://schemas.openxmlformats.org/drawingml/2006/main" xmlns:r="http://schemas.openxmlformats.org/officeDocument/2006/relationships" xmlns:p="http://schemas.openxmlformats.org/presentationml/2006/main" preserve="1">
+  <p:cSld name="Истина или ложь">
+    <p:spTree>
+      <p:nvGrpSpPr>
+        <p:cNvPr id="1" name=""/>
+        <p:cNvGrpSpPr/>
+        <p:nvPr/>
+      </p:nvGrpSpPr>
+      <p:grpSpPr>
+        <a:xfrm>
+          <a:off x="0" y="0"/>
+          <a:ext cx="0" cy="0"/>
+          <a:chOff x="0" y="0"/>
+          <a:chExt cx="0" cy="0"/>
+        </a:xfrm>
+      </p:grpSpPr>
+      <p:sp>
+        <p:nvSpPr>
+          <p:cNvPr id="2" name="Title 1"/>
+          <p:cNvSpPr>
+            <a:spLocks noGrp="1"/>
+          </p:cNvSpPr>
+          <p:nvPr>
+            <p:ph type="title"/>
+          </p:nvPr>
+        </p:nvSpPr>
+        <p:spPr>
+          <a:xfrm>
+            <a:off x="685799" y="609600"/>
+            <a:ext cx="8588203" cy="3022600"/>
+          </a:xfrm>
+        </p:spPr>
+        <p:txBody>
+          <a:bodyPr anchor="ctr">
+            <a:normAutofit/>
+          </a:bodyPr>
+          <a:lstStyle>
+            <a:lvl1pPr algn="l">
+              <a:defRPr sz="4400" b="0" cap="none"/>
+            </a:lvl1pPr>
+          </a:lstStyle>
+          <a:p>
+            <a:r>
+              <a:rPr lang="ru-RU" smtClean="0"/>
+              <a:t>Образец заголовка</a:t>
+            </a:r>
+            <a:endParaRPr lang="en-US" dirty="0"/>
+          </a:p>
+        </p:txBody>
+      </p:sp>
+      <p:sp>
+        <p:nvSpPr>
+          <p:cNvPr id="23" name="Text Placeholder 9"/>
+          <p:cNvSpPr>
+            <a:spLocks noGrp="1"/>
+          </p:cNvSpPr>
+          <p:nvPr>
+            <p:ph type="body" sz="quarter" idx="13"/>
+          </p:nvPr>
+        </p:nvSpPr>
+        <p:spPr>
+          <a:xfrm>
+            <a:off x="677332" y="4013200"/>
+            <a:ext cx="8596669" cy="514248"/>
+          </a:xfrm>
+        </p:spPr>
+        <p:txBody>
+          <a:bodyPr anchor="b">
+            <a:noAutofit/>
+          </a:bodyPr>
+          <a:lstStyle>
+            <a:lvl1pPr marL="0" indent="0">
+              <a:buFontTx/>
+              <a:buNone/>
+              <a:defRPr sz="2400">
+                <a:solidFill>
+                  <a:schemeClr val="accent1"/>
+                </a:solidFill>
+              </a:defRPr>
+            </a:lvl1pPr>
+            <a:lvl2pPr marL="457200" indent="0">
+              <a:buFontTx/>
+              <a:buNone/>
+              <a:defRPr/>
+            </a:lvl2pPr>
+            <a:lvl3pPr marL="914400" indent="0">
+              <a:buFontTx/>
+              <a:buNone/>
+              <a:defRPr/>
+            </a:lvl3pPr>
+            <a:lvl4pPr marL="1371600" indent="0">
+              <a:buFontTx/>
+              <a:buNone/>
+              <a:defRPr/>
+            </a:lvl4pPr>
+            <a:lvl5pPr marL="1828800" indent="0">
+              <a:buFontTx/>
+              <a:buNone/>
+              <a:defRPr/>
+            </a:lvl5pPr>
+          </a:lstStyle>
+          <a:p>
+            <a:pPr lvl="0"/>
+            <a:r>
+              <a:rPr lang="ru-RU" smtClean="0"/>
+              <a:t>Образец текста</a:t>
+            </a:r>
+          </a:p>
+        </p:txBody>
+      </p:sp>
+      <p:sp>
+        <p:nvSpPr>
+          <p:cNvPr id="3" name="Text Placeholder 2"/>
+          <p:cNvSpPr>
+            <a:spLocks noGrp="1"/>
+          </p:cNvSpPr>
+          <p:nvPr>
+            <p:ph type="body" idx="1"/>
+          </p:nvPr>
+        </p:nvSpPr>
+        <p:spPr>
+          <a:xfrm>
+            <a:off x="677335" y="4527448"/>
+            <a:ext cx="8596668" cy="1513914"/>
+          </a:xfrm>
+        </p:spPr>
+        <p:txBody>
+          <a:bodyPr anchor="t">
+            <a:normAutofit/>
+          </a:bodyPr>
+          <a:lstStyle>
+            <a:lvl1pPr marL="0" indent="0" algn="l">
+              <a:buNone/>
+              <a:defRPr sz="1800">
+                <a:solidFill>
+                  <a:schemeClr val="tx1">
+                    <a:lumMod val="50000"/>
+                    <a:lumOff val="50000"/>
+                  </a:schemeClr>
+                </a:solidFill>
+              </a:defRPr>
+            </a:lvl1pPr>
+            <a:lvl2pPr marL="457200" indent="0">
+              <a:buNone/>
+              <a:defRPr sz="1800">
+                <a:solidFill>
+                  <a:schemeClr val="tx1">
+                    <a:tint val="75000"/>
+                  </a:schemeClr>
+                </a:solidFill>
+              </a:defRPr>
+            </a:lvl2pPr>
+            <a:lvl3pPr marL="914400" indent="0">
+              <a:buNone/>
+              <a:defRPr sz="1600">
+                <a:solidFill>
+                  <a:schemeClr val="tx1">
+                    <a:tint val="75000"/>
+                  </a:schemeClr>
+                </a:solidFill>
+              </a:defRPr>
+            </a:lvl3pPr>
+            <a:lvl4pPr marL="1371600" indent="0">
+              <a:buNone/>
+              <a:defRPr sz="1400">
+                <a:solidFill>
+                  <a:schemeClr val="tx1">
+                    <a:tint val="75000"/>
+                  </a:schemeClr>
+                </a:solidFill>
+              </a:defRPr>
+            </a:lvl4pPr>
+            <a:lvl5pPr marL="1828800" indent="0">
+              <a:buNone/>
+              <a:defRPr sz="1400">
+                <a:solidFill>
+                  <a:schemeClr val="tx1">
+                    <a:tint val="75000"/>
+                  </a:schemeClr>
+                </a:solidFill>
+              </a:defRPr>
+            </a:lvl5pPr>
+            <a:lvl6pPr marL="2286000" indent="0">
+              <a:buNone/>
+              <a:defRPr sz="1400">
+                <a:solidFill>
+                  <a:schemeClr val="tx1">
+                    <a:tint val="75000"/>
+                  </a:schemeClr>
+                </a:solidFill>
+              </a:defRPr>
+            </a:lvl6pPr>
+            <a:lvl7pPr marL="2743200" indent="0">
+              <a:buNone/>
+              <a:defRPr sz="1400">
+                <a:solidFill>
+                  <a:schemeClr val="tx1">
+                    <a:tint val="75000"/>
+                  </a:schemeClr>
+                </a:solidFill>
+              </a:defRPr>
+            </a:lvl7pPr>
+            <a:lvl8pPr marL="3200400" indent="0">
+              <a:buNone/>
+              <a:defRPr sz="1400">
+                <a:solidFill>
+                  <a:schemeClr val="tx1">
+                    <a:tint val="75000"/>
+                  </a:schemeClr>
+                </a:solidFill>
+              </a:defRPr>
+            </a:lvl8pPr>
+            <a:lvl9pPr marL="3657600" indent="0">
+              <a:buNone/>
+              <a:defRPr sz="1400">
+                <a:solidFill>
+                  <a:schemeClr val="tx1">
+                    <a:tint val="75000"/>
+                  </a:schemeClr>
+                </a:solidFill>
+              </a:defRPr>
+            </a:lvl9pPr>
+          </a:lstStyle>
+          <a:p>
+            <a:pPr lvl="0"/>
+            <a:r>
+              <a:rPr lang="ru-RU" smtClean="0"/>
+              <a:t>Образец текста</a:t>
+            </a:r>
+          </a:p>
+        </p:txBody>
+      </p:sp>
+      <p:sp>
+        <p:nvSpPr>
+          <p:cNvPr id="4" name="Date Placeholder 3"/>
+          <p:cNvSpPr>
+            <a:spLocks noGrp="1"/>
+          </p:cNvSpPr>
+          <p:nvPr>
+            <p:ph type="dt" sz="half" idx="10"/>
+          </p:nvPr>
+        </p:nvSpPr>
+        <p:spPr/>
+        <p:txBody>
+          <a:bodyPr/>
+          <a:lstStyle/>
+          <a:p>
+            <a:fld id="{B61BEF0D-F0BB-DE4B-95CE-6DB70DBA9567}" type="datetimeFigureOut">
+              <a:rPr lang="en-US" smtClean="0"/>
+              <a:pPr/>
+              <a:t>1/24/2019</a:t>
+            </a:fld>
+            <a:endParaRPr lang="en-US" dirty="0"/>
+          </a:p>
+        </p:txBody>
+      </p:sp>
+      <p:sp>
+        <p:nvSpPr>
+          <p:cNvPr id="5" name="Footer Placeholder 4"/>
+          <p:cNvSpPr>
+            <a:spLocks noGrp="1"/>
+          </p:cNvSpPr>
+          <p:nvPr>
+            <p:ph type="ftr" sz="quarter" idx="11"/>
+          </p:nvPr>
+        </p:nvSpPr>
+        <p:spPr/>
+        <p:txBody>
+          <a:bodyPr/>
+          <a:lstStyle/>
+          <a:p>
+            <a:endParaRPr lang="en-US" dirty="0"/>
+          </a:p>
+        </p:txBody>
+      </p:sp>
+      <p:sp>
+        <p:nvSpPr>
+          <p:cNvPr id="6" name="Slide Number Placeholder 5"/>
+          <p:cNvSpPr>
+            <a:spLocks noGrp="1"/>
+          </p:cNvSpPr>
+          <p:nvPr>
+            <p:ph type="sldNum" sz="quarter" idx="12"/>
+          </p:nvPr>
+        </p:nvSpPr>
+        <p:spPr/>
+        <p:txBody>
+          <a:bodyPr/>
+          <a:lstStyle/>
+          <a:p>
+            <a:fld id="{D57F1E4F-1CFF-5643-939E-217C01CDF565}" type="slidenum">
+              <a:rPr lang="en-US" smtClean="0"/>
+              <a:pPr/>
+              <a:t>‹#›</a:t>
+            </a:fld>
+            <a:endParaRPr lang="en-US" dirty="0"/>
+          </a:p>
+        </p:txBody>
+      </p:sp>
+    </p:spTree>
+    <p:extLst>
+      <p:ext uri="{BB962C8B-B14F-4D97-AF65-F5344CB8AC3E}">
+        <p14:creationId xmlns:p14="http://schemas.microsoft.com/office/powerpoint/2010/main" val="2843492278"/>
+      </p:ext>
+    </p:extLst>
+  </p:cSld>
+  <p:clrMapOvr>
+    <a:masterClrMapping/>
+  </p:clrMapOvr>
+</p:sldLayout>
+</file>
+
+<file path=ppt/slideLayouts/slideLayout31.xml><?xml version="1.0" encoding="utf-8"?>
+<p:sldLayout xmlns:a="http://schemas.openxmlformats.org/drawingml/2006/main" xmlns:r="http://schemas.openxmlformats.org/officeDocument/2006/relationships" xmlns:p="http://schemas.openxmlformats.org/presentationml/2006/main" type="vertTx" preserve="1">
+  <p:cSld name="Заголовок и вертикальный текст">
+    <p:spTree>
+      <p:nvGrpSpPr>
+        <p:cNvPr id="1" name=""/>
+        <p:cNvGrpSpPr/>
+        <p:nvPr/>
+      </p:nvGrpSpPr>
+      <p:grpSpPr>
+        <a:xfrm>
+          <a:off x="0" y="0"/>
+          <a:ext cx="0" cy="0"/>
+          <a:chOff x="0" y="0"/>
+          <a:chExt cx="0" cy="0"/>
+        </a:xfrm>
+      </p:grpSpPr>
+      <p:sp>
+        <p:nvSpPr>
+          <p:cNvPr id="2" name="Title 1"/>
+          <p:cNvSpPr>
+            <a:spLocks noGrp="1"/>
+          </p:cNvSpPr>
+          <p:nvPr>
+            <p:ph type="title"/>
+          </p:nvPr>
+        </p:nvSpPr>
+        <p:spPr/>
+        <p:txBody>
+          <a:bodyPr/>
+          <a:lstStyle/>
+          <a:p>
+            <a:r>
+              <a:rPr lang="ru-RU" smtClean="0"/>
+              <a:t>Образец заголовка</a:t>
+            </a:r>
+            <a:endParaRPr lang="en-US" dirty="0"/>
+          </a:p>
+        </p:txBody>
+      </p:sp>
+      <p:sp>
+        <p:nvSpPr>
+          <p:cNvPr id="3" name="Vertical Text Placeholder 2"/>
+          <p:cNvSpPr>
+            <a:spLocks noGrp="1"/>
+          </p:cNvSpPr>
+          <p:nvPr>
+            <p:ph type="body" orient="vert" idx="1"/>
+          </p:nvPr>
+        </p:nvSpPr>
+        <p:spPr/>
+        <p:txBody>
+          <a:bodyPr vert="eaVert"/>
+          <a:lstStyle/>
+          <a:p>
+            <a:pPr lvl="0"/>
+            <a:r>
+              <a:rPr lang="ru-RU" smtClean="0"/>
+              <a:t>Образец текста</a:t>
+            </a:r>
+          </a:p>
+          <a:p>
+            <a:pPr lvl="1"/>
+            <a:r>
+              <a:rPr lang="ru-RU" smtClean="0"/>
+              <a:t>Второй уровень</a:t>
+            </a:r>
+          </a:p>
+          <a:p>
+            <a:pPr lvl="2"/>
+            <a:r>
+              <a:rPr lang="ru-RU" smtClean="0"/>
+              <a:t>Третий уровень</a:t>
+            </a:r>
+          </a:p>
+          <a:p>
+            <a:pPr lvl="3"/>
+            <a:r>
+              <a:rPr lang="ru-RU" smtClean="0"/>
+              <a:t>Четвертый уровень</a:t>
+            </a:r>
+          </a:p>
+          <a:p>
+            <a:pPr lvl="4"/>
+            <a:r>
+              <a:rPr lang="ru-RU" smtClean="0"/>
+              <a:t>Пятый уровень</a:t>
+            </a:r>
+            <a:endParaRPr lang="en-US" dirty="0"/>
+          </a:p>
+        </p:txBody>
+      </p:sp>
+      <p:sp>
+        <p:nvSpPr>
+          <p:cNvPr id="4" name="Date Placeholder 3"/>
+          <p:cNvSpPr>
+            <a:spLocks noGrp="1"/>
+          </p:cNvSpPr>
+          <p:nvPr>
+            <p:ph type="dt" sz="half" idx="10"/>
+          </p:nvPr>
+        </p:nvSpPr>
+        <p:spPr/>
+        <p:txBody>
+          <a:bodyPr/>
+          <a:lstStyle/>
+          <a:p>
+            <a:fld id="{55C6B4A9-1611-4792-9094-5F34BCA07E0B}" type="datetimeFigureOut">
+              <a:rPr lang="en-US" smtClean="0"/>
+              <a:t>1/24/2019</a:t>
+            </a:fld>
+            <a:endParaRPr lang="en-US" dirty="0"/>
+          </a:p>
+        </p:txBody>
+      </p:sp>
+      <p:sp>
+        <p:nvSpPr>
+          <p:cNvPr id="5" name="Footer Placeholder 4"/>
+          <p:cNvSpPr>
+            <a:spLocks noGrp="1"/>
+          </p:cNvSpPr>
+          <p:nvPr>
+            <p:ph type="ftr" sz="quarter" idx="11"/>
+          </p:nvPr>
+        </p:nvSpPr>
+        <p:spPr/>
+        <p:txBody>
+          <a:bodyPr/>
+          <a:lstStyle/>
+          <a:p>
+            <a:endParaRPr lang="en-US" dirty="0"/>
+          </a:p>
+        </p:txBody>
+      </p:sp>
+      <p:sp>
+        <p:nvSpPr>
+          <p:cNvPr id="6" name="Slide Number Placeholder 5"/>
+          <p:cNvSpPr>
+            <a:spLocks noGrp="1"/>
+          </p:cNvSpPr>
+          <p:nvPr>
+            <p:ph type="sldNum" sz="quarter" idx="12"/>
+          </p:nvPr>
+        </p:nvSpPr>
+        <p:spPr/>
+        <p:txBody>
+          <a:bodyPr/>
+          <a:lstStyle/>
+          <a:p>
+            <a:fld id="{89333C77-0158-454C-844F-B7AB9BD7DAD4}" type="slidenum">
+              <a:rPr lang="en-US" smtClean="0"/>
+              <a:t>‹#›</a:t>
+            </a:fld>
+            <a:endParaRPr lang="en-US" dirty="0"/>
+          </a:p>
+        </p:txBody>
+      </p:sp>
+    </p:spTree>
+    <p:extLst>
+      <p:ext uri="{BB962C8B-B14F-4D97-AF65-F5344CB8AC3E}">
+        <p14:creationId xmlns:p14="http://schemas.microsoft.com/office/powerpoint/2010/main" val="2776224187"/>
+      </p:ext>
+    </p:extLst>
+  </p:cSld>
+  <p:clrMapOvr>
+    <a:masterClrMapping/>
+  </p:clrMapOvr>
+</p:sldLayout>
+</file>
+
+<file path=ppt/slideLayouts/slideLayout32.xml><?xml version="1.0" encoding="utf-8"?>
+<p:sldLayout xmlns:a="http://schemas.openxmlformats.org/drawingml/2006/main" xmlns:r="http://schemas.openxmlformats.org/officeDocument/2006/relationships" xmlns:p="http://schemas.openxmlformats.org/presentationml/2006/main" type="vertTitleAndTx" preserve="1">
+  <p:cSld name="Вертикальный заголовок и текст">
+    <p:spTree>
+      <p:nvGrpSpPr>
+        <p:cNvPr id="1" name=""/>
+        <p:cNvGrpSpPr/>
+        <p:nvPr/>
+      </p:nvGrpSpPr>
+      <p:grpSpPr>
+        <a:xfrm>
+          <a:off x="0" y="0"/>
+          <a:ext cx="0" cy="0"/>
+          <a:chOff x="0" y="0"/>
+          <a:chExt cx="0" cy="0"/>
+        </a:xfrm>
+      </p:grpSpPr>
+      <p:sp>
+        <p:nvSpPr>
+          <p:cNvPr id="2" name="Vertical Title 1"/>
+          <p:cNvSpPr>
+            <a:spLocks noGrp="1"/>
+          </p:cNvSpPr>
+          <p:nvPr>
+            <p:ph type="title" orient="vert"/>
+          </p:nvPr>
+        </p:nvSpPr>
+        <p:spPr>
+          <a:xfrm>
+            <a:off x="7967673" y="609599"/>
+            <a:ext cx="1304743" cy="5251451"/>
+          </a:xfrm>
+        </p:spPr>
+        <p:txBody>
+          <a:bodyPr vert="eaVert" anchor="ctr"/>
+          <a:lstStyle/>
+          <a:p>
+            <a:r>
+              <a:rPr lang="ru-RU" smtClean="0"/>
+              <a:t>Образец заголовка</a:t>
+            </a:r>
+            <a:endParaRPr lang="en-US" dirty="0"/>
+          </a:p>
+        </p:txBody>
+      </p:sp>
+      <p:sp>
+        <p:nvSpPr>
+          <p:cNvPr id="3" name="Vertical Text Placeholder 2"/>
+          <p:cNvSpPr>
+            <a:spLocks noGrp="1"/>
+          </p:cNvSpPr>
+          <p:nvPr>
+            <p:ph type="body" orient="vert" idx="1"/>
+          </p:nvPr>
+        </p:nvSpPr>
+        <p:spPr>
+          <a:xfrm>
+            <a:off x="677335" y="609600"/>
+            <a:ext cx="7060150" cy="5251450"/>
+          </a:xfrm>
+        </p:spPr>
+        <p:txBody>
+          <a:bodyPr vert="eaVert"/>
+          <a:lstStyle/>
+          <a:p>
+            <a:pPr lvl="0"/>
+            <a:r>
+              <a:rPr lang="ru-RU" smtClean="0"/>
+              <a:t>Образец текста</a:t>
+            </a:r>
+          </a:p>
+          <a:p>
+            <a:pPr lvl="1"/>
+            <a:r>
+              <a:rPr lang="ru-RU" smtClean="0"/>
+              <a:t>Второй уровень</a:t>
+            </a:r>
+          </a:p>
+          <a:p>
+            <a:pPr lvl="2"/>
+            <a:r>
+              <a:rPr lang="ru-RU" smtClean="0"/>
+              <a:t>Третий уровень</a:t>
+            </a:r>
+          </a:p>
+          <a:p>
+            <a:pPr lvl="3"/>
+            <a:r>
+              <a:rPr lang="ru-RU" smtClean="0"/>
+              <a:t>Четвертый уровень</a:t>
+            </a:r>
+          </a:p>
+          <a:p>
+            <a:pPr lvl="4"/>
+            <a:r>
+              <a:rPr lang="ru-RU" smtClean="0"/>
+              <a:t>Пятый уровень</a:t>
+            </a:r>
+            <a:endParaRPr lang="en-US" dirty="0"/>
+          </a:p>
+        </p:txBody>
+      </p:sp>
+      <p:sp>
+        <p:nvSpPr>
+          <p:cNvPr id="4" name="Date Placeholder 3"/>
+          <p:cNvSpPr>
+            <a:spLocks noGrp="1"/>
+          </p:cNvSpPr>
+          <p:nvPr>
+            <p:ph type="dt" sz="half" idx="10"/>
+          </p:nvPr>
+        </p:nvSpPr>
+        <p:spPr/>
+        <p:txBody>
+          <a:bodyPr/>
+          <a:lstStyle/>
+          <a:p>
+            <a:fld id="{B61BEF0D-F0BB-DE4B-95CE-6DB70DBA9567}" type="datetimeFigureOut">
+              <a:rPr lang="en-US" smtClean="0"/>
+              <a:pPr/>
+              <a:t>1/24/2019</a:t>
+            </a:fld>
+            <a:endParaRPr lang="en-US" dirty="0"/>
+          </a:p>
+        </p:txBody>
+      </p:sp>
+      <p:sp>
+        <p:nvSpPr>
+          <p:cNvPr id="5" name="Footer Placeholder 4"/>
+          <p:cNvSpPr>
+            <a:spLocks noGrp="1"/>
+          </p:cNvSpPr>
+          <p:nvPr>
+            <p:ph type="ftr" sz="quarter" idx="11"/>
+          </p:nvPr>
+        </p:nvSpPr>
+        <p:spPr/>
+        <p:txBody>
+          <a:bodyPr/>
+          <a:lstStyle/>
+          <a:p>
+            <a:endParaRPr lang="en-US" dirty="0"/>
+          </a:p>
+        </p:txBody>
+      </p:sp>
+      <p:sp>
+        <p:nvSpPr>
+          <p:cNvPr id="6" name="Slide Number Placeholder 5"/>
+          <p:cNvSpPr>
+            <a:spLocks noGrp="1"/>
+          </p:cNvSpPr>
+          <p:nvPr>
+            <p:ph type="sldNum" sz="quarter" idx="12"/>
+          </p:nvPr>
+        </p:nvSpPr>
+        <p:spPr/>
+        <p:txBody>
+          <a:bodyPr/>
+          <a:lstStyle/>
+          <a:p>
+            <a:fld id="{D57F1E4F-1CFF-5643-939E-217C01CDF565}" type="slidenum">
+              <a:rPr lang="en-US" smtClean="0"/>
+              <a:pPr/>
+              <a:t>‹#›</a:t>
+            </a:fld>
+            <a:endParaRPr lang="en-US" dirty="0"/>
+          </a:p>
+        </p:txBody>
+      </p:sp>
+    </p:spTree>
+    <p:extLst>
+      <p:ext uri="{BB962C8B-B14F-4D97-AF65-F5344CB8AC3E}">
+        <p14:creationId xmlns:p14="http://schemas.microsoft.com/office/powerpoint/2010/main" val="3151709568"/>
       </p:ext>
     </p:extLst>
   </p:cSld>
@@ -8745,6 +13261,1221 @@
 </p:sldMaster>
 </file>
 
+<file path=ppt/slideMasters/slideMaster2.xml><?xml version="1.0" encoding="utf-8"?>
+<p:sldMaster xmlns:a="http://schemas.openxmlformats.org/drawingml/2006/main" xmlns:r="http://schemas.openxmlformats.org/officeDocument/2006/relationships" xmlns:p="http://schemas.openxmlformats.org/presentationml/2006/main">
+  <p:cSld>
+    <p:bg>
+      <p:bgRef idx="1001">
+        <a:schemeClr val="bg1"/>
+      </p:bgRef>
+    </p:bg>
+    <p:spTree>
+      <p:nvGrpSpPr>
+        <p:cNvPr id="1" name=""/>
+        <p:cNvGrpSpPr/>
+        <p:nvPr/>
+      </p:nvGrpSpPr>
+      <p:grpSpPr>
+        <a:xfrm>
+          <a:off x="0" y="0"/>
+          <a:ext cx="0" cy="0"/>
+          <a:chOff x="0" y="0"/>
+          <a:chExt cx="0" cy="0"/>
+        </a:xfrm>
+      </p:grpSpPr>
+      <p:grpSp>
+        <p:nvGrpSpPr>
+          <p:cNvPr id="29" name="Group 28"/>
+          <p:cNvGrpSpPr/>
+          <p:nvPr/>
+        </p:nvGrpSpPr>
+        <p:grpSpPr>
+          <a:xfrm>
+            <a:off x="0" y="-8467"/>
+            <a:ext cx="12192000" cy="6866467"/>
+            <a:chOff x="0" y="-8467"/>
+            <a:chExt cx="12192000" cy="6866467"/>
+          </a:xfrm>
+        </p:grpSpPr>
+        <p:cxnSp>
+          <p:nvCxnSpPr>
+            <p:cNvPr id="19" name="Straight Connector 18"/>
+            <p:cNvCxnSpPr/>
+            <p:nvPr/>
+          </p:nvCxnSpPr>
+          <p:spPr>
+            <a:xfrm>
+              <a:off x="9371012" y="0"/>
+              <a:ext cx="1219200" cy="6858000"/>
+            </a:xfrm>
+            <a:prstGeom prst="line">
+              <a:avLst/>
+            </a:prstGeom>
+            <a:ln w="9525">
+              <a:solidFill>
+                <a:schemeClr val="accent1">
+                  <a:alpha val="70000"/>
+                </a:schemeClr>
+              </a:solidFill>
+            </a:ln>
+          </p:spPr>
+          <p:style>
+            <a:lnRef idx="2">
+              <a:schemeClr val="accent1"/>
+            </a:lnRef>
+            <a:fillRef idx="0">
+              <a:schemeClr val="accent1"/>
+            </a:fillRef>
+            <a:effectRef idx="1">
+              <a:schemeClr val="accent1"/>
+            </a:effectRef>
+            <a:fontRef idx="minor">
+              <a:schemeClr val="tx1"/>
+            </a:fontRef>
+          </p:style>
+        </p:cxnSp>
+        <p:cxnSp>
+          <p:nvCxnSpPr>
+            <p:cNvPr id="20" name="Straight Connector 19"/>
+            <p:cNvCxnSpPr/>
+            <p:nvPr/>
+          </p:nvCxnSpPr>
+          <p:spPr>
+            <a:xfrm flipH="1">
+              <a:off x="7425267" y="3681413"/>
+              <a:ext cx="4763558" cy="3176587"/>
+            </a:xfrm>
+            <a:prstGeom prst="line">
+              <a:avLst/>
+            </a:prstGeom>
+            <a:ln w="9525">
+              <a:solidFill>
+                <a:schemeClr val="accent1">
+                  <a:alpha val="70000"/>
+                </a:schemeClr>
+              </a:solidFill>
+            </a:ln>
+          </p:spPr>
+          <p:style>
+            <a:lnRef idx="2">
+              <a:schemeClr val="accent1"/>
+            </a:lnRef>
+            <a:fillRef idx="0">
+              <a:schemeClr val="accent1"/>
+            </a:fillRef>
+            <a:effectRef idx="1">
+              <a:schemeClr val="accent1"/>
+            </a:effectRef>
+            <a:fontRef idx="minor">
+              <a:schemeClr val="tx1"/>
+            </a:fontRef>
+          </p:style>
+        </p:cxnSp>
+        <p:sp>
+          <p:nvSpPr>
+            <p:cNvPr id="21" name="Rectangle 23"/>
+            <p:cNvSpPr/>
+            <p:nvPr/>
+          </p:nvSpPr>
+          <p:spPr>
+            <a:xfrm>
+              <a:off x="9181476" y="-8467"/>
+              <a:ext cx="3007349" cy="6866467"/>
+            </a:xfrm>
+            <a:custGeom>
+              <a:avLst/>
+              <a:gdLst/>
+              <a:ahLst/>
+              <a:cxnLst/>
+              <a:rect l="l" t="t" r="r" b="b"/>
+              <a:pathLst>
+                <a:path w="3007349" h="6866467">
+                  <a:moveTo>
+                    <a:pt x="2045532" y="0"/>
+                  </a:moveTo>
+                  <a:lnTo>
+                    <a:pt x="3007349" y="0"/>
+                  </a:lnTo>
+                  <a:lnTo>
+                    <a:pt x="3007349" y="6866467"/>
+                  </a:lnTo>
+                  <a:lnTo>
+                    <a:pt x="0" y="6866467"/>
+                  </a:lnTo>
+                  <a:lnTo>
+                    <a:pt x="2045532" y="0"/>
+                  </a:lnTo>
+                  <a:close/>
+                </a:path>
+              </a:pathLst>
+            </a:custGeom>
+            <a:solidFill>
+              <a:schemeClr val="accent1">
+                <a:alpha val="36000"/>
+              </a:schemeClr>
+            </a:solidFill>
+            <a:ln>
+              <a:noFill/>
+            </a:ln>
+            <a:effectLst/>
+          </p:spPr>
+          <p:style>
+            <a:lnRef idx="1">
+              <a:schemeClr val="accent1"/>
+            </a:lnRef>
+            <a:fillRef idx="3">
+              <a:schemeClr val="accent1"/>
+            </a:fillRef>
+            <a:effectRef idx="2">
+              <a:schemeClr val="accent1"/>
+            </a:effectRef>
+            <a:fontRef idx="minor">
+              <a:schemeClr val="lt1"/>
+            </a:fontRef>
+          </p:style>
+        </p:sp>
+        <p:sp>
+          <p:nvSpPr>
+            <p:cNvPr id="22" name="Rectangle 25"/>
+            <p:cNvSpPr/>
+            <p:nvPr/>
+          </p:nvSpPr>
+          <p:spPr>
+            <a:xfrm>
+              <a:off x="9603442" y="-8467"/>
+              <a:ext cx="2588558" cy="6866467"/>
+            </a:xfrm>
+            <a:custGeom>
+              <a:avLst/>
+              <a:gdLst/>
+              <a:ahLst/>
+              <a:cxnLst/>
+              <a:rect l="l" t="t" r="r" b="b"/>
+              <a:pathLst>
+                <a:path w="2573311" h="6866467">
+                  <a:moveTo>
+                    <a:pt x="0" y="0"/>
+                  </a:moveTo>
+                  <a:lnTo>
+                    <a:pt x="2573311" y="0"/>
+                  </a:lnTo>
+                  <a:lnTo>
+                    <a:pt x="2573311" y="6866467"/>
+                  </a:lnTo>
+                  <a:lnTo>
+                    <a:pt x="1202336" y="6866467"/>
+                  </a:lnTo>
+                  <a:lnTo>
+                    <a:pt x="0" y="0"/>
+                  </a:lnTo>
+                  <a:close/>
+                </a:path>
+              </a:pathLst>
+            </a:custGeom>
+            <a:solidFill>
+              <a:schemeClr val="accent1">
+                <a:alpha val="20000"/>
+              </a:schemeClr>
+            </a:solidFill>
+            <a:ln>
+              <a:noFill/>
+            </a:ln>
+            <a:effectLst/>
+          </p:spPr>
+          <p:style>
+            <a:lnRef idx="1">
+              <a:schemeClr val="accent1"/>
+            </a:lnRef>
+            <a:fillRef idx="3">
+              <a:schemeClr val="accent1"/>
+            </a:fillRef>
+            <a:effectRef idx="2">
+              <a:schemeClr val="accent1"/>
+            </a:effectRef>
+            <a:fontRef idx="minor">
+              <a:schemeClr val="lt1"/>
+            </a:fontRef>
+          </p:style>
+        </p:sp>
+        <p:sp>
+          <p:nvSpPr>
+            <p:cNvPr id="23" name="Isosceles Triangle 22"/>
+            <p:cNvSpPr/>
+            <p:nvPr/>
+          </p:nvSpPr>
+          <p:spPr>
+            <a:xfrm>
+              <a:off x="8932333" y="3048000"/>
+              <a:ext cx="3259667" cy="3810000"/>
+            </a:xfrm>
+            <a:prstGeom prst="triangle">
+              <a:avLst>
+                <a:gd name="adj" fmla="val 100000"/>
+              </a:avLst>
+            </a:prstGeom>
+            <a:solidFill>
+              <a:schemeClr val="accent1">
+                <a:alpha val="72000"/>
+              </a:schemeClr>
+            </a:solidFill>
+            <a:ln>
+              <a:noFill/>
+            </a:ln>
+            <a:effectLst/>
+          </p:spPr>
+          <p:style>
+            <a:lnRef idx="1">
+              <a:schemeClr val="accent1"/>
+            </a:lnRef>
+            <a:fillRef idx="3">
+              <a:schemeClr val="accent1"/>
+            </a:fillRef>
+            <a:effectRef idx="2">
+              <a:schemeClr val="accent1"/>
+            </a:effectRef>
+            <a:fontRef idx="minor">
+              <a:schemeClr val="lt1"/>
+            </a:fontRef>
+          </p:style>
+        </p:sp>
+        <p:sp>
+          <p:nvSpPr>
+            <p:cNvPr id="24" name="Rectangle 27"/>
+            <p:cNvSpPr/>
+            <p:nvPr/>
+          </p:nvSpPr>
+          <p:spPr>
+            <a:xfrm>
+              <a:off x="9334500" y="-8467"/>
+              <a:ext cx="2854326" cy="6866467"/>
+            </a:xfrm>
+            <a:custGeom>
+              <a:avLst/>
+              <a:gdLst/>
+              <a:ahLst/>
+              <a:cxnLst/>
+              <a:rect l="l" t="t" r="r" b="b"/>
+              <a:pathLst>
+                <a:path w="2858013" h="6866467">
+                  <a:moveTo>
+                    <a:pt x="0" y="0"/>
+                  </a:moveTo>
+                  <a:lnTo>
+                    <a:pt x="2858013" y="0"/>
+                  </a:lnTo>
+                  <a:lnTo>
+                    <a:pt x="2858013" y="6866467"/>
+                  </a:lnTo>
+                  <a:lnTo>
+                    <a:pt x="2473942" y="6866467"/>
+                  </a:lnTo>
+                  <a:lnTo>
+                    <a:pt x="0" y="0"/>
+                  </a:lnTo>
+                  <a:close/>
+                </a:path>
+              </a:pathLst>
+            </a:custGeom>
+            <a:solidFill>
+              <a:schemeClr val="accent1">
+                <a:lumMod val="75000"/>
+                <a:alpha val="50000"/>
+              </a:schemeClr>
+            </a:solidFill>
+            <a:ln>
+              <a:noFill/>
+            </a:ln>
+            <a:effectLst/>
+          </p:spPr>
+          <p:style>
+            <a:lnRef idx="1">
+              <a:schemeClr val="accent1"/>
+            </a:lnRef>
+            <a:fillRef idx="3">
+              <a:schemeClr val="accent1"/>
+            </a:fillRef>
+            <a:effectRef idx="2">
+              <a:schemeClr val="accent1"/>
+            </a:effectRef>
+            <a:fontRef idx="minor">
+              <a:schemeClr val="lt1"/>
+            </a:fontRef>
+          </p:style>
+        </p:sp>
+        <p:sp>
+          <p:nvSpPr>
+            <p:cNvPr id="25" name="Rectangle 28"/>
+            <p:cNvSpPr/>
+            <p:nvPr/>
+          </p:nvSpPr>
+          <p:spPr>
+            <a:xfrm>
+              <a:off x="10898730" y="-8467"/>
+              <a:ext cx="1290094" cy="6866467"/>
+            </a:xfrm>
+            <a:custGeom>
+              <a:avLst/>
+              <a:gdLst/>
+              <a:ahLst/>
+              <a:cxnLst/>
+              <a:rect l="l" t="t" r="r" b="b"/>
+              <a:pathLst>
+                <a:path w="1290094" h="6858000">
+                  <a:moveTo>
+                    <a:pt x="1019735" y="0"/>
+                  </a:moveTo>
+                  <a:lnTo>
+                    <a:pt x="1290094" y="0"/>
+                  </a:lnTo>
+                  <a:lnTo>
+                    <a:pt x="1290094" y="6858000"/>
+                  </a:lnTo>
+                  <a:lnTo>
+                    <a:pt x="0" y="6858000"/>
+                  </a:lnTo>
+                  <a:lnTo>
+                    <a:pt x="1019735" y="0"/>
+                  </a:lnTo>
+                  <a:close/>
+                </a:path>
+              </a:pathLst>
+            </a:custGeom>
+            <a:solidFill>
+              <a:schemeClr val="accent1">
+                <a:lumMod val="75000"/>
+                <a:alpha val="70000"/>
+              </a:schemeClr>
+            </a:solidFill>
+            <a:ln>
+              <a:noFill/>
+            </a:ln>
+            <a:effectLst/>
+          </p:spPr>
+          <p:style>
+            <a:lnRef idx="1">
+              <a:schemeClr val="accent1"/>
+            </a:lnRef>
+            <a:fillRef idx="3">
+              <a:schemeClr val="accent1"/>
+            </a:fillRef>
+            <a:effectRef idx="2">
+              <a:schemeClr val="accent1"/>
+            </a:effectRef>
+            <a:fontRef idx="minor">
+              <a:schemeClr val="lt1"/>
+            </a:fontRef>
+          </p:style>
+        </p:sp>
+        <p:sp>
+          <p:nvSpPr>
+            <p:cNvPr id="26" name="Rectangle 29"/>
+            <p:cNvSpPr/>
+            <p:nvPr/>
+          </p:nvSpPr>
+          <p:spPr>
+            <a:xfrm>
+              <a:off x="10938999" y="-8467"/>
+              <a:ext cx="1249825" cy="6866467"/>
+            </a:xfrm>
+            <a:custGeom>
+              <a:avLst/>
+              <a:gdLst/>
+              <a:ahLst/>
+              <a:cxnLst/>
+              <a:rect l="l" t="t" r="r" b="b"/>
+              <a:pathLst>
+                <a:path w="1249825" h="6858000">
+                  <a:moveTo>
+                    <a:pt x="0" y="0"/>
+                  </a:moveTo>
+                  <a:lnTo>
+                    <a:pt x="1249825" y="0"/>
+                  </a:lnTo>
+                  <a:lnTo>
+                    <a:pt x="1249825" y="6858000"/>
+                  </a:lnTo>
+                  <a:lnTo>
+                    <a:pt x="1109382" y="6858000"/>
+                  </a:lnTo>
+                  <a:lnTo>
+                    <a:pt x="0" y="0"/>
+                  </a:lnTo>
+                  <a:close/>
+                </a:path>
+              </a:pathLst>
+            </a:custGeom>
+            <a:solidFill>
+              <a:schemeClr val="accent1">
+                <a:lumMod val="50000"/>
+                <a:alpha val="80000"/>
+              </a:schemeClr>
+            </a:solidFill>
+            <a:ln>
+              <a:noFill/>
+            </a:ln>
+            <a:effectLst/>
+          </p:spPr>
+          <p:style>
+            <a:lnRef idx="1">
+              <a:schemeClr val="accent1"/>
+            </a:lnRef>
+            <a:fillRef idx="3">
+              <a:schemeClr val="accent1"/>
+            </a:fillRef>
+            <a:effectRef idx="2">
+              <a:schemeClr val="accent1"/>
+            </a:effectRef>
+            <a:fontRef idx="minor">
+              <a:schemeClr val="lt1"/>
+            </a:fontRef>
+          </p:style>
+        </p:sp>
+        <p:sp>
+          <p:nvSpPr>
+            <p:cNvPr id="27" name="Isosceles Triangle 26"/>
+            <p:cNvSpPr/>
+            <p:nvPr/>
+          </p:nvSpPr>
+          <p:spPr>
+            <a:xfrm>
+              <a:off x="10371666" y="3589867"/>
+              <a:ext cx="1817159" cy="3268133"/>
+            </a:xfrm>
+            <a:prstGeom prst="triangle">
+              <a:avLst>
+                <a:gd name="adj" fmla="val 100000"/>
+              </a:avLst>
+            </a:prstGeom>
+            <a:solidFill>
+              <a:schemeClr val="accent1">
+                <a:lumMod val="50000"/>
+                <a:alpha val="66000"/>
+              </a:schemeClr>
+            </a:solidFill>
+            <a:ln>
+              <a:noFill/>
+            </a:ln>
+            <a:effectLst/>
+          </p:spPr>
+          <p:style>
+            <a:lnRef idx="1">
+              <a:schemeClr val="accent1"/>
+            </a:lnRef>
+            <a:fillRef idx="3">
+              <a:schemeClr val="accent1"/>
+            </a:fillRef>
+            <a:effectRef idx="2">
+              <a:schemeClr val="accent1"/>
+            </a:effectRef>
+            <a:fontRef idx="minor">
+              <a:schemeClr val="lt1"/>
+            </a:fontRef>
+          </p:style>
+        </p:sp>
+        <p:sp>
+          <p:nvSpPr>
+            <p:cNvPr id="28" name="Isosceles Triangle 27"/>
+            <p:cNvSpPr/>
+            <p:nvPr/>
+          </p:nvSpPr>
+          <p:spPr>
+            <a:xfrm>
+              <a:off x="0" y="4013200"/>
+              <a:ext cx="448733" cy="2844800"/>
+            </a:xfrm>
+            <a:prstGeom prst="triangle">
+              <a:avLst>
+                <a:gd name="adj" fmla="val 0"/>
+              </a:avLst>
+            </a:prstGeom>
+            <a:solidFill>
+              <a:schemeClr val="accent1">
+                <a:lumMod val="75000"/>
+                <a:alpha val="70000"/>
+              </a:schemeClr>
+            </a:solidFill>
+            <a:ln>
+              <a:noFill/>
+            </a:ln>
+            <a:effectLst/>
+          </p:spPr>
+          <p:style>
+            <a:lnRef idx="1">
+              <a:schemeClr val="accent1"/>
+            </a:lnRef>
+            <a:fillRef idx="3">
+              <a:schemeClr val="accent1"/>
+            </a:fillRef>
+            <a:effectRef idx="2">
+              <a:schemeClr val="accent1"/>
+            </a:effectRef>
+            <a:fontRef idx="minor">
+              <a:schemeClr val="lt1"/>
+            </a:fontRef>
+          </p:style>
+        </p:sp>
+      </p:grpSp>
+      <p:sp>
+        <p:nvSpPr>
+          <p:cNvPr id="2" name="Title Placeholder 1"/>
+          <p:cNvSpPr>
+            <a:spLocks noGrp="1"/>
+          </p:cNvSpPr>
+          <p:nvPr>
+            <p:ph type="title"/>
+          </p:nvPr>
+        </p:nvSpPr>
+        <p:spPr>
+          <a:xfrm>
+            <a:off x="677334" y="609600"/>
+            <a:ext cx="8596668" cy="1320800"/>
+          </a:xfrm>
+          <a:prstGeom prst="rect">
+            <a:avLst/>
+          </a:prstGeom>
+        </p:spPr>
+        <p:txBody>
+          <a:bodyPr vert="horz" lIns="91440" tIns="45720" rIns="91440" bIns="45720" rtlCol="0" anchor="t">
+            <a:normAutofit/>
+          </a:bodyPr>
+          <a:lstStyle/>
+          <a:p>
+            <a:r>
+              <a:rPr lang="ru-RU" smtClean="0"/>
+              <a:t>Образец заголовка</a:t>
+            </a:r>
+            <a:endParaRPr lang="en-US" dirty="0"/>
+          </a:p>
+        </p:txBody>
+      </p:sp>
+      <p:sp>
+        <p:nvSpPr>
+          <p:cNvPr id="3" name="Text Placeholder 2"/>
+          <p:cNvSpPr>
+            <a:spLocks noGrp="1"/>
+          </p:cNvSpPr>
+          <p:nvPr>
+            <p:ph type="body" idx="1"/>
+          </p:nvPr>
+        </p:nvSpPr>
+        <p:spPr>
+          <a:xfrm>
+            <a:off x="677334" y="2160589"/>
+            <a:ext cx="8596668" cy="3880773"/>
+          </a:xfrm>
+          <a:prstGeom prst="rect">
+            <a:avLst/>
+          </a:prstGeom>
+        </p:spPr>
+        <p:txBody>
+          <a:bodyPr vert="horz" lIns="91440" tIns="45720" rIns="91440" bIns="45720" rtlCol="0">
+            <a:normAutofit/>
+          </a:bodyPr>
+          <a:lstStyle/>
+          <a:p>
+            <a:pPr lvl="0"/>
+            <a:r>
+              <a:rPr lang="ru-RU" smtClean="0"/>
+              <a:t>Образец текста</a:t>
+            </a:r>
+          </a:p>
+          <a:p>
+            <a:pPr lvl="1"/>
+            <a:r>
+              <a:rPr lang="ru-RU" smtClean="0"/>
+              <a:t>Второй уровень</a:t>
+            </a:r>
+          </a:p>
+          <a:p>
+            <a:pPr lvl="2"/>
+            <a:r>
+              <a:rPr lang="ru-RU" smtClean="0"/>
+              <a:t>Третий уровень</a:t>
+            </a:r>
+          </a:p>
+          <a:p>
+            <a:pPr lvl="3"/>
+            <a:r>
+              <a:rPr lang="ru-RU" smtClean="0"/>
+              <a:t>Четвертый уровень</a:t>
+            </a:r>
+          </a:p>
+          <a:p>
+            <a:pPr lvl="4"/>
+            <a:r>
+              <a:rPr lang="ru-RU" smtClean="0"/>
+              <a:t>Пятый уровень</a:t>
+            </a:r>
+            <a:endParaRPr lang="en-US" dirty="0"/>
+          </a:p>
+        </p:txBody>
+      </p:sp>
+      <p:sp>
+        <p:nvSpPr>
+          <p:cNvPr id="4" name="Date Placeholder 3"/>
+          <p:cNvSpPr>
+            <a:spLocks noGrp="1"/>
+          </p:cNvSpPr>
+          <p:nvPr>
+            <p:ph type="dt" sz="half" idx="2"/>
+          </p:nvPr>
+        </p:nvSpPr>
+        <p:spPr>
+          <a:xfrm>
+            <a:off x="7205133" y="6041362"/>
+            <a:ext cx="911939" cy="365125"/>
+          </a:xfrm>
+          <a:prstGeom prst="rect">
+            <a:avLst/>
+          </a:prstGeom>
+        </p:spPr>
+        <p:txBody>
+          <a:bodyPr vert="horz" lIns="91440" tIns="45720" rIns="91440" bIns="45720" rtlCol="0" anchor="ctr"/>
+          <a:lstStyle>
+            <a:lvl1pPr algn="r">
+              <a:defRPr sz="900">
+                <a:solidFill>
+                  <a:schemeClr val="tx1">
+                    <a:tint val="75000"/>
+                  </a:schemeClr>
+                </a:solidFill>
+              </a:defRPr>
+            </a:lvl1pPr>
+          </a:lstStyle>
+          <a:p>
+            <a:fld id="{B61BEF0D-F0BB-DE4B-95CE-6DB70DBA9567}" type="datetimeFigureOut">
+              <a:rPr lang="en-US" smtClean="0"/>
+              <a:pPr/>
+              <a:t>1/24/2019</a:t>
+            </a:fld>
+            <a:endParaRPr lang="en-US" dirty="0"/>
+          </a:p>
+        </p:txBody>
+      </p:sp>
+      <p:sp>
+        <p:nvSpPr>
+          <p:cNvPr id="5" name="Footer Placeholder 4"/>
+          <p:cNvSpPr>
+            <a:spLocks noGrp="1"/>
+          </p:cNvSpPr>
+          <p:nvPr>
+            <p:ph type="ftr" sz="quarter" idx="3"/>
+          </p:nvPr>
+        </p:nvSpPr>
+        <p:spPr>
+          <a:xfrm>
+            <a:off x="677334" y="6041362"/>
+            <a:ext cx="6297612" cy="365125"/>
+          </a:xfrm>
+          <a:prstGeom prst="rect">
+            <a:avLst/>
+          </a:prstGeom>
+        </p:spPr>
+        <p:txBody>
+          <a:bodyPr vert="horz" lIns="91440" tIns="45720" rIns="91440" bIns="45720" rtlCol="0" anchor="ctr"/>
+          <a:lstStyle>
+            <a:lvl1pPr algn="l">
+              <a:defRPr sz="900">
+                <a:solidFill>
+                  <a:schemeClr val="tx1">
+                    <a:tint val="75000"/>
+                  </a:schemeClr>
+                </a:solidFill>
+              </a:defRPr>
+            </a:lvl1pPr>
+          </a:lstStyle>
+          <a:p>
+            <a:endParaRPr lang="en-US" dirty="0"/>
+          </a:p>
+        </p:txBody>
+      </p:sp>
+      <p:sp>
+        <p:nvSpPr>
+          <p:cNvPr id="6" name="Slide Number Placeholder 5"/>
+          <p:cNvSpPr>
+            <a:spLocks noGrp="1"/>
+          </p:cNvSpPr>
+          <p:nvPr>
+            <p:ph type="sldNum" sz="quarter" idx="4"/>
+          </p:nvPr>
+        </p:nvSpPr>
+        <p:spPr>
+          <a:xfrm>
+            <a:off x="8590663" y="6041362"/>
+            <a:ext cx="683339" cy="365125"/>
+          </a:xfrm>
+          <a:prstGeom prst="rect">
+            <a:avLst/>
+          </a:prstGeom>
+        </p:spPr>
+        <p:txBody>
+          <a:bodyPr vert="horz" lIns="91440" tIns="45720" rIns="91440" bIns="45720" rtlCol="0" anchor="ctr"/>
+          <a:lstStyle>
+            <a:lvl1pPr algn="r">
+              <a:defRPr sz="900">
+                <a:solidFill>
+                  <a:schemeClr val="accent1">
+                    <a:lumMod val="75000"/>
+                  </a:schemeClr>
+                </a:solidFill>
+              </a:defRPr>
+            </a:lvl1pPr>
+          </a:lstStyle>
+          <a:p>
+            <a:fld id="{D57F1E4F-1CFF-5643-939E-217C01CDF565}" type="slidenum">
+              <a:rPr lang="en-US" smtClean="0"/>
+              <a:pPr/>
+              <a:t>‹#›</a:t>
+            </a:fld>
+            <a:endParaRPr lang="en-US" dirty="0"/>
+          </a:p>
+        </p:txBody>
+      </p:sp>
+    </p:spTree>
+    <p:extLst>
+      <p:ext uri="{BB962C8B-B14F-4D97-AF65-F5344CB8AC3E}">
+        <p14:creationId xmlns:p14="http://schemas.microsoft.com/office/powerpoint/2010/main" val="971252162"/>
+      </p:ext>
+    </p:extLst>
+  </p:cSld>
+  <p:clrMap bg1="lt1" tx1="dk1" bg2="lt2" tx2="dk2" accent1="accent1" accent2="accent2" accent3="accent3" accent4="accent4" accent5="accent5" accent6="accent6" hlink="hlink" folHlink="folHlink"/>
+  <p:sldLayoutIdLst>
+    <p:sldLayoutId id="2147483737" r:id="rId1"/>
+    <p:sldLayoutId id="2147483738" r:id="rId2"/>
+    <p:sldLayoutId id="2147483739" r:id="rId3"/>
+    <p:sldLayoutId id="2147483740" r:id="rId4"/>
+    <p:sldLayoutId id="2147483741" r:id="rId5"/>
+    <p:sldLayoutId id="2147483742" r:id="rId6"/>
+    <p:sldLayoutId id="2147483743" r:id="rId7"/>
+    <p:sldLayoutId id="2147483744" r:id="rId8"/>
+    <p:sldLayoutId id="2147483745" r:id="rId9"/>
+    <p:sldLayoutId id="2147483746" r:id="rId10"/>
+    <p:sldLayoutId id="2147483747" r:id="rId11"/>
+    <p:sldLayoutId id="2147483748" r:id="rId12"/>
+    <p:sldLayoutId id="2147483749" r:id="rId13"/>
+    <p:sldLayoutId id="2147483750" r:id="rId14"/>
+    <p:sldLayoutId id="2147483751" r:id="rId15"/>
+    <p:sldLayoutId id="2147483752" r:id="rId16"/>
+  </p:sldLayoutIdLst>
+  <p:txStyles>
+    <p:titleStyle>
+      <a:lvl1pPr algn="l" defTabSz="457200" rtl="0" eaLnBrk="1" latinLnBrk="0" hangingPunct="1">
+        <a:spcBef>
+          <a:spcPct val="0"/>
+        </a:spcBef>
+        <a:buNone/>
+        <a:defRPr sz="3600" kern="1200">
+          <a:solidFill>
+            <a:schemeClr val="accent1">
+              <a:lumMod val="75000"/>
+            </a:schemeClr>
+          </a:solidFill>
+          <a:latin typeface="+mj-lt"/>
+          <a:ea typeface="+mj-ea"/>
+          <a:cs typeface="+mj-cs"/>
+        </a:defRPr>
+      </a:lvl1pPr>
+      <a:lvl2pPr eaLnBrk="1" hangingPunct="1">
+        <a:defRPr>
+          <a:solidFill>
+            <a:schemeClr val="tx2"/>
+          </a:solidFill>
+        </a:defRPr>
+      </a:lvl2pPr>
+      <a:lvl3pPr eaLnBrk="1" hangingPunct="1">
+        <a:defRPr>
+          <a:solidFill>
+            <a:schemeClr val="tx2"/>
+          </a:solidFill>
+        </a:defRPr>
+      </a:lvl3pPr>
+      <a:lvl4pPr eaLnBrk="1" hangingPunct="1">
+        <a:defRPr>
+          <a:solidFill>
+            <a:schemeClr val="tx2"/>
+          </a:solidFill>
+        </a:defRPr>
+      </a:lvl4pPr>
+      <a:lvl5pPr eaLnBrk="1" hangingPunct="1">
+        <a:defRPr>
+          <a:solidFill>
+            <a:schemeClr val="tx2"/>
+          </a:solidFill>
+        </a:defRPr>
+      </a:lvl5pPr>
+      <a:lvl6pPr eaLnBrk="1" hangingPunct="1">
+        <a:defRPr>
+          <a:solidFill>
+            <a:schemeClr val="tx2"/>
+          </a:solidFill>
+        </a:defRPr>
+      </a:lvl6pPr>
+      <a:lvl7pPr eaLnBrk="1" hangingPunct="1">
+        <a:defRPr>
+          <a:solidFill>
+            <a:schemeClr val="tx2"/>
+          </a:solidFill>
+        </a:defRPr>
+      </a:lvl7pPr>
+      <a:lvl8pPr eaLnBrk="1" hangingPunct="1">
+        <a:defRPr>
+          <a:solidFill>
+            <a:schemeClr val="tx2"/>
+          </a:solidFill>
+        </a:defRPr>
+      </a:lvl8pPr>
+      <a:lvl9pPr eaLnBrk="1" hangingPunct="1">
+        <a:defRPr>
+          <a:solidFill>
+            <a:schemeClr val="tx2"/>
+          </a:solidFill>
+        </a:defRPr>
+      </a:lvl9pPr>
+    </p:titleStyle>
+    <p:bodyStyle>
+      <a:lvl1pPr marL="342900" indent="-342900" algn="l" defTabSz="457200" rtl="0" eaLnBrk="1" latinLnBrk="0" hangingPunct="1">
+        <a:spcBef>
+          <a:spcPts val="1000"/>
+        </a:spcBef>
+        <a:spcAft>
+          <a:spcPts val="0"/>
+        </a:spcAft>
+        <a:buClr>
+          <a:schemeClr val="accent1">
+            <a:lumMod val="75000"/>
+          </a:schemeClr>
+        </a:buClr>
+        <a:buSzPct val="80000"/>
+        <a:buFont typeface="Wingdings 3" charset="2"/>
+        <a:buChar char=""/>
+        <a:defRPr sz="1800" kern="1200">
+          <a:solidFill>
+            <a:schemeClr val="tx1">
+              <a:lumMod val="75000"/>
+              <a:lumOff val="25000"/>
+            </a:schemeClr>
+          </a:solidFill>
+          <a:latin typeface="+mn-lt"/>
+          <a:ea typeface="+mn-ea"/>
+          <a:cs typeface="+mn-cs"/>
+        </a:defRPr>
+      </a:lvl1pPr>
+      <a:lvl2pPr marL="742950" indent="-285750" algn="l" defTabSz="457200" rtl="0" eaLnBrk="1" latinLnBrk="0" hangingPunct="1">
+        <a:spcBef>
+          <a:spcPts val="1000"/>
+        </a:spcBef>
+        <a:spcAft>
+          <a:spcPts val="0"/>
+        </a:spcAft>
+        <a:buClr>
+          <a:schemeClr val="accent1">
+            <a:lumMod val="75000"/>
+          </a:schemeClr>
+        </a:buClr>
+        <a:buSzPct val="80000"/>
+        <a:buFont typeface="Wingdings 3" charset="2"/>
+        <a:buChar char=""/>
+        <a:defRPr sz="1600" kern="1200">
+          <a:solidFill>
+            <a:schemeClr val="tx1">
+              <a:lumMod val="75000"/>
+              <a:lumOff val="25000"/>
+            </a:schemeClr>
+          </a:solidFill>
+          <a:latin typeface="+mn-lt"/>
+          <a:ea typeface="+mn-ea"/>
+          <a:cs typeface="+mn-cs"/>
+        </a:defRPr>
+      </a:lvl2pPr>
+      <a:lvl3pPr marL="1143000" indent="-228600" algn="l" defTabSz="457200" rtl="0" eaLnBrk="1" latinLnBrk="0" hangingPunct="1">
+        <a:spcBef>
+          <a:spcPts val="1000"/>
+        </a:spcBef>
+        <a:spcAft>
+          <a:spcPts val="0"/>
+        </a:spcAft>
+        <a:buClr>
+          <a:schemeClr val="accent1">
+            <a:lumMod val="75000"/>
+          </a:schemeClr>
+        </a:buClr>
+        <a:buSzPct val="80000"/>
+        <a:buFont typeface="Wingdings 3" charset="2"/>
+        <a:buChar char=""/>
+        <a:defRPr sz="1400" kern="1200">
+          <a:solidFill>
+            <a:schemeClr val="tx1">
+              <a:lumMod val="75000"/>
+              <a:lumOff val="25000"/>
+            </a:schemeClr>
+          </a:solidFill>
+          <a:latin typeface="+mn-lt"/>
+          <a:ea typeface="+mn-ea"/>
+          <a:cs typeface="+mn-cs"/>
+        </a:defRPr>
+      </a:lvl3pPr>
+      <a:lvl4pPr marL="1600200" indent="-228600" algn="l" defTabSz="457200" rtl="0" eaLnBrk="1" latinLnBrk="0" hangingPunct="1">
+        <a:spcBef>
+          <a:spcPts val="1000"/>
+        </a:spcBef>
+        <a:spcAft>
+          <a:spcPts val="0"/>
+        </a:spcAft>
+        <a:buClr>
+          <a:schemeClr val="accent1">
+            <a:lumMod val="75000"/>
+          </a:schemeClr>
+        </a:buClr>
+        <a:buSzPct val="80000"/>
+        <a:buFont typeface="Wingdings 3" charset="2"/>
+        <a:buChar char=""/>
+        <a:defRPr sz="1200" kern="1200">
+          <a:solidFill>
+            <a:schemeClr val="tx1">
+              <a:lumMod val="75000"/>
+              <a:lumOff val="25000"/>
+            </a:schemeClr>
+          </a:solidFill>
+          <a:latin typeface="+mn-lt"/>
+          <a:ea typeface="+mn-ea"/>
+          <a:cs typeface="+mn-cs"/>
+        </a:defRPr>
+      </a:lvl4pPr>
+      <a:lvl5pPr marL="2057400" indent="-228600" algn="l" defTabSz="457200" rtl="0" eaLnBrk="1" latinLnBrk="0" hangingPunct="1">
+        <a:spcBef>
+          <a:spcPts val="1000"/>
+        </a:spcBef>
+        <a:spcAft>
+          <a:spcPts val="0"/>
+        </a:spcAft>
+        <a:buClr>
+          <a:schemeClr val="accent1">
+            <a:lumMod val="75000"/>
+          </a:schemeClr>
+        </a:buClr>
+        <a:buSzPct val="80000"/>
+        <a:buFont typeface="Wingdings 3" charset="2"/>
+        <a:buChar char=""/>
+        <a:defRPr sz="1200" kern="1200">
+          <a:solidFill>
+            <a:schemeClr val="tx1">
+              <a:lumMod val="75000"/>
+              <a:lumOff val="25000"/>
+            </a:schemeClr>
+          </a:solidFill>
+          <a:latin typeface="+mn-lt"/>
+          <a:ea typeface="+mn-ea"/>
+          <a:cs typeface="+mn-cs"/>
+        </a:defRPr>
+      </a:lvl5pPr>
+      <a:lvl6pPr marL="2514600" indent="-228600" algn="l" defTabSz="457200" rtl="0" eaLnBrk="1" latinLnBrk="0" hangingPunct="1">
+        <a:spcBef>
+          <a:spcPts val="1000"/>
+        </a:spcBef>
+        <a:spcAft>
+          <a:spcPts val="0"/>
+        </a:spcAft>
+        <a:buClr>
+          <a:schemeClr val="accent1">
+            <a:lumMod val="75000"/>
+          </a:schemeClr>
+        </a:buClr>
+        <a:buSzPct val="80000"/>
+        <a:buFont typeface="Wingdings 3" charset="2"/>
+        <a:buChar char=""/>
+        <a:defRPr sz="1200" kern="1200">
+          <a:solidFill>
+            <a:schemeClr val="tx1">
+              <a:lumMod val="75000"/>
+              <a:lumOff val="25000"/>
+            </a:schemeClr>
+          </a:solidFill>
+          <a:latin typeface="+mn-lt"/>
+          <a:ea typeface="+mn-ea"/>
+          <a:cs typeface="+mn-cs"/>
+        </a:defRPr>
+      </a:lvl6pPr>
+      <a:lvl7pPr marL="2971800" indent="-228600" algn="l" defTabSz="457200" rtl="0" eaLnBrk="1" latinLnBrk="0" hangingPunct="1">
+        <a:spcBef>
+          <a:spcPts val="1000"/>
+        </a:spcBef>
+        <a:spcAft>
+          <a:spcPts val="0"/>
+        </a:spcAft>
+        <a:buClr>
+          <a:schemeClr val="accent1">
+            <a:lumMod val="75000"/>
+          </a:schemeClr>
+        </a:buClr>
+        <a:buSzPct val="80000"/>
+        <a:buFont typeface="Wingdings 3" charset="2"/>
+        <a:buChar char=""/>
+        <a:defRPr sz="1200" kern="1200">
+          <a:solidFill>
+            <a:schemeClr val="tx1">
+              <a:lumMod val="75000"/>
+              <a:lumOff val="25000"/>
+            </a:schemeClr>
+          </a:solidFill>
+          <a:latin typeface="+mn-lt"/>
+          <a:ea typeface="+mn-ea"/>
+          <a:cs typeface="+mn-cs"/>
+        </a:defRPr>
+      </a:lvl7pPr>
+      <a:lvl8pPr marL="3429000" indent="-228600" algn="l" defTabSz="457200" rtl="0" eaLnBrk="1" latinLnBrk="0" hangingPunct="1">
+        <a:spcBef>
+          <a:spcPts val="1000"/>
+        </a:spcBef>
+        <a:spcAft>
+          <a:spcPts val="0"/>
+        </a:spcAft>
+        <a:buClr>
+          <a:schemeClr val="accent1">
+            <a:lumMod val="75000"/>
+          </a:schemeClr>
+        </a:buClr>
+        <a:buSzPct val="80000"/>
+        <a:buFont typeface="Wingdings 3" charset="2"/>
+        <a:buChar char=""/>
+        <a:defRPr sz="1200" kern="1200">
+          <a:solidFill>
+            <a:schemeClr val="tx1">
+              <a:lumMod val="75000"/>
+              <a:lumOff val="25000"/>
+            </a:schemeClr>
+          </a:solidFill>
+          <a:latin typeface="+mn-lt"/>
+          <a:ea typeface="+mn-ea"/>
+          <a:cs typeface="+mn-cs"/>
+        </a:defRPr>
+      </a:lvl8pPr>
+      <a:lvl9pPr marL="3886200" indent="-228600" algn="l" defTabSz="457200" rtl="0" eaLnBrk="1" latinLnBrk="0" hangingPunct="1">
+        <a:spcBef>
+          <a:spcPts val="1000"/>
+        </a:spcBef>
+        <a:spcAft>
+          <a:spcPts val="0"/>
+        </a:spcAft>
+        <a:buClr>
+          <a:schemeClr val="accent1">
+            <a:lumMod val="75000"/>
+          </a:schemeClr>
+        </a:buClr>
+        <a:buSzPct val="80000"/>
+        <a:buFont typeface="Wingdings 3" charset="2"/>
+        <a:buChar char=""/>
+        <a:defRPr sz="1200" kern="1200">
+          <a:solidFill>
+            <a:schemeClr val="tx1">
+              <a:lumMod val="75000"/>
+              <a:lumOff val="25000"/>
+            </a:schemeClr>
+          </a:solidFill>
+          <a:latin typeface="+mn-lt"/>
+          <a:ea typeface="+mn-ea"/>
+          <a:cs typeface="+mn-cs"/>
+        </a:defRPr>
+      </a:lvl9pPr>
+    </p:bodyStyle>
+    <p:otherStyle>
+      <a:defPPr>
+        <a:defRPr lang="en-US"/>
+      </a:defPPr>
+      <a:lvl1pPr marL="0" algn="l" defTabSz="457200" rtl="0" eaLnBrk="1" latinLnBrk="0" hangingPunct="1">
+        <a:defRPr sz="1800" kern="1200">
+          <a:solidFill>
+            <a:schemeClr val="tx1"/>
+          </a:solidFill>
+          <a:latin typeface="+mn-lt"/>
+          <a:ea typeface="+mn-ea"/>
+          <a:cs typeface="+mn-cs"/>
+        </a:defRPr>
+      </a:lvl1pPr>
+      <a:lvl2pPr marL="457200" algn="l" defTabSz="457200" rtl="0" eaLnBrk="1" latinLnBrk="0" hangingPunct="1">
+        <a:defRPr sz="1800" kern="1200">
+          <a:solidFill>
+            <a:schemeClr val="tx1"/>
+          </a:solidFill>
+          <a:latin typeface="+mn-lt"/>
+          <a:ea typeface="+mn-ea"/>
+          <a:cs typeface="+mn-cs"/>
+        </a:defRPr>
+      </a:lvl2pPr>
+      <a:lvl3pPr marL="914400" algn="l" defTabSz="457200" rtl="0" eaLnBrk="1" latinLnBrk="0" hangingPunct="1">
+        <a:defRPr sz="1800" kern="1200">
+          <a:solidFill>
+            <a:schemeClr val="tx1"/>
+          </a:solidFill>
+          <a:latin typeface="+mn-lt"/>
+          <a:ea typeface="+mn-ea"/>
+          <a:cs typeface="+mn-cs"/>
+        </a:defRPr>
+      </a:lvl3pPr>
+      <a:lvl4pPr marL="1371600" algn="l" defTabSz="457200" rtl="0" eaLnBrk="1" latinLnBrk="0" hangingPunct="1">
+        <a:defRPr sz="1800" kern="1200">
+          <a:solidFill>
+            <a:schemeClr val="tx1"/>
+          </a:solidFill>
+          <a:latin typeface="+mn-lt"/>
+          <a:ea typeface="+mn-ea"/>
+          <a:cs typeface="+mn-cs"/>
+        </a:defRPr>
+      </a:lvl4pPr>
+      <a:lvl5pPr marL="1828800" algn="l" defTabSz="457200" rtl="0" eaLnBrk="1" latinLnBrk="0" hangingPunct="1">
+        <a:defRPr sz="1800" kern="1200">
+          <a:solidFill>
+            <a:schemeClr val="tx1"/>
+          </a:solidFill>
+          <a:latin typeface="+mn-lt"/>
+          <a:ea typeface="+mn-ea"/>
+          <a:cs typeface="+mn-cs"/>
+        </a:defRPr>
+      </a:lvl5pPr>
+      <a:lvl6pPr marL="2286000" algn="l" defTabSz="457200" rtl="0" eaLnBrk="1" latinLnBrk="0" hangingPunct="1">
+        <a:defRPr sz="1800" kern="1200">
+          <a:solidFill>
+            <a:schemeClr val="tx1"/>
+          </a:solidFill>
+          <a:latin typeface="+mn-lt"/>
+          <a:ea typeface="+mn-ea"/>
+          <a:cs typeface="+mn-cs"/>
+        </a:defRPr>
+      </a:lvl6pPr>
+      <a:lvl7pPr marL="2743200" algn="l" defTabSz="457200" rtl="0" eaLnBrk="1" latinLnBrk="0" hangingPunct="1">
+        <a:defRPr sz="1800" kern="1200">
+          <a:solidFill>
+            <a:schemeClr val="tx1"/>
+          </a:solidFill>
+          <a:latin typeface="+mn-lt"/>
+          <a:ea typeface="+mn-ea"/>
+          <a:cs typeface="+mn-cs"/>
+        </a:defRPr>
+      </a:lvl7pPr>
+      <a:lvl8pPr marL="3200400" algn="l" defTabSz="457200" rtl="0" eaLnBrk="1" latinLnBrk="0" hangingPunct="1">
+        <a:defRPr sz="1800" kern="1200">
+          <a:solidFill>
+            <a:schemeClr val="tx1"/>
+          </a:solidFill>
+          <a:latin typeface="+mn-lt"/>
+          <a:ea typeface="+mn-ea"/>
+          <a:cs typeface="+mn-cs"/>
+        </a:defRPr>
+      </a:lvl8pPr>
+      <a:lvl9pPr marL="3657600" algn="l" defTabSz="457200" rtl="0" eaLnBrk="1" latinLnBrk="0" hangingPunct="1">
+        <a:defRPr sz="1800" kern="1200">
+          <a:solidFill>
+            <a:schemeClr val="tx1"/>
+          </a:solidFill>
+          <a:latin typeface="+mn-lt"/>
+          <a:ea typeface="+mn-ea"/>
+          <a:cs typeface="+mn-cs"/>
+        </a:defRPr>
+      </a:lvl9pPr>
+    </p:otherStyle>
+  </p:txStyles>
+</p:sldMaster>
+</file>
+
 <file path=ppt/slides/slide1.xml><?xml version="1.0" encoding="utf-8"?>
 <p:sld xmlns:a="http://schemas.openxmlformats.org/drawingml/2006/main" xmlns:r="http://schemas.openxmlformats.org/officeDocument/2006/relationships" xmlns:p="http://schemas.openxmlformats.org/presentationml/2006/main">
   <p:cSld>
@@ -8912,34 +14643,13 @@
           <a:chExt cx="0" cy="0"/>
         </a:xfrm>
       </p:grpSpPr>
-      <p:sp>
-        <p:nvSpPr>
-          <p:cNvPr id="2" name="Заголовок 1"/>
-          <p:cNvSpPr>
-            <a:spLocks noGrp="1"/>
-          </p:cNvSpPr>
-          <p:nvPr>
-            <p:ph type="title"/>
-          </p:nvPr>
-        </p:nvSpPr>
-        <p:spPr/>
-        <p:txBody>
-          <a:bodyPr/>
-          <a:lstStyle/>
-          <a:p>
-            <a:endParaRPr lang="ru-RU" dirty="0"/>
-          </a:p>
-        </p:txBody>
-      </p:sp>
       <p:pic>
         <p:nvPicPr>
-          <p:cNvPr id="4" name="Объект 3"/>
+          <p:cNvPr id="5" name="Рисунок 4"/>
           <p:cNvPicPr>
-            <a:picLocks noGrp="1" noChangeAspect="1"/>
+            <a:picLocks noChangeAspect="1"/>
           </p:cNvPicPr>
-          <p:nvPr>
-            <p:ph idx="1"/>
-          </p:nvPr>
+          <p:nvPr/>
         </p:nvPicPr>
         <p:blipFill>
           <a:blip r:embed="rId2">
@@ -8955,9 +14665,12 @@
         </p:blipFill>
         <p:spPr>
           <a:xfrm>
-            <a:off x="750826" y="399012"/>
-            <a:ext cx="8523176" cy="5985164"/>
+            <a:off x="690282" y="327344"/>
+            <a:ext cx="7673788" cy="6178527"/>
           </a:xfrm>
+          <a:prstGeom prst="rect">
+            <a:avLst/>
+          </a:prstGeom>
         </p:spPr>
       </p:pic>
     </p:spTree>
@@ -9743,4 +15456,261 @@
     </a:ext>
   </a:extLst>
 </a:theme>
+</file>
+
+<file path=ppt/theme/theme2.xml><?xml version="1.0" encoding="utf-8"?>
+<a:theme xmlns:a="http://schemas.openxmlformats.org/drawingml/2006/main" name="1_Аспект">
+  <a:themeElements>
+    <a:clrScheme name="Аспект">
+      <a:dk1>
+        <a:sysClr val="windowText" lastClr="000000"/>
+      </a:dk1>
+      <a:lt1>
+        <a:sysClr val="window" lastClr="FFFFFF"/>
+      </a:lt1>
+      <a:dk2>
+        <a:srgbClr val="2C3C43"/>
+      </a:dk2>
+      <a:lt2>
+        <a:srgbClr val="EBEBEB"/>
+      </a:lt2>
+      <a:accent1>
+        <a:srgbClr val="F496CB"/>
+      </a:accent1>
+      <a:accent2>
+        <a:srgbClr val="BC356F"/>
+      </a:accent2>
+      <a:accent3>
+        <a:srgbClr val="E65331"/>
+      </a:accent3>
+      <a:accent4>
+        <a:srgbClr val="F27E19"/>
+      </a:accent4>
+      <a:accent5>
+        <a:srgbClr val="F2AC19"/>
+      </a:accent5>
+      <a:accent6>
+        <a:srgbClr val="BC80E0"/>
+      </a:accent6>
+      <a:hlink>
+        <a:srgbClr val="EF5285"/>
+      </a:hlink>
+      <a:folHlink>
+        <a:srgbClr val="F77F90"/>
+      </a:folHlink>
+    </a:clrScheme>
+    <a:fontScheme name="Аспект">
+      <a:majorFont>
+        <a:latin typeface="Trebuchet MS" panose="020B0603020202020204"/>
+        <a:ea typeface=""/>
+        <a:cs typeface=""/>
+        <a:font script="Jpan" typeface="メイリオ"/>
+        <a:font script="Hang" typeface="맑은 고딕"/>
+        <a:font script="Hans" typeface="方正姚体"/>
+        <a:font script="Hant" typeface="微軟正黑體"/>
+        <a:font script="Arab" typeface="Tahoma"/>
+        <a:font script="Hebr" typeface="Arial"/>
+        <a:font script="Thai" typeface="Cordia New"/>
+        <a:font script="Ethi" typeface="Nyala"/>
+        <a:font script="Beng" typeface="Vrinda"/>
+        <a:font script="Gujr" typeface="Shruti"/>
+        <a:font script="Khmr" typeface="DaunPenh"/>
+        <a:font script="Knda" typeface="Tunga"/>
+        <a:font script="Guru" typeface="Raavi"/>
+        <a:font script="Cans" typeface="Euphemia"/>
+        <a:font script="Cher" typeface="Plantagenet Cherokee"/>
+        <a:font script="Yiii" typeface="Microsoft Yi Baiti"/>
+        <a:font script="Tibt" typeface="Microsoft Himalaya"/>
+        <a:font script="Thaa" typeface="MV Boli"/>
+        <a:font script="Deva" typeface="Mangal"/>
+        <a:font script="Telu" typeface="Gautami"/>
+        <a:font script="Taml" typeface="Latha"/>
+        <a:font script="Syrc" typeface="Estrangelo Edessa"/>
+        <a:font script="Orya" typeface="Kalinga"/>
+        <a:font script="Mlym" typeface="Kartika"/>
+        <a:font script="Laoo" typeface="DokChampa"/>
+        <a:font script="Sinh" typeface="Iskoola Pota"/>
+        <a:font script="Mong" typeface="Mongolian Baiti"/>
+        <a:font script="Viet" typeface="Tahoma"/>
+        <a:font script="Uigh" typeface="Microsoft Uighur"/>
+        <a:font script="Geor" typeface="Sylfaen"/>
+      </a:majorFont>
+      <a:minorFont>
+        <a:latin typeface="Trebuchet MS" panose="020B0603020202020204"/>
+        <a:ea typeface=""/>
+        <a:cs typeface=""/>
+        <a:font script="Jpan" typeface="メイリオ"/>
+        <a:font script="Hang" typeface="HY그래픽M"/>
+        <a:font script="Hans" typeface="华文新魏"/>
+        <a:font script="Hant" typeface="微軟正黑體"/>
+        <a:font script="Arab" typeface="Tahoma"/>
+        <a:font script="Hebr" typeface="Gisha"/>
+        <a:font script="Thai" typeface="IrisUPC"/>
+        <a:font script="Ethi" typeface="Nyala"/>
+        <a:font script="Beng" typeface="Vrinda"/>
+        <a:font script="Gujr" typeface="Shruti"/>
+        <a:font script="Khmr" typeface="DaunPenh"/>
+        <a:font script="Knda" typeface="Tunga"/>
+        <a:font script="Guru" typeface="Raavi"/>
+        <a:font script="Cans" typeface="Euphemia"/>
+        <a:font script="Cher" typeface="Plantagenet Cherokee"/>
+        <a:font script="Yiii" typeface="Microsoft Yi Baiti"/>
+        <a:font script="Tibt" typeface="Microsoft Himalaya"/>
+        <a:font script="Thaa" typeface="MV Boli"/>
+        <a:font script="Deva" typeface="Mangal"/>
+        <a:font script="Telu" typeface="Gautami"/>
+        <a:font script="Taml" typeface="Latha"/>
+        <a:font script="Syrc" typeface="Estrangelo Edessa"/>
+        <a:font script="Orya" typeface="Kalinga"/>
+        <a:font script="Mlym" typeface="Kartika"/>
+        <a:font script="Laoo" typeface="DokChampa"/>
+        <a:font script="Sinh" typeface="Iskoola Pota"/>
+        <a:font script="Mong" typeface="Mongolian Baiti"/>
+        <a:font script="Viet" typeface="Arial"/>
+        <a:font script="Uigh" typeface="Microsoft Uighur"/>
+        <a:font script="Geor" typeface="Sylfaen"/>
+      </a:minorFont>
+    </a:fontScheme>
+    <a:fmtScheme name="Аспект">
+      <a:fillStyleLst>
+        <a:solidFill>
+          <a:schemeClr val="phClr"/>
+        </a:solidFill>
+        <a:gradFill rotWithShape="1">
+          <a:gsLst>
+            <a:gs pos="0">
+              <a:schemeClr val="phClr">
+                <a:tint val="65000"/>
+                <a:lumMod val="110000"/>
+              </a:schemeClr>
+            </a:gs>
+            <a:gs pos="88000">
+              <a:schemeClr val="phClr">
+                <a:tint val="90000"/>
+              </a:schemeClr>
+            </a:gs>
+          </a:gsLst>
+          <a:lin ang="5400000" scaled="0"/>
+        </a:gradFill>
+        <a:gradFill rotWithShape="1">
+          <a:gsLst>
+            <a:gs pos="0">
+              <a:schemeClr val="phClr">
+                <a:tint val="96000"/>
+                <a:lumMod val="100000"/>
+              </a:schemeClr>
+            </a:gs>
+            <a:gs pos="78000">
+              <a:schemeClr val="phClr">
+                <a:shade val="94000"/>
+                <a:lumMod val="94000"/>
+              </a:schemeClr>
+            </a:gs>
+          </a:gsLst>
+          <a:lin ang="5400000" scaled="0"/>
+        </a:gradFill>
+      </a:fillStyleLst>
+      <a:lnStyleLst>
+        <a:ln w="12700" cap="rnd" cmpd="sng" algn="ctr">
+          <a:solidFill>
+            <a:schemeClr val="phClr"/>
+          </a:solidFill>
+          <a:prstDash val="solid"/>
+        </a:ln>
+        <a:ln w="19050" cap="rnd" cmpd="sng" algn="ctr">
+          <a:solidFill>
+            <a:schemeClr val="phClr"/>
+          </a:solidFill>
+          <a:prstDash val="solid"/>
+        </a:ln>
+        <a:ln w="25400" cap="rnd" cmpd="sng" algn="ctr">
+          <a:solidFill>
+            <a:schemeClr val="phClr"/>
+          </a:solidFill>
+          <a:prstDash val="solid"/>
+        </a:ln>
+      </a:lnStyleLst>
+      <a:effectStyleLst>
+        <a:effectStyle>
+          <a:effectLst/>
+        </a:effectStyle>
+        <a:effectStyle>
+          <a:effectLst>
+            <a:outerShdw blurRad="38100" dist="25400" dir="5400000" rotWithShape="0">
+              <a:srgbClr val="000000">
+                <a:alpha val="35000"/>
+              </a:srgbClr>
+            </a:outerShdw>
+          </a:effectLst>
+        </a:effectStyle>
+        <a:effectStyle>
+          <a:effectLst>
+            <a:outerShdw blurRad="50800" dist="38100" dir="5400000" rotWithShape="0">
+              <a:srgbClr val="000000">
+                <a:alpha val="35000"/>
+              </a:srgbClr>
+            </a:outerShdw>
+          </a:effectLst>
+          <a:scene3d>
+            <a:camera prst="orthographicFront">
+              <a:rot lat="0" lon="0" rev="0"/>
+            </a:camera>
+            <a:lightRig rig="threePt" dir="tl"/>
+          </a:scene3d>
+          <a:sp3d prstMaterial="plastic">
+            <a:bevelT w="0" h="0"/>
+          </a:sp3d>
+        </a:effectStyle>
+      </a:effectStyleLst>
+      <a:bgFillStyleLst>
+        <a:solidFill>
+          <a:schemeClr val="phClr"/>
+        </a:solidFill>
+        <a:gradFill rotWithShape="1">
+          <a:gsLst>
+            <a:gs pos="0">
+              <a:schemeClr val="phClr">
+                <a:tint val="90000"/>
+                <a:lumMod val="104000"/>
+              </a:schemeClr>
+            </a:gs>
+            <a:gs pos="94000">
+              <a:schemeClr val="phClr">
+                <a:shade val="96000"/>
+                <a:lumMod val="82000"/>
+              </a:schemeClr>
+            </a:gs>
+          </a:gsLst>
+          <a:lin ang="5400000" scaled="0"/>
+        </a:gradFill>
+        <a:gradFill rotWithShape="1">
+          <a:gsLst>
+            <a:gs pos="0">
+              <a:schemeClr val="phClr">
+                <a:tint val="90000"/>
+                <a:lumMod val="110000"/>
+              </a:schemeClr>
+            </a:gs>
+            <a:gs pos="100000">
+              <a:schemeClr val="phClr">
+                <a:shade val="94000"/>
+                <a:lumMod val="96000"/>
+              </a:schemeClr>
+            </a:gs>
+          </a:gsLst>
+          <a:path path="circle">
+            <a:fillToRect l="50000" t="50000" r="100000" b="100000"/>
+          </a:path>
+        </a:gradFill>
+      </a:bgFillStyleLst>
+    </a:fmtScheme>
+  </a:themeElements>
+  <a:objectDefaults/>
+  <a:extraClrSchemeLst/>
+  <a:extLst>
+    <a:ext uri="{05A4C25C-085E-4340-85A3-A5531E510DB2}">
+      <thm15:themeFamily xmlns:thm15="http://schemas.microsoft.com/office/thememl/2012/main" name="Facet" id="{C0C680CD-088A-49FC-A102-D699147F32B2}" vid="{23659B44-6E34-4CE8-8F0D-387DA7996826}"/>
+    </a:ext>
+  </a:extLst>
+</a:theme>
 </file>